--- a/Lezioni_5_6_7/Lezione_5/Slide_5.pptx
+++ b/Lezioni_5_6_7/Lezione_5/Slide_5.pptx
@@ -31,8 +31,9 @@
     <p:sldId id="355" r:id="rId25"/>
     <p:sldId id="356" r:id="rId26"/>
     <p:sldId id="353" r:id="rId27"/>
-    <p:sldId id="342" r:id="rId28"/>
-    <p:sldId id="313" r:id="rId29"/>
+    <p:sldId id="357" r:id="rId28"/>
+    <p:sldId id="342" r:id="rId29"/>
+    <p:sldId id="313" r:id="rId30"/>
   </p:sldIdLst>
   <p:sldSz cx="18289588" cy="13717588"/>
   <p:notesSz cx="6858000" cy="9144000"/>
@@ -41854,8 +41855,8 @@
         </p:nvSpPr>
         <p:spPr>
           <a:xfrm>
-            <a:off x="287810" y="1458194"/>
-            <a:ext cx="17641960" cy="861774"/>
+            <a:off x="287810" y="1170162"/>
+            <a:ext cx="17641960" cy="784830"/>
           </a:xfrm>
           <a:prstGeom prst="rect">
             <a:avLst/>
@@ -41872,7 +41873,7 @@
               <a:buChar char="•"/>
             </a:pPr>
             <a:r>
-              <a:rPr lang="it-IT" sz="5000" dirty="0" smtClean="0">
+              <a:rPr lang="it-IT" sz="4500" dirty="0" smtClean="0">
                 <a:solidFill>
                   <a:schemeClr val="tx1"/>
                 </a:solidFill>
@@ -41881,7 +41882,7 @@
               <a:t>Istruzione </a:t>
             </a:r>
             <a:r>
-              <a:rPr lang="it-IT" sz="5000" i="1" dirty="0" err="1" smtClean="0">
+              <a:rPr lang="it-IT" sz="4500" i="1" dirty="0" err="1" smtClean="0">
                 <a:solidFill>
                   <a:schemeClr val="tx1"/>
                 </a:solidFill>
@@ -41889,7 +41890,7 @@
               </a:rPr>
               <a:t>if</a:t>
             </a:r>
-            <a:endParaRPr lang="it-IT" sz="5000" i="1" dirty="0">
+            <a:endParaRPr lang="it-IT" sz="4500" i="1" dirty="0">
               <a:solidFill>
                 <a:schemeClr val="tx1"/>
               </a:solidFill>
@@ -41906,8 +41907,8 @@
         </p:nvSpPr>
         <p:spPr>
           <a:xfrm>
-            <a:off x="5976442" y="2250282"/>
-            <a:ext cx="6505344" cy="3323987"/>
+            <a:off x="5976442" y="1890242"/>
+            <a:ext cx="5904443" cy="3016210"/>
           </a:xfrm>
           <a:prstGeom prst="rect">
             <a:avLst/>
@@ -41924,21 +41925,21 @@
           <a:p>
             <a:pPr algn="l"/>
             <a:r>
-              <a:rPr lang="it-IT" sz="4200" b="1" dirty="0" err="1">
+              <a:rPr lang="it-IT" sz="3800" b="1" dirty="0" err="1">
                 <a:latin typeface="Monaco"/>
                 <a:cs typeface="Monaco"/>
               </a:rPr>
               <a:t>i</a:t>
             </a:r>
             <a:r>
-              <a:rPr lang="it-IT" sz="4200" b="1" dirty="0" err="1" smtClean="0">
+              <a:rPr lang="it-IT" sz="3800" b="1" dirty="0" err="1" smtClean="0">
                 <a:latin typeface="Monaco"/>
                 <a:cs typeface="Monaco"/>
               </a:rPr>
               <a:t>f</a:t>
             </a:r>
             <a:r>
-              <a:rPr lang="it-IT" sz="4200" dirty="0" smtClean="0">
+              <a:rPr lang="it-IT" sz="3800" dirty="0" smtClean="0">
                 <a:latin typeface="Monaco"/>
                 <a:cs typeface="Monaco"/>
               </a:rPr>
@@ -41948,7 +41949,7 @@
           <a:p>
             <a:pPr algn="l"/>
             <a:r>
-              <a:rPr lang="it-IT" sz="4200" i="1" dirty="0" smtClean="0">
+              <a:rPr lang="it-IT" sz="3800" i="1" dirty="0" smtClean="0">
                 <a:latin typeface="Monaco"/>
                 <a:cs typeface="Monaco"/>
               </a:rPr>
@@ -41958,21 +41959,21 @@
           <a:p>
             <a:pPr algn="l"/>
             <a:r>
-              <a:rPr lang="it-IT" sz="4200" i="1" dirty="0" smtClean="0">
+              <a:rPr lang="it-IT" sz="3800" i="1" dirty="0" smtClean="0">
                 <a:latin typeface="Monaco"/>
                 <a:cs typeface="Monaco"/>
               </a:rPr>
               <a:t>} </a:t>
             </a:r>
             <a:r>
-              <a:rPr lang="it-IT" sz="4200" b="1" i="1" dirty="0" smtClean="0">
+              <a:rPr lang="it-IT" sz="3800" b="1" i="1" dirty="0" smtClean="0">
                 <a:latin typeface="Monaco"/>
                 <a:cs typeface="Monaco"/>
               </a:rPr>
               <a:t>else</a:t>
             </a:r>
             <a:r>
-              <a:rPr lang="it-IT" sz="4200" i="1" dirty="0" smtClean="0">
+              <a:rPr lang="it-IT" sz="3800" i="1" dirty="0" smtClean="0">
                 <a:latin typeface="Monaco"/>
                 <a:cs typeface="Monaco"/>
               </a:rPr>
@@ -41982,7 +41983,7 @@
           <a:p>
             <a:pPr algn="l"/>
             <a:r>
-              <a:rPr lang="it-IT" sz="4200" i="1" dirty="0" smtClean="0">
+              <a:rPr lang="it-IT" sz="3800" i="1" dirty="0" smtClean="0">
                 <a:latin typeface="Monaco"/>
                 <a:cs typeface="Monaco"/>
               </a:rPr>
@@ -41992,13 +41993,13 @@
           <a:p>
             <a:pPr algn="l"/>
             <a:r>
-              <a:rPr lang="it-IT" sz="4200" i="1" dirty="0">
+              <a:rPr lang="it-IT" sz="3800" i="1" dirty="0">
                 <a:latin typeface="Monaco"/>
                 <a:cs typeface="Monaco"/>
               </a:rPr>
               <a:t>}</a:t>
             </a:r>
-            <a:endParaRPr lang="it-IT" sz="4200" i="1" dirty="0" smtClean="0">
+            <a:endParaRPr lang="it-IT" sz="3800" i="1" dirty="0" smtClean="0">
               <a:latin typeface="Monaco"/>
               <a:cs typeface="Monaco"/>
             </a:endParaRPr>
@@ -42013,8 +42014,8 @@
         </p:nvSpPr>
         <p:spPr>
           <a:xfrm>
-            <a:off x="431826" y="5850682"/>
-            <a:ext cx="17641960" cy="1323439"/>
+            <a:off x="431826" y="4986586"/>
+            <a:ext cx="17641960" cy="1261884"/>
           </a:xfrm>
           <a:prstGeom prst="rect">
             <a:avLst/>
@@ -42028,7 +42029,7 @@
           <a:p>
             <a:pPr algn="l"/>
             <a:r>
-              <a:rPr lang="it-IT" sz="4000" dirty="0" smtClean="0">
+              <a:rPr lang="it-IT" sz="3800" dirty="0" smtClean="0">
                 <a:solidFill>
                   <a:schemeClr val="tx1"/>
                 </a:solidFill>
@@ -42036,7 +42037,7 @@
               </a:rPr>
               <a:t>Il blocco istruzioni viene eseguito solo se condizioni è vera, altrimenti viene eseguito il secondo blocco</a:t>
             </a:r>
-            <a:endParaRPr lang="it-IT" sz="4000" i="1" dirty="0">
+            <a:endParaRPr lang="it-IT" sz="3800" i="1" dirty="0">
               <a:solidFill>
                 <a:schemeClr val="tx1"/>
               </a:solidFill>
@@ -42053,8 +42054,8 @@
         </p:nvSpPr>
         <p:spPr>
           <a:xfrm>
-            <a:off x="287810" y="7362850"/>
-            <a:ext cx="17641960" cy="861774"/>
+            <a:off x="287810" y="6426746"/>
+            <a:ext cx="17641960" cy="784830"/>
           </a:xfrm>
           <a:prstGeom prst="rect">
             <a:avLst/>
@@ -42071,7 +42072,7 @@
               <a:buChar char="•"/>
             </a:pPr>
             <a:r>
-              <a:rPr lang="it-IT" sz="5000" dirty="0" smtClean="0">
+              <a:rPr lang="it-IT" sz="4500" dirty="0" smtClean="0">
                 <a:solidFill>
                   <a:schemeClr val="tx1"/>
                 </a:solidFill>
@@ -42080,7 +42081,7 @@
               <a:t>Istruzione </a:t>
             </a:r>
             <a:r>
-              <a:rPr lang="it-IT" sz="5000" i="1" dirty="0" err="1" smtClean="0">
+              <a:rPr lang="it-IT" sz="4500" i="1" dirty="0" err="1" smtClean="0">
                 <a:solidFill>
                   <a:schemeClr val="tx1"/>
                 </a:solidFill>
@@ -42088,7 +42089,7 @@
               </a:rPr>
               <a:t>switch</a:t>
             </a:r>
-            <a:endParaRPr lang="it-IT" sz="5000" i="1" dirty="0">
+            <a:endParaRPr lang="it-IT" sz="4500" i="1" dirty="0">
               <a:solidFill>
                 <a:schemeClr val="tx1"/>
               </a:solidFill>
@@ -42105,8 +42106,8 @@
         </p:nvSpPr>
         <p:spPr>
           <a:xfrm>
-            <a:off x="4896322" y="8442970"/>
-            <a:ext cx="9414306" cy="3323987"/>
+            <a:off x="4896322" y="7370976"/>
+            <a:ext cx="8536361" cy="3016210"/>
           </a:xfrm>
           <a:prstGeom prst="rect">
             <a:avLst/>
@@ -42123,14 +42124,14 @@
           <a:p>
             <a:pPr algn="l"/>
             <a:r>
-              <a:rPr lang="it-IT" sz="4200" b="1" dirty="0" err="1" smtClean="0">
+              <a:rPr lang="it-IT" sz="3800" b="1" dirty="0" err="1" smtClean="0">
                 <a:latin typeface="Monaco"/>
                 <a:cs typeface="Monaco"/>
               </a:rPr>
               <a:t>switch</a:t>
             </a:r>
             <a:r>
-              <a:rPr lang="it-IT" sz="4200" dirty="0" smtClean="0">
+              <a:rPr lang="it-IT" sz="3800" dirty="0" smtClean="0">
                 <a:latin typeface="Monaco"/>
                 <a:cs typeface="Monaco"/>
               </a:rPr>
@@ -42140,21 +42141,21 @@
           <a:p>
             <a:pPr algn="l"/>
             <a:r>
-              <a:rPr lang="it-IT" sz="4200" i="1" dirty="0" smtClean="0">
+              <a:rPr lang="it-IT" sz="3800" i="1" dirty="0" smtClean="0">
                 <a:latin typeface="Monaco"/>
                 <a:cs typeface="Monaco"/>
               </a:rPr>
               <a:t>    </a:t>
             </a:r>
             <a:r>
-              <a:rPr lang="it-IT" sz="4200" b="1" i="1" dirty="0" smtClean="0">
+              <a:rPr lang="it-IT" sz="3800" b="1" i="1" dirty="0" smtClean="0">
                 <a:latin typeface="Monaco"/>
                 <a:cs typeface="Monaco"/>
               </a:rPr>
               <a:t>case </a:t>
             </a:r>
             <a:r>
-              <a:rPr lang="it-IT" sz="4200" i="1" dirty="0" smtClean="0">
+              <a:rPr lang="it-IT" sz="3800" i="1" dirty="0" smtClean="0">
                 <a:latin typeface="Monaco"/>
                 <a:cs typeface="Monaco"/>
               </a:rPr>
@@ -42164,14 +42165,14 @@
           <a:p>
             <a:pPr algn="l"/>
             <a:r>
-              <a:rPr lang="it-IT" sz="4200" b="1" i="1" dirty="0" smtClean="0">
+              <a:rPr lang="it-IT" sz="3800" b="1" i="1" dirty="0" smtClean="0">
                 <a:latin typeface="Monaco"/>
                 <a:cs typeface="Monaco"/>
               </a:rPr>
               <a:t>    case </a:t>
             </a:r>
             <a:r>
-              <a:rPr lang="it-IT" sz="4200" i="1" dirty="0" smtClean="0">
+              <a:rPr lang="it-IT" sz="3800" i="1" dirty="0" smtClean="0">
                 <a:latin typeface="Monaco"/>
                 <a:cs typeface="Monaco"/>
               </a:rPr>
@@ -42181,21 +42182,21 @@
           <a:p>
             <a:pPr algn="l"/>
             <a:r>
-              <a:rPr lang="it-IT" sz="4200" b="1" i="1" dirty="0">
+              <a:rPr lang="it-IT" sz="3800" b="1" i="1" dirty="0">
                 <a:latin typeface="Monaco"/>
                 <a:cs typeface="Monaco"/>
               </a:rPr>
               <a:t> </a:t>
             </a:r>
             <a:r>
-              <a:rPr lang="it-IT" sz="4200" b="1" i="1" dirty="0" smtClean="0">
+              <a:rPr lang="it-IT" sz="3800" b="1" i="1" dirty="0" smtClean="0">
                 <a:latin typeface="Monaco"/>
                 <a:cs typeface="Monaco"/>
               </a:rPr>
               <a:t>   default</a:t>
             </a:r>
             <a:r>
-              <a:rPr lang="it-IT" sz="4200" i="1" dirty="0" smtClean="0">
+              <a:rPr lang="it-IT" sz="3800" i="1" dirty="0" smtClean="0">
                 <a:latin typeface="Monaco"/>
                 <a:cs typeface="Monaco"/>
               </a:rPr>
@@ -42205,7 +42206,7 @@
           <a:p>
             <a:pPr algn="l"/>
             <a:r>
-              <a:rPr lang="it-IT" sz="4200" i="1" dirty="0" smtClean="0">
+              <a:rPr lang="it-IT" sz="3800" i="1" dirty="0" smtClean="0">
                 <a:latin typeface="Monaco"/>
                 <a:cs typeface="Monaco"/>
               </a:rPr>
@@ -42222,8 +42223,8 @@
         </p:nvSpPr>
         <p:spPr>
           <a:xfrm>
-            <a:off x="431826" y="12043370"/>
-            <a:ext cx="17641960" cy="1323439"/>
+            <a:off x="431826" y="10603210"/>
+            <a:ext cx="17641960" cy="1261884"/>
           </a:xfrm>
           <a:prstGeom prst="rect">
             <a:avLst/>
@@ -42237,7 +42238,7 @@
           <a:p>
             <a:pPr algn="l"/>
             <a:r>
-              <a:rPr lang="it-IT" sz="4000" dirty="0" smtClean="0">
+              <a:rPr lang="it-IT" sz="3800" dirty="0" smtClean="0">
                 <a:solidFill>
                   <a:schemeClr val="tx1"/>
                 </a:solidFill>
@@ -42245,7 +42246,56 @@
               </a:rPr>
               <a:t>Usato quando si hanno diverse computazioni in corrispondenza dei diversi valori di una espressione</a:t>
             </a:r>
-            <a:endParaRPr lang="it-IT" sz="4000" i="1" dirty="0">
+            <a:endParaRPr lang="it-IT" sz="3800" i="1" dirty="0">
+              <a:solidFill>
+                <a:schemeClr val="tx1"/>
+              </a:solidFill>
+              <a:latin typeface="Myriad Pro It"/>
+            </a:endParaRPr>
+          </a:p>
+        </p:txBody>
+      </p:sp>
+      <p:sp>
+        <p:nvSpPr>
+          <p:cNvPr id="15" name="Rettangolo 14"/>
+          <p:cNvSpPr/>
+          <p:nvPr/>
+        </p:nvSpPr>
+        <p:spPr>
+          <a:xfrm>
+            <a:off x="359818" y="12691442"/>
+            <a:ext cx="17641960" cy="553998"/>
+          </a:xfrm>
+          <a:prstGeom prst="rect">
+            <a:avLst/>
+          </a:prstGeom>
+        </p:spPr>
+        <p:txBody>
+          <a:bodyPr wrap="square">
+            <a:spAutoFit/>
+          </a:bodyPr>
+          <a:lstStyle/>
+          <a:p>
+            <a:pPr algn="l"/>
+            <a:r>
+              <a:rPr lang="it-IT" sz="3000" i="1" dirty="0" smtClean="0">
+                <a:solidFill>
+                  <a:schemeClr val="tx1"/>
+                </a:solidFill>
+                <a:latin typeface="Myriad Pro It"/>
+              </a:rPr>
+              <a:t>Esempi: </a:t>
+            </a:r>
+            <a:r>
+              <a:rPr lang="it-IT" sz="3000" i="1" dirty="0" err="1" smtClean="0">
+                <a:solidFill>
+                  <a:schemeClr val="tx1"/>
+                </a:solidFill>
+                <a:latin typeface="Myriad Pro It"/>
+              </a:rPr>
+              <a:t>costrutti_controllo.php</a:t>
+            </a:r>
+            <a:endParaRPr lang="it-IT" sz="3000" i="1" dirty="0">
               <a:solidFill>
                 <a:schemeClr val="tx1"/>
               </a:solidFill>
@@ -43326,6 +43376,55 @@
           </a:p>
         </p:txBody>
       </p:sp>
+      <p:sp>
+        <p:nvSpPr>
+          <p:cNvPr id="17" name="Rettangolo 16"/>
+          <p:cNvSpPr/>
+          <p:nvPr/>
+        </p:nvSpPr>
+        <p:spPr>
+          <a:xfrm>
+            <a:off x="359818" y="12691442"/>
+            <a:ext cx="17641960" cy="553998"/>
+          </a:xfrm>
+          <a:prstGeom prst="rect">
+            <a:avLst/>
+          </a:prstGeom>
+        </p:spPr>
+        <p:txBody>
+          <a:bodyPr wrap="square">
+            <a:spAutoFit/>
+          </a:bodyPr>
+          <a:lstStyle/>
+          <a:p>
+            <a:pPr algn="l"/>
+            <a:r>
+              <a:rPr lang="it-IT" sz="3000" i="1" dirty="0" smtClean="0">
+                <a:solidFill>
+                  <a:schemeClr val="tx1"/>
+                </a:solidFill>
+                <a:latin typeface="Myriad Pro It"/>
+              </a:rPr>
+              <a:t>Esempi: </a:t>
+            </a:r>
+            <a:r>
+              <a:rPr lang="it-IT" sz="3000" i="1" dirty="0" err="1" smtClean="0">
+                <a:solidFill>
+                  <a:schemeClr val="tx1"/>
+                </a:solidFill>
+                <a:latin typeface="Myriad Pro It"/>
+              </a:rPr>
+              <a:t>costrutti_iterazioni.php</a:t>
+            </a:r>
+            <a:endParaRPr lang="it-IT" sz="3000" i="1" dirty="0">
+              <a:solidFill>
+                <a:schemeClr val="tx1"/>
+              </a:solidFill>
+              <a:latin typeface="Myriad Pro It"/>
+            </a:endParaRPr>
+          </a:p>
+        </p:txBody>
+      </p:sp>
     </p:spTree>
     <p:extLst>
       <p:ext uri="{BB962C8B-B14F-4D97-AF65-F5344CB8AC3E}">
@@ -43580,7 +43679,7 @@
         <p:spPr>
           <a:xfrm>
             <a:off x="287810" y="1458194"/>
-            <a:ext cx="17641960" cy="1631216"/>
+            <a:ext cx="17641960" cy="1323439"/>
           </a:xfrm>
           <a:prstGeom prst="rect">
             <a:avLst/>
@@ -43597,7 +43696,7 @@
               <a:buChar char="•"/>
             </a:pPr>
             <a:r>
-              <a:rPr lang="it-IT" sz="5000" dirty="0" smtClean="0">
+              <a:rPr lang="it-IT" sz="4000" dirty="0" smtClean="0">
                 <a:solidFill>
                   <a:schemeClr val="tx1"/>
                 </a:solidFill>
@@ -43605,7 +43704,7 @@
               </a:rPr>
               <a:t>PHP permette l’inclusione di file in cui è possibile definire funzioni o codice da eseguire </a:t>
             </a:r>
-            <a:endParaRPr lang="it-IT" sz="5000" dirty="0">
+            <a:endParaRPr lang="it-IT" sz="4000" dirty="0">
               <a:solidFill>
                 <a:schemeClr val="tx1"/>
               </a:solidFill>
@@ -43622,8 +43721,8 @@
         </p:nvSpPr>
         <p:spPr>
           <a:xfrm>
-            <a:off x="3703898" y="3258394"/>
-            <a:ext cx="10985512" cy="738664"/>
+            <a:off x="3703898" y="2898354"/>
+            <a:ext cx="9956860" cy="677108"/>
           </a:xfrm>
           <a:prstGeom prst="rect">
             <a:avLst/>
@@ -43640,55 +43739,55 @@
           <a:p>
             <a:pPr algn="l"/>
             <a:r>
-              <a:rPr lang="it-IT" sz="4200" b="1" dirty="0" smtClean="0">
+              <a:rPr lang="it-IT" sz="3800" b="1" dirty="0" smtClean="0">
                 <a:latin typeface="Monaco"/>
                 <a:cs typeface="Monaco"/>
               </a:rPr>
               <a:t>&lt;?</a:t>
             </a:r>
             <a:r>
-              <a:rPr lang="it-IT" sz="4200" b="1" dirty="0" err="1" smtClean="0">
+              <a:rPr lang="it-IT" sz="3800" b="1" dirty="0" err="1" smtClean="0">
                 <a:latin typeface="Monaco"/>
                 <a:cs typeface="Monaco"/>
               </a:rPr>
               <a:t>php</a:t>
             </a:r>
             <a:r>
-              <a:rPr lang="it-IT" sz="4200" b="1" dirty="0" smtClean="0">
+              <a:rPr lang="it-IT" sz="3800" b="1" dirty="0" smtClean="0">
                 <a:latin typeface="Monaco"/>
                 <a:cs typeface="Monaco"/>
               </a:rPr>
               <a:t> include</a:t>
             </a:r>
             <a:r>
-              <a:rPr lang="it-IT" sz="4200" dirty="0" smtClean="0">
+              <a:rPr lang="it-IT" sz="3800" dirty="0" smtClean="0">
                 <a:latin typeface="Monaco"/>
                 <a:cs typeface="Monaco"/>
               </a:rPr>
               <a:t>(‘</a:t>
             </a:r>
             <a:r>
-              <a:rPr lang="it-IT" sz="4200" dirty="0" err="1" smtClean="0">
+              <a:rPr lang="it-IT" sz="3800" dirty="0" err="1" smtClean="0">
                 <a:latin typeface="Monaco"/>
                 <a:cs typeface="Monaco"/>
               </a:rPr>
               <a:t>nomefile.php</a:t>
             </a:r>
             <a:r>
-              <a:rPr lang="it-IT" sz="4200" dirty="0" smtClean="0">
+              <a:rPr lang="it-IT" sz="3800" dirty="0" smtClean="0">
                 <a:latin typeface="Monaco"/>
                 <a:cs typeface="Monaco"/>
               </a:rPr>
               <a:t>’); </a:t>
             </a:r>
             <a:r>
-              <a:rPr lang="it-IT" sz="4200" b="1" dirty="0" smtClean="0">
+              <a:rPr lang="it-IT" sz="3800" b="1" dirty="0" smtClean="0">
                 <a:latin typeface="Monaco"/>
                 <a:cs typeface="Monaco"/>
               </a:rPr>
               <a:t>?&gt;</a:t>
             </a:r>
-            <a:endParaRPr lang="it-IT" sz="4200" i="1" dirty="0" smtClean="0">
+            <a:endParaRPr lang="it-IT" sz="3800" i="1" dirty="0" smtClean="0">
               <a:latin typeface="Monaco"/>
               <a:cs typeface="Monaco"/>
             </a:endParaRPr>
@@ -43703,8 +43802,8 @@
         </p:nvSpPr>
         <p:spPr>
           <a:xfrm>
-            <a:off x="431826" y="4410522"/>
-            <a:ext cx="17641960" cy="4708981"/>
+            <a:off x="431826" y="4122490"/>
+            <a:ext cx="17641960" cy="2554545"/>
           </a:xfrm>
           <a:prstGeom prst="rect">
             <a:avLst/>
@@ -43721,7 +43820,7 @@
               <a:buChar char="•"/>
             </a:pPr>
             <a:r>
-              <a:rPr lang="it-IT" sz="5000" dirty="0" smtClean="0">
+              <a:rPr lang="it-IT" sz="4000" dirty="0" smtClean="0">
                 <a:solidFill>
                   <a:schemeClr val="tx1"/>
                 </a:solidFill>
@@ -43736,7 +43835,7 @@
               <a:buChar char="•"/>
             </a:pPr>
             <a:r>
-              <a:rPr lang="it-IT" sz="5000" dirty="0" smtClean="0">
+              <a:rPr lang="it-IT" sz="4000" dirty="0" smtClean="0">
                 <a:solidFill>
                   <a:schemeClr val="tx1"/>
                 </a:solidFill>
@@ -43751,7 +43850,7 @@
               <a:buChar char="•"/>
             </a:pPr>
             <a:r>
-              <a:rPr lang="it-IT" sz="5000" dirty="0" smtClean="0">
+              <a:rPr lang="it-IT" sz="4000" dirty="0" smtClean="0">
                 <a:solidFill>
                   <a:schemeClr val="tx1"/>
                 </a:solidFill>
@@ -43759,7 +43858,7 @@
               </a:rPr>
               <a:t>Sono definite con la seguente sintassi:</a:t>
             </a:r>
-            <a:endParaRPr lang="it-IT" sz="5000" dirty="0">
+            <a:endParaRPr lang="it-IT" sz="4000" dirty="0">
               <a:solidFill>
                 <a:schemeClr val="tx1"/>
               </a:solidFill>
@@ -43776,7 +43875,7 @@
         </p:nvSpPr>
         <p:spPr>
           <a:xfrm>
-            <a:off x="2232026" y="9667106"/>
+            <a:off x="2232026" y="7002810"/>
             <a:ext cx="14083040" cy="3323987"/>
           </a:xfrm>
           <a:prstGeom prst="rect">
@@ -43893,6 +43992,106 @@
             <a:endParaRPr lang="it-IT" sz="4200" i="1" dirty="0" smtClean="0">
               <a:latin typeface="Monaco"/>
               <a:cs typeface="Monaco"/>
+            </a:endParaRPr>
+          </a:p>
+        </p:txBody>
+      </p:sp>
+      <p:sp>
+        <p:nvSpPr>
+          <p:cNvPr id="13" name="Rettangolo 12"/>
+          <p:cNvSpPr/>
+          <p:nvPr/>
+        </p:nvSpPr>
+        <p:spPr>
+          <a:xfrm>
+            <a:off x="359818" y="11611322"/>
+            <a:ext cx="17641960" cy="1938992"/>
+          </a:xfrm>
+          <a:prstGeom prst="rect">
+            <a:avLst/>
+          </a:prstGeom>
+        </p:spPr>
+        <p:txBody>
+          <a:bodyPr wrap="square">
+            <a:spAutoFit/>
+          </a:bodyPr>
+          <a:lstStyle/>
+          <a:p>
+            <a:pPr algn="l"/>
+            <a:r>
+              <a:rPr lang="it-IT" sz="3000" i="1" dirty="0" smtClean="0">
+                <a:solidFill>
+                  <a:schemeClr val="tx1"/>
+                </a:solidFill>
+                <a:latin typeface="Myriad Pro It"/>
+              </a:rPr>
+              <a:t>Esempi: </a:t>
+            </a:r>
+          </a:p>
+          <a:p>
+            <a:pPr marL="457200" indent="-457200" algn="l">
+              <a:buFont typeface="Arial"/>
+              <a:buChar char="•"/>
+            </a:pPr>
+            <a:r>
+              <a:rPr lang="it-IT" sz="3000" i="1" dirty="0" err="1" smtClean="0">
+                <a:solidFill>
+                  <a:schemeClr val="tx1"/>
+                </a:solidFill>
+                <a:latin typeface="Myriad Pro It"/>
+              </a:rPr>
+              <a:t>funzioni.php</a:t>
+            </a:r>
+            <a:r>
+              <a:rPr lang="it-IT" sz="3000" i="1" dirty="0" smtClean="0">
+                <a:solidFill>
+                  <a:schemeClr val="tx1"/>
+                </a:solidFill>
+                <a:latin typeface="Myriad Pro It"/>
+              </a:rPr>
+              <a:t> </a:t>
+            </a:r>
+          </a:p>
+          <a:p>
+            <a:pPr marL="457200" indent="-457200" algn="l">
+              <a:buFont typeface="Arial"/>
+              <a:buChar char="•"/>
+            </a:pPr>
+            <a:r>
+              <a:rPr lang="it-IT" sz="3000" i="1" dirty="0" err="1" smtClean="0">
+                <a:solidFill>
+                  <a:schemeClr val="tx1"/>
+                </a:solidFill>
+                <a:latin typeface="Myriad Pro It"/>
+              </a:rPr>
+              <a:t>utility.inc</a:t>
+            </a:r>
+            <a:endParaRPr lang="it-IT" sz="3000" i="1" dirty="0" smtClean="0">
+              <a:solidFill>
+                <a:schemeClr val="tx1"/>
+              </a:solidFill>
+              <a:latin typeface="Myriad Pro It"/>
+            </a:endParaRPr>
+          </a:p>
+          <a:p>
+            <a:pPr marL="457200" indent="-457200" algn="l">
+              <a:buFont typeface="Arial"/>
+              <a:buChar char="•"/>
+            </a:pPr>
+            <a:r>
+              <a:rPr lang="it-IT" sz="3000" i="1" dirty="0" err="1" smtClean="0">
+                <a:solidFill>
+                  <a:schemeClr val="tx1"/>
+                </a:solidFill>
+                <a:latin typeface="Myriad Pro It"/>
+              </a:rPr>
+              <a:t>funzioni_con_utility.php</a:t>
+            </a:r>
+            <a:endParaRPr lang="it-IT" sz="3000" i="1" dirty="0">
+              <a:solidFill>
+                <a:schemeClr val="tx1"/>
+              </a:solidFill>
+              <a:latin typeface="Myriad Pro It"/>
             </a:endParaRPr>
           </a:p>
         </p:txBody>
@@ -43942,75 +44141,6 @@
           <a:chExt cx="0" cy="0"/>
         </a:xfrm>
       </p:grpSpPr>
-      <p:sp>
-        <p:nvSpPr>
-          <p:cNvPr id="4" name="Rettangolo 3"/>
-          <p:cNvSpPr/>
-          <p:nvPr/>
-        </p:nvSpPr>
-        <p:spPr bwMode="auto">
-          <a:xfrm>
-            <a:off x="-29620" y="10171162"/>
-            <a:ext cx="18319207" cy="3546426"/>
-          </a:xfrm>
-          <a:prstGeom prst="rect">
-            <a:avLst/>
-          </a:prstGeom>
-          <a:solidFill>
-            <a:schemeClr val="tx1"/>
-          </a:solidFill>
-          <a:ln w="25400" cap="flat" cmpd="sng" algn="ctr">
-            <a:solidFill>
-              <a:srgbClr val="000000"/>
-            </a:solidFill>
-            <a:prstDash val="solid"/>
-            <a:round/>
-            <a:headEnd type="none" w="med" len="med"/>
-            <a:tailEnd type="none" w="med" len="med"/>
-          </a:ln>
-          <a:effectLst/>
-          <a:extLst/>
-        </p:spPr>
-        <p:txBody>
-          <a:bodyPr vert="horz" wrap="square" lIns="91440" tIns="45720" rIns="91440" bIns="45720" numCol="1" rtlCol="0" anchor="t" anchorCtr="0" compatLnSpc="1">
-            <a:prstTxWarp prst="textNoShape">
-              <a:avLst/>
-            </a:prstTxWarp>
-          </a:bodyPr>
-          <a:lstStyle/>
-          <a:p>
-            <a:pPr marL="0" marR="0" indent="0" algn="ctr" defTabSz="914400" rtl="0" eaLnBrk="1" fontAlgn="base" latinLnBrk="0" hangingPunct="1">
-              <a:lnSpc>
-                <a:spcPct val="100000"/>
-              </a:lnSpc>
-              <a:spcBef>
-                <a:spcPct val="0"/>
-              </a:spcBef>
-              <a:spcAft>
-                <a:spcPct val="0"/>
-              </a:spcAft>
-              <a:buClrTx/>
-              <a:buSzTx/>
-              <a:buFontTx/>
-              <a:buNone/>
-              <a:tabLst/>
-            </a:pPr>
-            <a:endParaRPr kumimoji="0" lang="it-IT" sz="4200" b="0" i="0" u="none" strike="noStrike" cap="none" normalizeH="0" baseline="0" smtClean="0">
-              <a:ln>
-                <a:noFill/>
-              </a:ln>
-              <a:solidFill>
-                <a:srgbClr val="000000"/>
-              </a:solidFill>
-              <a:effectLst/>
-              <a:latin typeface="Gill Sans" charset="0"/>
-              <a:ea typeface="ヒラギノ角ゴ ProN W3" charset="0"/>
-              <a:cs typeface="ヒラギノ角ゴ ProN W3" charset="0"/>
-              <a:sym typeface="Gill Sans" charset="0"/>
-            </a:endParaRPr>
-          </a:p>
-        </p:txBody>
-      </p:sp>
       <p:sp>
         <p:nvSpPr>
           <p:cNvPr id="9" name="Segnaposto numero diapositiva 3"/>
@@ -44165,8 +44295,8 @@
         </p:nvSpPr>
         <p:spPr bwMode="auto">
           <a:xfrm>
-            <a:off x="-29619" y="0"/>
-            <a:ext cx="14430997" cy="973618"/>
+            <a:off x="0" y="-53974"/>
+            <a:ext cx="14401378" cy="973618"/>
           </a:xfrm>
           <a:prstGeom prst="rect">
             <a:avLst/>
@@ -44201,7 +44331,7 @@
                   <a:schemeClr val="bg1"/>
                 </a:solidFill>
               </a:rPr>
-              <a:t>Take Home Message</a:t>
+              <a:t>Un esempio completo</a:t>
             </a:r>
             <a:endParaRPr lang="it-IT" sz="5250" b="1" dirty="0">
               <a:solidFill>
@@ -44213,190 +44343,58 @@
       </p:sp>
       <p:sp>
         <p:nvSpPr>
-          <p:cNvPr id="14" name="TextBox 4"/>
-          <p:cNvSpPr txBox="1"/>
+          <p:cNvPr id="10" name="Rettangolo 9"/>
+          <p:cNvSpPr/>
           <p:nvPr/>
         </p:nvSpPr>
         <p:spPr>
           <a:xfrm>
-            <a:off x="8640738" y="-2790278"/>
-            <a:ext cx="2625912" cy="1169551"/>
+            <a:off x="287810" y="5418634"/>
+            <a:ext cx="17641960" cy="1477328"/>
           </a:xfrm>
           <a:prstGeom prst="rect">
             <a:avLst/>
           </a:prstGeom>
-          <a:noFill/>
-        </p:spPr>
-        <p:txBody>
-          <a:bodyPr wrap="none" rtlCol="0">
+        </p:spPr>
+        <p:txBody>
+          <a:bodyPr wrap="square">
             <a:spAutoFit/>
           </a:bodyPr>
           <a:lstStyle/>
           <a:p>
-            <a:pPr algn="l"/>
-            <a:r>
-              <a:rPr lang="en-US" dirty="0" err="1" smtClean="0">
+            <a:r>
+              <a:rPr lang="it-IT" sz="9000" dirty="0" smtClean="0">
                 <a:solidFill>
-                  <a:srgbClr val="FF0000"/>
-                </a:solidFill>
-              </a:rPr>
-              <a:t>Teoria</a:t>
-            </a:r>
-            <a:endParaRPr lang="en-US" dirty="0">
-              <a:solidFill>
-                <a:srgbClr val="FF0000"/>
-              </a:solidFill>
-            </a:endParaRPr>
-          </a:p>
-        </p:txBody>
-      </p:sp>
-      <p:pic>
-        <p:nvPicPr>
-          <p:cNvPr id="13" name="Picture 5" descr="thm2.jpg"/>
-          <p:cNvPicPr>
-            <a:picLocks noChangeAspect="1"/>
-          </p:cNvPicPr>
-          <p:nvPr/>
-        </p:nvPicPr>
-        <p:blipFill>
-          <a:blip r:embed="rId3">
-            <a:extLst>
-              <a:ext uri="{28A0092B-C50C-407E-A947-70E740481C1C}">
-                <a14:useLocalDpi xmlns:a14="http://schemas.microsoft.com/office/drawing/2010/main" val="0"/>
-              </a:ext>
-            </a:extLst>
-          </a:blip>
-          <a:stretch>
-            <a:fillRect/>
-          </a:stretch>
-        </p:blipFill>
-        <p:spPr>
-          <a:xfrm>
-            <a:off x="-29620" y="10171162"/>
-            <a:ext cx="4565902" cy="3545410"/>
-          </a:xfrm>
-          <a:prstGeom prst="rect">
-            <a:avLst/>
-          </a:prstGeom>
-        </p:spPr>
-      </p:pic>
-      <p:sp>
-        <p:nvSpPr>
-          <p:cNvPr id="5" name="Rettangolo 4"/>
-          <p:cNvSpPr/>
-          <p:nvPr/>
-        </p:nvSpPr>
-        <p:spPr>
-          <a:xfrm>
-            <a:off x="12241138" y="12691442"/>
-            <a:ext cx="5591595" cy="861774"/>
-          </a:xfrm>
-          <a:prstGeom prst="rect">
-            <a:avLst/>
-          </a:prstGeom>
-        </p:spPr>
-        <p:txBody>
-          <a:bodyPr wrap="none">
-            <a:spAutoFit/>
-          </a:bodyPr>
-          <a:lstStyle/>
-          <a:p>
-            <a:pPr>
-              <a:buClr>
-                <a:srgbClr val="FF0000"/>
-              </a:buClr>
-            </a:pPr>
-            <a:r>
-              <a:rPr lang="en-US" sz="5000" b="1" dirty="0">
-                <a:solidFill>
-                  <a:schemeClr val="bg1"/>
+                  <a:schemeClr val="tx1"/>
                 </a:solidFill>
                 <a:latin typeface="Myriad Pro It"/>
+                <a:hlinkClick r:id="rId3"/>
               </a:rPr>
-              <a:t>t</a:t>
-            </a:r>
-            <a:r>
-              <a:rPr lang="en-US" sz="5000" b="1" dirty="0" smtClean="0">
+              <a:t>http://127.0.0.1/html/</a:t>
+            </a:r>
+            <a:r>
+              <a:rPr lang="it-IT" sz="9000" dirty="0" err="1" smtClean="0">
                 <a:solidFill>
-                  <a:schemeClr val="bg1"/>
+                  <a:schemeClr val="tx1"/>
                 </a:solidFill>
                 <a:latin typeface="Myriad Pro It"/>
+                <a:hlinkClick r:id="rId3"/>
               </a:rPr>
-              <a:t>o be continued…</a:t>
-            </a:r>
-            <a:endParaRPr lang="en-US" sz="5000" dirty="0">
+              <a:t>test.php</a:t>
+            </a:r>
+            <a:endParaRPr lang="it-IT" sz="9000" dirty="0">
               <a:solidFill>
-                <a:schemeClr val="bg1"/>
+                <a:schemeClr val="tx1"/>
               </a:solidFill>
               <a:latin typeface="Myriad Pro It"/>
             </a:endParaRPr>
           </a:p>
         </p:txBody>
       </p:sp>
-      <p:pic>
-        <p:nvPicPr>
-          <p:cNvPr id="6" name="Picture 5" descr="110910-Ron-2-400.jpg"/>
-          <p:cNvPicPr>
-            <a:picLocks noChangeAspect="1"/>
-          </p:cNvPicPr>
-          <p:nvPr/>
-        </p:nvPicPr>
-        <p:blipFill>
-          <a:blip r:embed="rId4">
-            <a:extLst>
-              <a:ext uri="{28A0092B-C50C-407E-A947-70E740481C1C}">
-                <a14:useLocalDpi xmlns:a14="http://schemas.microsoft.com/office/drawing/2010/main" val="0"/>
-              </a:ext>
-            </a:extLst>
-          </a:blip>
-          <a:stretch>
-            <a:fillRect/>
-          </a:stretch>
-        </p:blipFill>
-        <p:spPr>
-          <a:xfrm>
-            <a:off x="9144794" y="1098154"/>
-            <a:ext cx="9217024" cy="9217024"/>
-          </a:xfrm>
-          <a:prstGeom prst="rect">
-            <a:avLst/>
-          </a:prstGeom>
-        </p:spPr>
-      </p:pic>
-      <p:sp>
-        <p:nvSpPr>
-          <p:cNvPr id="7" name="TextBox 6"/>
-          <p:cNvSpPr txBox="1"/>
-          <p:nvPr/>
-        </p:nvSpPr>
-        <p:spPr>
-          <a:xfrm>
-            <a:off x="287810" y="1314178"/>
-            <a:ext cx="8570440" cy="1169551"/>
-          </a:xfrm>
-          <a:prstGeom prst="rect">
-            <a:avLst/>
-          </a:prstGeom>
-          <a:noFill/>
-        </p:spPr>
-        <p:txBody>
-          <a:bodyPr wrap="square" rtlCol="0">
-            <a:spAutoFit/>
-          </a:bodyPr>
-          <a:lstStyle/>
-          <a:p>
-            <a:r>
-              <a:rPr lang="en-US" dirty="0" smtClean="0"/>
-              <a:t>TODO</a:t>
-            </a:r>
-            <a:endParaRPr lang="en-US" dirty="0"/>
-          </a:p>
-        </p:txBody>
-      </p:sp>
     </p:spTree>
     <p:extLst>
       <p:ext uri="{BB962C8B-B14F-4D97-AF65-F5344CB8AC3E}">
-        <p14:creationId xmlns:p14="http://schemas.microsoft.com/office/powerpoint/2010/main" val="1708942254"/>
+        <p14:creationId xmlns:p14="http://schemas.microsoft.com/office/powerpoint/2010/main" val="809036521"/>
       </p:ext>
     </p:extLst>
   </p:cSld>
@@ -44438,6 +44436,75 @@
           <a:chExt cx="0" cy="0"/>
         </a:xfrm>
       </p:grpSpPr>
+      <p:sp>
+        <p:nvSpPr>
+          <p:cNvPr id="4" name="Rettangolo 3"/>
+          <p:cNvSpPr/>
+          <p:nvPr/>
+        </p:nvSpPr>
+        <p:spPr bwMode="auto">
+          <a:xfrm>
+            <a:off x="-29620" y="10171162"/>
+            <a:ext cx="18319207" cy="3546426"/>
+          </a:xfrm>
+          <a:prstGeom prst="rect">
+            <a:avLst/>
+          </a:prstGeom>
+          <a:solidFill>
+            <a:schemeClr val="tx1"/>
+          </a:solidFill>
+          <a:ln w="25400" cap="flat" cmpd="sng" algn="ctr">
+            <a:solidFill>
+              <a:srgbClr val="000000"/>
+            </a:solidFill>
+            <a:prstDash val="solid"/>
+            <a:round/>
+            <a:headEnd type="none" w="med" len="med"/>
+            <a:tailEnd type="none" w="med" len="med"/>
+          </a:ln>
+          <a:effectLst/>
+          <a:extLst/>
+        </p:spPr>
+        <p:txBody>
+          <a:bodyPr vert="horz" wrap="square" lIns="91440" tIns="45720" rIns="91440" bIns="45720" numCol="1" rtlCol="0" anchor="t" anchorCtr="0" compatLnSpc="1">
+            <a:prstTxWarp prst="textNoShape">
+              <a:avLst/>
+            </a:prstTxWarp>
+          </a:bodyPr>
+          <a:lstStyle/>
+          <a:p>
+            <a:pPr marL="0" marR="0" indent="0" algn="ctr" defTabSz="914400" rtl="0" eaLnBrk="1" fontAlgn="base" latinLnBrk="0" hangingPunct="1">
+              <a:lnSpc>
+                <a:spcPct val="100000"/>
+              </a:lnSpc>
+              <a:spcBef>
+                <a:spcPct val="0"/>
+              </a:spcBef>
+              <a:spcAft>
+                <a:spcPct val="0"/>
+              </a:spcAft>
+              <a:buClrTx/>
+              <a:buSzTx/>
+              <a:buFontTx/>
+              <a:buNone/>
+              <a:tabLst/>
+            </a:pPr>
+            <a:endParaRPr kumimoji="0" lang="it-IT" sz="4200" b="0" i="0" u="none" strike="noStrike" cap="none" normalizeH="0" baseline="0" smtClean="0">
+              <a:ln>
+                <a:noFill/>
+              </a:ln>
+              <a:solidFill>
+                <a:srgbClr val="000000"/>
+              </a:solidFill>
+              <a:effectLst/>
+              <a:latin typeface="Gill Sans" charset="0"/>
+              <a:ea typeface="ヒラギノ角ゴ ProN W3" charset="0"/>
+              <a:cs typeface="ヒラギノ角ゴ ProN W3" charset="0"/>
+              <a:sym typeface="Gill Sans" charset="0"/>
+            </a:endParaRPr>
+          </a:p>
+        </p:txBody>
+      </p:sp>
       <p:sp>
         <p:nvSpPr>
           <p:cNvPr id="9" name="Segnaposto numero diapositiva 3"/>
@@ -44593,7 +44660,7 @@
         <p:spPr bwMode="auto">
           <a:xfrm>
             <a:off x="-29619" y="0"/>
-            <a:ext cx="14358989" cy="973618"/>
+            <a:ext cx="14430997" cy="973618"/>
           </a:xfrm>
           <a:prstGeom prst="rect">
             <a:avLst/>
@@ -44628,7 +44695,7 @@
                   <a:schemeClr val="bg1"/>
                 </a:solidFill>
               </a:rPr>
-              <a:t>Bibliografia</a:t>
+              <a:t>Take Home Message</a:t>
             </a:r>
             <a:endParaRPr lang="it-IT" sz="5250" b="1" dirty="0">
               <a:solidFill>
@@ -44640,443 +44707,314 @@
       </p:sp>
       <p:sp>
         <p:nvSpPr>
-          <p:cNvPr id="3" name="Rectangle 1"/>
-          <p:cNvSpPr>
-            <a:spLocks noChangeArrowheads="1"/>
-          </p:cNvSpPr>
+          <p:cNvPr id="14" name="TextBox 4"/>
+          <p:cNvSpPr txBox="1"/>
           <p:nvPr/>
         </p:nvSpPr>
-        <p:spPr bwMode="auto">
+        <p:spPr>
           <a:xfrm>
-            <a:off x="287810" y="1674218"/>
-            <a:ext cx="17785754" cy="9448741"/>
+            <a:off x="8640738" y="-2790278"/>
+            <a:ext cx="2625912" cy="1169551"/>
           </a:xfrm>
           <a:prstGeom prst="rect">
             <a:avLst/>
           </a:prstGeom>
-          <a:solidFill>
-            <a:srgbClr val="FFFFFF"/>
-          </a:solidFill>
-          <a:ln>
-            <a:noFill/>
-          </a:ln>
-          <a:effectLst/>
-          <a:extLst>
-            <a:ext uri="{91240B29-F687-4f45-9708-019B960494DF}">
-              <a14:hiddenLine xmlns:a14="http://schemas.microsoft.com/office/drawing/2010/main" w="9525">
-                <a:solidFill>
-                  <a:schemeClr val="tx1"/>
-                </a:solidFill>
-                <a:miter lim="800000"/>
-                <a:headEnd/>
-                <a:tailEnd/>
-              </a14:hiddenLine>
-            </a:ext>
-            <a:ext uri="{AF507438-7753-43e0-B8FC-AC1667EBCBE1}">
-              <a14:hiddenEffects xmlns:a14="http://schemas.microsoft.com/office/drawing/2010/main">
-                <a:effectLst>
-                  <a:outerShdw dist="35921" dir="2700000" algn="ctr" rotWithShape="0">
-                    <a:schemeClr val="bg2"/>
-                  </a:outerShdw>
-                </a:effectLst>
-              </a14:hiddenEffects>
-            </a:ext>
-          </a:extLst>
-        </p:spPr>
-        <p:txBody>
-          <a:bodyPr vert="horz" wrap="square" lIns="91440" tIns="45720" rIns="91440" bIns="45720" numCol="1" anchor="ctr" anchorCtr="0" compatLnSpc="1">
-            <a:prstTxWarp prst="textNoShape">
-              <a:avLst/>
-            </a:prstTxWarp>
+          <a:noFill/>
+        </p:spPr>
+        <p:txBody>
+          <a:bodyPr wrap="none" rtlCol="0">
             <a:spAutoFit/>
           </a:bodyPr>
-          <a:lstStyle>
-            <a:lvl1pPr algn="l" eaLnBrk="0" hangingPunct="0">
-              <a:defRPr>
+          <a:lstStyle/>
+          <a:p>
+            <a:pPr algn="l"/>
+            <a:r>
+              <a:rPr lang="en-US" dirty="0" err="1" smtClean="0">
                 <a:solidFill>
-                  <a:schemeClr val="tx1"/>
+                  <a:srgbClr val="FF0000"/>
                 </a:solidFill>
-                <a:latin typeface="Arial" panose="020B0604020202020204" pitchFamily="34" charset="0"/>
-              </a:defRPr>
-            </a:lvl1pPr>
-            <a:lvl2pPr marL="457200" algn="l" eaLnBrk="0" hangingPunct="0">
-              <a:defRPr>
+              </a:rPr>
+              <a:t>Teoria</a:t>
+            </a:r>
+            <a:endParaRPr lang="en-US" dirty="0">
+              <a:solidFill>
+                <a:srgbClr val="FF0000"/>
+              </a:solidFill>
+            </a:endParaRPr>
+          </a:p>
+        </p:txBody>
+      </p:sp>
+      <p:pic>
+        <p:nvPicPr>
+          <p:cNvPr id="13" name="Picture 5" descr="thm2.jpg"/>
+          <p:cNvPicPr>
+            <a:picLocks noChangeAspect="1"/>
+          </p:cNvPicPr>
+          <p:nvPr/>
+        </p:nvPicPr>
+        <p:blipFill>
+          <a:blip r:embed="rId3">
+            <a:extLst>
+              <a:ext uri="{28A0092B-C50C-407E-A947-70E740481C1C}">
+                <a14:useLocalDpi xmlns:a14="http://schemas.microsoft.com/office/drawing/2010/main" val="0"/>
+              </a:ext>
+            </a:extLst>
+          </a:blip>
+          <a:stretch>
+            <a:fillRect/>
+          </a:stretch>
+        </p:blipFill>
+        <p:spPr>
+          <a:xfrm>
+            <a:off x="-29620" y="10171162"/>
+            <a:ext cx="4565902" cy="3545410"/>
+          </a:xfrm>
+          <a:prstGeom prst="rect">
+            <a:avLst/>
+          </a:prstGeom>
+        </p:spPr>
+      </p:pic>
+      <p:sp>
+        <p:nvSpPr>
+          <p:cNvPr id="5" name="Rettangolo 4"/>
+          <p:cNvSpPr/>
+          <p:nvPr/>
+        </p:nvSpPr>
+        <p:spPr>
+          <a:xfrm>
+            <a:off x="12241138" y="12691442"/>
+            <a:ext cx="5591595" cy="861774"/>
+          </a:xfrm>
+          <a:prstGeom prst="rect">
+            <a:avLst/>
+          </a:prstGeom>
+        </p:spPr>
+        <p:txBody>
+          <a:bodyPr wrap="none">
+            <a:spAutoFit/>
+          </a:bodyPr>
+          <a:lstStyle/>
+          <a:p>
+            <a:pPr>
+              <a:buClr>
+                <a:srgbClr val="FF0000"/>
+              </a:buClr>
+            </a:pPr>
+            <a:r>
+              <a:rPr lang="en-US" sz="5000" b="1" dirty="0">
                 <a:solidFill>
-                  <a:schemeClr val="tx1"/>
+                  <a:schemeClr val="bg1"/>
                 </a:solidFill>
-                <a:latin typeface="Arial" panose="020B0604020202020204" pitchFamily="34" charset="0"/>
-              </a:defRPr>
-            </a:lvl2pPr>
-            <a:lvl3pPr marL="914400" algn="l" eaLnBrk="0" hangingPunct="0">
-              <a:defRPr>
-                <a:solidFill>
-                  <a:schemeClr val="tx1"/>
-                </a:solidFill>
-                <a:latin typeface="Arial" panose="020B0604020202020204" pitchFamily="34" charset="0"/>
-              </a:defRPr>
-            </a:lvl3pPr>
-            <a:lvl4pPr marL="1371600" algn="l" eaLnBrk="0" hangingPunct="0">
-              <a:defRPr>
-                <a:solidFill>
-                  <a:schemeClr val="tx1"/>
-                </a:solidFill>
-                <a:latin typeface="Arial" panose="020B0604020202020204" pitchFamily="34" charset="0"/>
-              </a:defRPr>
-            </a:lvl4pPr>
-            <a:lvl5pPr marL="1828800" algn="l" eaLnBrk="0" hangingPunct="0">
-              <a:defRPr>
-                <a:solidFill>
-                  <a:schemeClr val="tx1"/>
-                </a:solidFill>
-                <a:latin typeface="Arial" panose="020B0604020202020204" pitchFamily="34" charset="0"/>
-              </a:defRPr>
-            </a:lvl5pPr>
-            <a:lvl6pPr marL="2286000" eaLnBrk="0" fontAlgn="base" hangingPunct="0">
-              <a:spcBef>
-                <a:spcPct val="0"/>
-              </a:spcBef>
-              <a:spcAft>
-                <a:spcPct val="0"/>
-              </a:spcAft>
-              <a:defRPr>
-                <a:solidFill>
-                  <a:schemeClr val="tx1"/>
-                </a:solidFill>
-                <a:latin typeface="Arial" panose="020B0604020202020204" pitchFamily="34" charset="0"/>
-              </a:defRPr>
-            </a:lvl6pPr>
-            <a:lvl7pPr marL="2743200" eaLnBrk="0" fontAlgn="base" hangingPunct="0">
-              <a:spcBef>
-                <a:spcPct val="0"/>
-              </a:spcBef>
-              <a:spcAft>
-                <a:spcPct val="0"/>
-              </a:spcAft>
-              <a:defRPr>
-                <a:solidFill>
-                  <a:schemeClr val="tx1"/>
-                </a:solidFill>
-                <a:latin typeface="Arial" panose="020B0604020202020204" pitchFamily="34" charset="0"/>
-              </a:defRPr>
-            </a:lvl7pPr>
-            <a:lvl8pPr marL="3200400" eaLnBrk="0" fontAlgn="base" hangingPunct="0">
-              <a:spcBef>
-                <a:spcPct val="0"/>
-              </a:spcBef>
-              <a:spcAft>
-                <a:spcPct val="0"/>
-              </a:spcAft>
-              <a:defRPr>
-                <a:solidFill>
-                  <a:schemeClr val="tx1"/>
-                </a:solidFill>
-                <a:latin typeface="Arial" panose="020B0604020202020204" pitchFamily="34" charset="0"/>
-              </a:defRPr>
-            </a:lvl8pPr>
-            <a:lvl9pPr marL="3657600" eaLnBrk="0" fontAlgn="base" hangingPunct="0">
-              <a:spcBef>
-                <a:spcPct val="0"/>
-              </a:spcBef>
-              <a:spcAft>
-                <a:spcPct val="0"/>
-              </a:spcAft>
-              <a:defRPr>
-                <a:solidFill>
-                  <a:schemeClr val="tx1"/>
-                </a:solidFill>
-                <a:latin typeface="Arial" panose="020B0604020202020204" pitchFamily="34" charset="0"/>
-              </a:defRPr>
-            </a:lvl9pPr>
-          </a:lstStyle>
-          <a:p>
-            <a:pPr lvl="0"/>
-            <a:r>
-              <a:rPr lang="it-IT" altLang="it-IT" sz="3200" b="1" dirty="0" smtClean="0">
                 <a:latin typeface="Myriad Pro It"/>
               </a:rPr>
-              <a:t>Documentazione ufficiale </a:t>
-            </a:r>
-            <a:endParaRPr lang="it-IT" altLang="it-IT" sz="3200" dirty="0" smtClean="0">
-              <a:latin typeface="Myriad Pro It"/>
-              <a:hlinkClick r:id="rId3"/>
-            </a:endParaRPr>
-          </a:p>
-          <a:p>
-            <a:pPr lvl="0"/>
-            <a:r>
-              <a:rPr lang="it-IT" altLang="it-IT" sz="3200" dirty="0" smtClean="0">
-                <a:latin typeface="Myriad Pro It"/>
-                <a:hlinkClick r:id="rId3"/>
-              </a:rPr>
-              <a:t>http</a:t>
-            </a:r>
-            <a:r>
-              <a:rPr lang="it-IT" altLang="it-IT" sz="3200" dirty="0">
-                <a:latin typeface="Myriad Pro It"/>
-                <a:hlinkClick r:id="rId3"/>
-              </a:rPr>
-              <a:t>://php.net/manual/it/language.basic-</a:t>
-            </a:r>
-            <a:r>
-              <a:rPr lang="it-IT" altLang="it-IT" sz="3200" dirty="0" smtClean="0">
-                <a:latin typeface="Myriad Pro It"/>
-                <a:hlinkClick r:id="rId3"/>
-              </a:rPr>
-              <a:t>syntax.php</a:t>
-            </a:r>
-          </a:p>
-          <a:p>
-            <a:pPr lvl="0"/>
-            <a:r>
-              <a:rPr lang="it-IT" altLang="it-IT" sz="3200" dirty="0">
-                <a:latin typeface="Myriad Pro It"/>
-                <a:hlinkClick r:id="rId3"/>
-              </a:rPr>
-              <a:t>http://php.net/manual/it/</a:t>
-            </a:r>
-            <a:r>
-              <a:rPr lang="it-IT" altLang="it-IT" sz="3200" dirty="0" smtClean="0">
-                <a:latin typeface="Myriad Pro It"/>
-                <a:hlinkClick r:id="rId3"/>
-              </a:rPr>
-              <a:t>language.types.php</a:t>
-            </a:r>
-          </a:p>
-          <a:p>
-            <a:pPr lvl="0"/>
-            <a:r>
-              <a:rPr lang="it-IT" altLang="it-IT" sz="3200" dirty="0">
-                <a:latin typeface="Myriad Pro It"/>
-                <a:hlinkClick r:id="rId3"/>
-              </a:rPr>
-              <a:t>http://php.net/manual/it/</a:t>
-            </a:r>
-            <a:r>
-              <a:rPr lang="it-IT" altLang="it-IT" sz="3200" dirty="0" smtClean="0">
-                <a:latin typeface="Myriad Pro It"/>
-                <a:hlinkClick r:id="rId3"/>
-              </a:rPr>
-              <a:t>language.variables.php</a:t>
-            </a:r>
-          </a:p>
-          <a:p>
-            <a:pPr lvl="0"/>
-            <a:r>
-              <a:rPr lang="it-IT" altLang="it-IT" sz="3200" dirty="0">
-                <a:latin typeface="Myriad Pro It"/>
-                <a:hlinkClick r:id="rId3"/>
-              </a:rPr>
-              <a:t>http://php.net/manual/it/</a:t>
-            </a:r>
-            <a:r>
-              <a:rPr lang="it-IT" altLang="it-IT" sz="3200" dirty="0" smtClean="0">
-                <a:latin typeface="Myriad Pro It"/>
-                <a:hlinkClick r:id="rId3"/>
-              </a:rPr>
-              <a:t>language.operators.php</a:t>
-            </a:r>
-          </a:p>
-          <a:p>
-            <a:pPr lvl="0"/>
-            <a:r>
-              <a:rPr lang="it-IT" altLang="it-IT" sz="3200" dirty="0">
-                <a:latin typeface="Myriad Pro It"/>
-                <a:hlinkClick r:id="rId3"/>
-              </a:rPr>
-              <a:t>http://php.net/manual/it/language.control-</a:t>
-            </a:r>
-            <a:r>
-              <a:rPr lang="it-IT" altLang="it-IT" sz="3200" dirty="0" smtClean="0">
-                <a:latin typeface="Myriad Pro It"/>
-                <a:hlinkClick r:id="rId3"/>
-              </a:rPr>
-              <a:t>structures.php</a:t>
-            </a:r>
-          </a:p>
-          <a:p>
-            <a:pPr lvl="0"/>
-            <a:r>
-              <a:rPr lang="it-IT" altLang="it-IT" sz="3200" dirty="0">
-                <a:latin typeface="Myriad Pro It"/>
-                <a:hlinkClick r:id="rId3"/>
-              </a:rPr>
-              <a:t>http://php.net/manual/it/language.functions.php</a:t>
-            </a:r>
-            <a:endParaRPr lang="it-IT" altLang="it-IT" sz="3200" dirty="0" smtClean="0">
-              <a:latin typeface="Myriad Pro It"/>
-              <a:hlinkClick r:id="rId3"/>
-            </a:endParaRPr>
-          </a:p>
-          <a:p>
-            <a:pPr lvl="0"/>
-            <a:endParaRPr lang="it-IT" altLang="it-IT" sz="3200" b="1" dirty="0">
-              <a:latin typeface="Myriad Pro It"/>
-              <a:hlinkClick r:id="rId3"/>
-            </a:endParaRPr>
-          </a:p>
-          <a:p>
-            <a:pPr lvl="0"/>
-            <a:r>
-              <a:rPr lang="it-IT" altLang="it-IT" sz="3200" b="1" dirty="0" smtClean="0">
+              <a:t>t</a:t>
+            </a:r>
+            <a:r>
+              <a:rPr lang="en-US" sz="5000" b="1" dirty="0" smtClean="0">
+                <a:solidFill>
+                  <a:schemeClr val="bg1"/>
+                </a:solidFill>
                 <a:latin typeface="Myriad Pro It"/>
               </a:rPr>
-              <a:t>WAMP</a:t>
-            </a:r>
-          </a:p>
-          <a:p>
-            <a:pPr lvl="0"/>
-            <a:r>
-              <a:rPr lang="it-IT" altLang="it-IT" sz="3200" dirty="0">
-                <a:latin typeface="Myriad Pro It"/>
-              </a:rPr>
-              <a:t>Pacchetto per Windows che include il server web Apache, PHP e il database </a:t>
-            </a:r>
-            <a:r>
-              <a:rPr lang="it-IT" altLang="it-IT" sz="3200" dirty="0" err="1">
-                <a:latin typeface="Myriad Pro It"/>
-              </a:rPr>
-              <a:t>MySQL</a:t>
-            </a:r>
-            <a:endParaRPr lang="it-IT" altLang="it-IT" sz="3200" dirty="0">
+              <a:t>o be continued…</a:t>
+            </a:r>
+            <a:endParaRPr lang="en-US" sz="5000" dirty="0">
+              <a:solidFill>
+                <a:schemeClr val="bg1"/>
+              </a:solidFill>
               <a:latin typeface="Myriad Pro It"/>
             </a:endParaRPr>
           </a:p>
-          <a:p>
-            <a:pPr lvl="0"/>
-            <a:r>
-              <a:rPr lang="it-IT" altLang="it-IT" sz="3200" dirty="0">
-                <a:latin typeface="Myriad Pro It"/>
-                <a:hlinkClick r:id="rId4"/>
-              </a:rPr>
-              <a:t>http://www.wampserver.com/en</a:t>
-            </a:r>
-            <a:r>
-              <a:rPr lang="it-IT" altLang="it-IT" sz="3200" dirty="0" smtClean="0">
-                <a:latin typeface="Myriad Pro It"/>
-                <a:hlinkClick r:id="rId4"/>
-              </a:rPr>
-              <a:t>/</a:t>
-            </a:r>
-            <a:endParaRPr lang="it-IT" altLang="it-IT" sz="3200" dirty="0" smtClean="0">
-              <a:latin typeface="Myriad Pro It"/>
-            </a:endParaRPr>
-          </a:p>
-          <a:p>
-            <a:pPr lvl="0"/>
-            <a:endParaRPr lang="it-IT" altLang="it-IT" sz="3200" dirty="0">
-              <a:latin typeface="Myriad Pro It"/>
-            </a:endParaRPr>
-          </a:p>
-          <a:p>
-            <a:pPr lvl="0"/>
-            <a:r>
-              <a:rPr lang="it-IT" altLang="it-IT" sz="3200" b="1" dirty="0" smtClean="0">
-                <a:latin typeface="Myriad Pro It"/>
-              </a:rPr>
-              <a:t>MAMP</a:t>
-            </a:r>
-            <a:endParaRPr lang="it-IT" altLang="it-IT" sz="3200" b="1" dirty="0">
-              <a:latin typeface="Myriad Pro It"/>
-            </a:endParaRPr>
-          </a:p>
-          <a:p>
-            <a:pPr lvl="0"/>
-            <a:r>
-              <a:rPr lang="it-IT" altLang="it-IT" sz="3200" dirty="0">
-                <a:latin typeface="Myriad Pro It"/>
-              </a:rPr>
-              <a:t>Pacchetto per </a:t>
-            </a:r>
-            <a:r>
-              <a:rPr lang="it-IT" altLang="it-IT" sz="3200" dirty="0">
-                <a:latin typeface="Myriad Pro It"/>
-              </a:rPr>
-              <a:t>Mac OS X che </a:t>
-            </a:r>
-            <a:r>
-              <a:rPr lang="it-IT" altLang="it-IT" sz="3200" dirty="0">
-                <a:latin typeface="Myriad Pro It"/>
-              </a:rPr>
-              <a:t>include il server web Apache, PHP e il database </a:t>
-            </a:r>
-            <a:r>
-              <a:rPr lang="it-IT" altLang="it-IT" sz="3200" dirty="0" err="1">
-                <a:latin typeface="Myriad Pro It"/>
-              </a:rPr>
-              <a:t>MySQL</a:t>
-            </a:r>
-            <a:endParaRPr lang="it-IT" altLang="it-IT" sz="3200" dirty="0">
-              <a:latin typeface="Myriad Pro It"/>
-            </a:endParaRPr>
-          </a:p>
-          <a:p>
-            <a:pPr lvl="0"/>
-            <a:r>
-              <a:rPr lang="it-IT" altLang="it-IT" sz="3200" dirty="0">
-                <a:latin typeface="Myriad Pro It"/>
-                <a:hlinkClick r:id="rId5"/>
-              </a:rPr>
-              <a:t>http://www.mamp.info/en</a:t>
-            </a:r>
-            <a:r>
-              <a:rPr lang="it-IT" altLang="it-IT" sz="3200" dirty="0" smtClean="0">
-                <a:latin typeface="Myriad Pro It"/>
-                <a:hlinkClick r:id="rId5"/>
-              </a:rPr>
-              <a:t>/</a:t>
-            </a:r>
-            <a:endParaRPr lang="it-IT" altLang="it-IT" sz="3200" dirty="0" smtClean="0">
-              <a:latin typeface="Myriad Pro It"/>
-            </a:endParaRPr>
-          </a:p>
-          <a:p>
-            <a:pPr lvl="0"/>
-            <a:endParaRPr lang="it-IT" altLang="it-IT" sz="3200" b="1" dirty="0">
-              <a:latin typeface="Myriad Pro It"/>
-            </a:endParaRPr>
-          </a:p>
-          <a:p>
-            <a:r>
-              <a:rPr lang="it-IT" altLang="it-IT" sz="3200" b="1" dirty="0" smtClean="0">
-                <a:latin typeface="Myriad Pro It"/>
-              </a:rPr>
-              <a:t>Corsi</a:t>
-            </a:r>
-            <a:endParaRPr lang="it-IT" altLang="it-IT" sz="3200" b="1" dirty="0" smtClean="0">
-              <a:latin typeface="Myriad Pro It"/>
-              <a:hlinkClick r:id="rId3"/>
-            </a:endParaRPr>
-          </a:p>
-          <a:p>
-            <a:r>
-              <a:rPr lang="it-IT" altLang="it-IT" sz="3200" dirty="0">
-                <a:latin typeface="Myriad Pro It"/>
-                <a:hlinkClick r:id="rId6"/>
-              </a:rPr>
-              <a:t>http://www.codecademy.com/en/tracks/</a:t>
-            </a:r>
-            <a:r>
-              <a:rPr lang="it-IT" altLang="it-IT" sz="3200" dirty="0" smtClean="0">
-                <a:latin typeface="Myriad Pro It"/>
-                <a:hlinkClick r:id="rId6"/>
-              </a:rPr>
-              <a:t>php</a:t>
-            </a:r>
-            <a:endParaRPr lang="it-IT" altLang="it-IT" sz="3200" dirty="0" smtClean="0">
-              <a:latin typeface="Myriad Pro It"/>
-            </a:endParaRPr>
-          </a:p>
-          <a:p>
-            <a:endParaRPr lang="it-IT" altLang="it-IT" sz="3200" dirty="0" smtClean="0">
-              <a:latin typeface="Myriad Pro It"/>
-            </a:endParaRPr>
+        </p:txBody>
+      </p:sp>
+      <p:pic>
+        <p:nvPicPr>
+          <p:cNvPr id="6" name="Picture 5" descr="110910-Ron-2-400.jpg"/>
+          <p:cNvPicPr>
+            <a:picLocks noChangeAspect="1"/>
+          </p:cNvPicPr>
+          <p:nvPr/>
+        </p:nvPicPr>
+        <p:blipFill>
+          <a:blip r:embed="rId4">
+            <a:extLst>
+              <a:ext uri="{28A0092B-C50C-407E-A947-70E740481C1C}">
+                <a14:useLocalDpi xmlns:a14="http://schemas.microsoft.com/office/drawing/2010/main" val="0"/>
+              </a:ext>
+            </a:extLst>
+          </a:blip>
+          <a:stretch>
+            <a:fillRect/>
+          </a:stretch>
+        </p:blipFill>
+        <p:spPr>
+          <a:xfrm>
+            <a:off x="9144794" y="1098154"/>
+            <a:ext cx="9217024" cy="9217024"/>
+          </a:xfrm>
+          <a:prstGeom prst="rect">
+            <a:avLst/>
+          </a:prstGeom>
+        </p:spPr>
+      </p:pic>
+      <p:sp>
+        <p:nvSpPr>
+          <p:cNvPr id="7" name="TextBox 6"/>
+          <p:cNvSpPr txBox="1"/>
+          <p:nvPr/>
+        </p:nvSpPr>
+        <p:spPr>
+          <a:xfrm>
+            <a:off x="287810" y="1314178"/>
+            <a:ext cx="8570440" cy="6555641"/>
+          </a:xfrm>
+          <a:prstGeom prst="rect">
+            <a:avLst/>
+          </a:prstGeom>
+          <a:noFill/>
+        </p:spPr>
+        <p:txBody>
+          <a:bodyPr wrap="square" rtlCol="0">
+            <a:spAutoFit/>
+          </a:bodyPr>
+          <a:lstStyle/>
+          <a:p>
+            <a:r>
+              <a:rPr lang="en-US" dirty="0" err="1" smtClean="0"/>
+              <a:t>Ci</a:t>
+            </a:r>
+            <a:r>
+              <a:rPr lang="en-US" dirty="0" smtClean="0"/>
+              <a:t> </a:t>
+            </a:r>
+            <a:r>
+              <a:rPr lang="en-US" dirty="0" err="1" smtClean="0"/>
+              <a:t>sono</a:t>
+            </a:r>
+            <a:r>
+              <a:rPr lang="en-US" dirty="0" smtClean="0"/>
+              <a:t> </a:t>
+            </a:r>
+            <a:r>
+              <a:rPr lang="en-US" dirty="0" err="1" smtClean="0"/>
+              <a:t>tanti</a:t>
+            </a:r>
+            <a:r>
+              <a:rPr lang="en-US" dirty="0" smtClean="0"/>
+              <a:t> </a:t>
+            </a:r>
+            <a:r>
+              <a:rPr lang="en-US" dirty="0" err="1" smtClean="0"/>
+              <a:t>linguaggi</a:t>
+            </a:r>
+            <a:r>
+              <a:rPr lang="en-US" dirty="0" smtClean="0"/>
+              <a:t> di </a:t>
+            </a:r>
+            <a:r>
+              <a:rPr lang="en-US" dirty="0" err="1" smtClean="0"/>
+              <a:t>programmazione</a:t>
+            </a:r>
+            <a:r>
+              <a:rPr lang="en-US" dirty="0" smtClean="0"/>
+              <a:t> e </a:t>
+            </a:r>
+            <a:r>
+              <a:rPr lang="en-US" dirty="0" err="1" smtClean="0"/>
+              <a:t>molti</a:t>
+            </a:r>
+            <a:r>
+              <a:rPr lang="en-US" dirty="0" smtClean="0"/>
+              <a:t> </a:t>
+            </a:r>
+            <a:r>
+              <a:rPr lang="en-US" dirty="0" err="1" smtClean="0"/>
+              <a:t>si</a:t>
+            </a:r>
+            <a:r>
+              <a:rPr lang="en-US" dirty="0" smtClean="0"/>
+              <a:t> </a:t>
+            </a:r>
+            <a:r>
+              <a:rPr lang="en-US" dirty="0" err="1" smtClean="0"/>
+              <a:t>assomigliano</a:t>
+            </a:r>
+            <a:r>
+              <a:rPr lang="en-US" dirty="0" smtClean="0"/>
+              <a:t>, la </a:t>
+            </a:r>
+            <a:r>
+              <a:rPr lang="en-US" dirty="0" err="1" smtClean="0"/>
+              <a:t>vera</a:t>
+            </a:r>
+            <a:r>
+              <a:rPr lang="en-US" dirty="0" smtClean="0"/>
+              <a:t> </a:t>
+            </a:r>
+            <a:r>
+              <a:rPr lang="en-US" dirty="0" err="1" smtClean="0"/>
+              <a:t>differenza</a:t>
+            </a:r>
+            <a:r>
+              <a:rPr lang="en-US" dirty="0" smtClean="0"/>
+              <a:t> </a:t>
+            </a:r>
+            <a:r>
+              <a:rPr lang="en-US" dirty="0" err="1" smtClean="0"/>
+              <a:t>però</a:t>
+            </a:r>
+            <a:r>
+              <a:rPr lang="en-US" dirty="0" smtClean="0"/>
+              <a:t> la </a:t>
+            </a:r>
+            <a:r>
+              <a:rPr lang="en-US" dirty="0" err="1" smtClean="0"/>
+              <a:t>fa</a:t>
+            </a:r>
+            <a:r>
+              <a:rPr lang="en-US" dirty="0" smtClean="0"/>
+              <a:t> </a:t>
+            </a:r>
+            <a:r>
+              <a:rPr lang="en-US" dirty="0" err="1" smtClean="0"/>
+              <a:t>il</a:t>
+            </a:r>
+            <a:r>
+              <a:rPr lang="en-US" dirty="0" smtClean="0"/>
+              <a:t> </a:t>
+            </a:r>
+            <a:r>
+              <a:rPr lang="en-US" dirty="0" err="1" smtClean="0"/>
+              <a:t>programmatore</a:t>
+            </a:r>
+            <a:r>
+              <a:rPr lang="en-US" dirty="0" smtClean="0"/>
+              <a:t> </a:t>
+            </a:r>
+            <a:r>
+              <a:rPr lang="en-US" dirty="0" err="1" smtClean="0"/>
+              <a:t>che</a:t>
+            </a:r>
+            <a:r>
+              <a:rPr lang="en-US" dirty="0" smtClean="0"/>
+              <a:t> li </a:t>
+            </a:r>
+            <a:r>
+              <a:rPr lang="en-US" dirty="0" err="1" smtClean="0"/>
+              <a:t>usa</a:t>
+            </a:r>
+            <a:r>
+              <a:rPr lang="en-US" dirty="0" smtClean="0"/>
+              <a:t>!</a:t>
+            </a:r>
+            <a:endParaRPr lang="en-US" dirty="0"/>
           </a:p>
         </p:txBody>
       </p:sp>
     </p:spTree>
     <p:extLst>
       <p:ext uri="{BB962C8B-B14F-4D97-AF65-F5344CB8AC3E}">
-        <p14:creationId xmlns:p14="http://schemas.microsoft.com/office/powerpoint/2010/main" val="2030256944"/>
+        <p14:creationId xmlns:p14="http://schemas.microsoft.com/office/powerpoint/2010/main" val="1708942254"/>
       </p:ext>
     </p:extLst>
   </p:cSld>
@@ -45101,7 +45039,7 @@
 </p:sld>
 </file>
 
-<file path=ppt/slides/slide2.xml><?xml version="1.0" encoding="utf-8"?>
+<file path=ppt/slides/slide17.xml><?xml version="1.0" encoding="utf-8"?>
 <p:sld xmlns:a="http://schemas.openxmlformats.org/drawingml/2006/main" xmlns:r="http://schemas.openxmlformats.org/officeDocument/2006/relationships" xmlns:p="http://schemas.openxmlformats.org/presentationml/2006/main">
   <p:cSld>
     <p:spTree>
@@ -45120,322 +45058,6 @@
       </p:grpSpPr>
       <p:sp>
         <p:nvSpPr>
-          <p:cNvPr id="5" name="Rettangolo 4"/>
-          <p:cNvSpPr/>
-          <p:nvPr/>
-        </p:nvSpPr>
-        <p:spPr bwMode="auto">
-          <a:xfrm>
-            <a:off x="221639" y="2898354"/>
-            <a:ext cx="3306531" cy="4320480"/>
-          </a:xfrm>
-          <a:prstGeom prst="rect">
-            <a:avLst/>
-          </a:prstGeom>
-          <a:solidFill>
-            <a:schemeClr val="bg1">
-              <a:lumMod val="85000"/>
-            </a:schemeClr>
-          </a:solidFill>
-          <a:ln w="25400" cap="flat" cmpd="sng" algn="ctr">
-            <a:noFill/>
-            <a:prstDash val="solid"/>
-            <a:round/>
-            <a:headEnd type="none" w="med" len="med"/>
-            <a:tailEnd type="none" w="med" len="med"/>
-          </a:ln>
-          <a:effectLst/>
-          <a:extLst>
-            <a:ext uri="{AF507438-7753-43e0-B8FC-AC1667EBCBE1}">
-              <a14:hiddenEffects xmlns:a14="http://schemas.microsoft.com/office/drawing/2010/main">
-                <a:effectLst>
-                  <a:outerShdw dist="35921" dir="2700000" algn="ctr" rotWithShape="0">
-                    <a:schemeClr val="bg2"/>
-                  </a:outerShdw>
-                </a:effectLst>
-              </a14:hiddenEffects>
-            </a:ext>
-          </a:extLst>
-        </p:spPr>
-        <p:txBody>
-          <a:bodyPr vert="horz" wrap="square" lIns="91440" tIns="45720" rIns="91440" bIns="45720" numCol="1" rtlCol="0" anchor="t" anchorCtr="0" compatLnSpc="1">
-            <a:prstTxWarp prst="textNoShape">
-              <a:avLst/>
-            </a:prstTxWarp>
-          </a:bodyPr>
-          <a:lstStyle/>
-          <a:p>
-            <a:pPr marL="0" marR="0" indent="0" algn="ctr" defTabSz="914400" rtl="0" eaLnBrk="1" fontAlgn="base" latinLnBrk="0" hangingPunct="1">
-              <a:lnSpc>
-                <a:spcPct val="100000"/>
-              </a:lnSpc>
-              <a:spcBef>
-                <a:spcPct val="0"/>
-              </a:spcBef>
-              <a:spcAft>
-                <a:spcPct val="0"/>
-              </a:spcAft>
-              <a:buClrTx/>
-              <a:buSzTx/>
-              <a:buFontTx/>
-              <a:buNone/>
-              <a:tabLst/>
-            </a:pPr>
-            <a:endParaRPr kumimoji="0" lang="it-IT" sz="4200" b="0" i="0" u="none" strike="noStrike" cap="none" normalizeH="0" baseline="0" smtClean="0">
-              <a:ln>
-                <a:noFill/>
-              </a:ln>
-              <a:solidFill>
-                <a:schemeClr val="tx1"/>
-              </a:solidFill>
-              <a:effectLst/>
-              <a:latin typeface="Gill Sans" charset="0"/>
-              <a:ea typeface="ヒラギノ角ゴ ProN W3" charset="0"/>
-              <a:cs typeface="ヒラギノ角ゴ ProN W3" charset="0"/>
-              <a:sym typeface="Gill Sans" charset="0"/>
-            </a:endParaRPr>
-          </a:p>
-        </p:txBody>
-      </p:sp>
-      <p:sp>
-        <p:nvSpPr>
-          <p:cNvPr id="30" name="Rettangolo 29"/>
-          <p:cNvSpPr/>
-          <p:nvPr/>
-        </p:nvSpPr>
-        <p:spPr bwMode="auto">
-          <a:xfrm>
-            <a:off x="3949686" y="2898354"/>
-            <a:ext cx="3306531" cy="4320480"/>
-          </a:xfrm>
-          <a:prstGeom prst="rect">
-            <a:avLst/>
-          </a:prstGeom>
-          <a:solidFill>
-            <a:schemeClr val="bg1">
-              <a:lumMod val="85000"/>
-            </a:schemeClr>
-          </a:solidFill>
-          <a:ln w="25400" cap="flat" cmpd="sng" algn="ctr">
-            <a:noFill/>
-            <a:prstDash val="solid"/>
-            <a:round/>
-            <a:headEnd type="none" w="med" len="med"/>
-            <a:tailEnd type="none" w="med" len="med"/>
-          </a:ln>
-          <a:effectLst/>
-          <a:extLst>
-            <a:ext uri="{AF507438-7753-43e0-B8FC-AC1667EBCBE1}">
-              <a14:hiddenEffects xmlns:a14="http://schemas.microsoft.com/office/drawing/2010/main">
-                <a:effectLst>
-                  <a:outerShdw dist="35921" dir="2700000" algn="ctr" rotWithShape="0">
-                    <a:schemeClr val="bg2"/>
-                  </a:outerShdw>
-                </a:effectLst>
-              </a14:hiddenEffects>
-            </a:ext>
-          </a:extLst>
-        </p:spPr>
-        <p:txBody>
-          <a:bodyPr vert="horz" wrap="square" lIns="91440" tIns="45720" rIns="91440" bIns="45720" numCol="1" rtlCol="0" anchor="t" anchorCtr="0" compatLnSpc="1">
-            <a:prstTxWarp prst="textNoShape">
-              <a:avLst/>
-            </a:prstTxWarp>
-          </a:bodyPr>
-          <a:lstStyle/>
-          <a:p>
-            <a:pPr marL="0" marR="0" indent="0" algn="ctr" defTabSz="914400" rtl="0" eaLnBrk="1" fontAlgn="base" latinLnBrk="0" hangingPunct="1">
-              <a:lnSpc>
-                <a:spcPct val="100000"/>
-              </a:lnSpc>
-              <a:spcBef>
-                <a:spcPct val="0"/>
-              </a:spcBef>
-              <a:spcAft>
-                <a:spcPct val="0"/>
-              </a:spcAft>
-              <a:buClrTx/>
-              <a:buSzTx/>
-              <a:buFontTx/>
-              <a:buNone/>
-              <a:tabLst/>
-            </a:pPr>
-            <a:endParaRPr kumimoji="0" lang="it-IT" sz="4200" b="0" i="0" u="none" strike="noStrike" cap="none" normalizeH="0" baseline="0" smtClean="0">
-              <a:ln>
-                <a:noFill/>
-              </a:ln>
-              <a:solidFill>
-                <a:schemeClr val="tx1"/>
-              </a:solidFill>
-              <a:effectLst/>
-              <a:latin typeface="Gill Sans" charset="0"/>
-              <a:ea typeface="ヒラギノ角ゴ ProN W3" charset="0"/>
-              <a:cs typeface="ヒラギノ角ゴ ProN W3" charset="0"/>
-              <a:sym typeface="Gill Sans" charset="0"/>
-            </a:endParaRPr>
-          </a:p>
-        </p:txBody>
-      </p:sp>
-      <p:sp>
-        <p:nvSpPr>
-          <p:cNvPr id="31" name="Rettangolo 30"/>
-          <p:cNvSpPr/>
-          <p:nvPr/>
-        </p:nvSpPr>
-        <p:spPr bwMode="auto">
-          <a:xfrm>
-            <a:off x="7557033" y="2898354"/>
-            <a:ext cx="3306531" cy="4320480"/>
-          </a:xfrm>
-          <a:prstGeom prst="rect">
-            <a:avLst/>
-          </a:prstGeom>
-          <a:solidFill>
-            <a:schemeClr val="bg1">
-              <a:lumMod val="85000"/>
-            </a:schemeClr>
-          </a:solidFill>
-          <a:ln w="25400" cap="flat" cmpd="sng" algn="ctr">
-            <a:noFill/>
-            <a:prstDash val="solid"/>
-            <a:round/>
-            <a:headEnd type="none" w="med" len="med"/>
-            <a:tailEnd type="none" w="med" len="med"/>
-          </a:ln>
-          <a:effectLst/>
-          <a:extLst>
-            <a:ext uri="{AF507438-7753-43e0-B8FC-AC1667EBCBE1}">
-              <a14:hiddenEffects xmlns:a14="http://schemas.microsoft.com/office/drawing/2010/main">
-                <a:effectLst>
-                  <a:outerShdw dist="35921" dir="2700000" algn="ctr" rotWithShape="0">
-                    <a:schemeClr val="bg2"/>
-                  </a:outerShdw>
-                </a:effectLst>
-              </a14:hiddenEffects>
-            </a:ext>
-          </a:extLst>
-        </p:spPr>
-        <p:txBody>
-          <a:bodyPr vert="horz" wrap="square" lIns="91440" tIns="45720" rIns="91440" bIns="45720" numCol="1" rtlCol="0" anchor="t" anchorCtr="0" compatLnSpc="1">
-            <a:prstTxWarp prst="textNoShape">
-              <a:avLst/>
-            </a:prstTxWarp>
-          </a:bodyPr>
-          <a:lstStyle/>
-          <a:p>
-            <a:pPr marL="0" marR="0" indent="0" algn="ctr" defTabSz="914400" rtl="0" eaLnBrk="1" fontAlgn="base" latinLnBrk="0" hangingPunct="1">
-              <a:lnSpc>
-                <a:spcPct val="100000"/>
-              </a:lnSpc>
-              <a:spcBef>
-                <a:spcPct val="0"/>
-              </a:spcBef>
-              <a:spcAft>
-                <a:spcPct val="0"/>
-              </a:spcAft>
-              <a:buClrTx/>
-              <a:buSzTx/>
-              <a:buFontTx/>
-              <a:buNone/>
-              <a:tabLst/>
-            </a:pPr>
-            <a:endParaRPr kumimoji="0" lang="it-IT" sz="4200" b="0" i="0" u="none" strike="noStrike" cap="none" normalizeH="0" baseline="0" smtClean="0">
-              <a:ln>
-                <a:noFill/>
-              </a:ln>
-              <a:solidFill>
-                <a:schemeClr val="tx1"/>
-              </a:solidFill>
-              <a:effectLst/>
-              <a:latin typeface="Gill Sans" charset="0"/>
-              <a:ea typeface="ヒラギノ角ゴ ProN W3" charset="0"/>
-              <a:cs typeface="ヒラギノ角ゴ ProN W3" charset="0"/>
-              <a:sym typeface="Gill Sans" charset="0"/>
-            </a:endParaRPr>
-          </a:p>
-        </p:txBody>
-      </p:sp>
-      <p:sp>
-        <p:nvSpPr>
-          <p:cNvPr id="32" name="Rettangolo 31"/>
-          <p:cNvSpPr/>
-          <p:nvPr/>
-        </p:nvSpPr>
-        <p:spPr bwMode="auto">
-          <a:xfrm>
-            <a:off x="11235647" y="2898354"/>
-            <a:ext cx="3306531" cy="4320480"/>
-          </a:xfrm>
-          <a:prstGeom prst="rect">
-            <a:avLst/>
-          </a:prstGeom>
-          <a:solidFill>
-            <a:schemeClr val="bg1">
-              <a:lumMod val="85000"/>
-            </a:schemeClr>
-          </a:solidFill>
-          <a:ln w="25400" cap="flat" cmpd="sng" algn="ctr">
-            <a:noFill/>
-            <a:prstDash val="solid"/>
-            <a:round/>
-            <a:headEnd type="none" w="med" len="med"/>
-            <a:tailEnd type="none" w="med" len="med"/>
-          </a:ln>
-          <a:effectLst/>
-          <a:extLst>
-            <a:ext uri="{AF507438-7753-43e0-B8FC-AC1667EBCBE1}">
-              <a14:hiddenEffects xmlns:a14="http://schemas.microsoft.com/office/drawing/2010/main">
-                <a:effectLst>
-                  <a:outerShdw dist="35921" dir="2700000" algn="ctr" rotWithShape="0">
-                    <a:schemeClr val="bg2"/>
-                  </a:outerShdw>
-                </a:effectLst>
-              </a14:hiddenEffects>
-            </a:ext>
-          </a:extLst>
-        </p:spPr>
-        <p:txBody>
-          <a:bodyPr vert="horz" wrap="square" lIns="91440" tIns="45720" rIns="91440" bIns="45720" numCol="1" rtlCol="0" anchor="t" anchorCtr="0" compatLnSpc="1">
-            <a:prstTxWarp prst="textNoShape">
-              <a:avLst/>
-            </a:prstTxWarp>
-          </a:bodyPr>
-          <a:lstStyle/>
-          <a:p>
-            <a:pPr marL="0" marR="0" indent="0" algn="ctr" defTabSz="914400" rtl="0" eaLnBrk="1" fontAlgn="base" latinLnBrk="0" hangingPunct="1">
-              <a:lnSpc>
-                <a:spcPct val="100000"/>
-              </a:lnSpc>
-              <a:spcBef>
-                <a:spcPct val="0"/>
-              </a:spcBef>
-              <a:spcAft>
-                <a:spcPct val="0"/>
-              </a:spcAft>
-              <a:buClrTx/>
-              <a:buSzTx/>
-              <a:buFontTx/>
-              <a:buNone/>
-              <a:tabLst/>
-            </a:pPr>
-            <a:endParaRPr kumimoji="0" lang="it-IT" sz="4200" b="0" i="0" u="none" strike="noStrike" cap="none" normalizeH="0" baseline="0" smtClean="0">
-              <a:ln>
-                <a:noFill/>
-              </a:ln>
-              <a:solidFill>
-                <a:schemeClr val="tx1"/>
-              </a:solidFill>
-              <a:effectLst/>
-              <a:latin typeface="Gill Sans" charset="0"/>
-              <a:ea typeface="ヒラギノ角ゴ ProN W3" charset="0"/>
-              <a:cs typeface="ヒラギノ角ゴ ProN W3" charset="0"/>
-              <a:sym typeface="Gill Sans" charset="0"/>
-            </a:endParaRPr>
-          </a:p>
-        </p:txBody>
-      </p:sp>
-      <p:sp>
-        <p:nvSpPr>
           <p:cNvPr id="9" name="Segnaposto numero diapositiva 3"/>
           <p:cNvSpPr>
             <a:spLocks noGrp="1"/>
@@ -45462,7 +45084,7 @@
               <a:pPr>
                 <a:defRPr/>
               </a:pPr>
-              <a:t>2</a:t>
+              <a:t>17</a:t>
             </a:fld>
             <a:endParaRPr lang="en-US" dirty="0"/>
           </a:p>
@@ -45589,7 +45211,7 @@
         <p:spPr bwMode="auto">
           <a:xfrm>
             <a:off x="-29619" y="0"/>
-            <a:ext cx="14430997" cy="973618"/>
+            <a:ext cx="14358989" cy="973618"/>
           </a:xfrm>
           <a:prstGeom prst="rect">
             <a:avLst/>
@@ -45624,7 +45246,7 @@
                   <a:schemeClr val="bg1"/>
                 </a:solidFill>
               </a:rPr>
-              <a:t>Temi trattati</a:t>
+              <a:t>Bibliografia</a:t>
             </a:r>
             <a:endParaRPr lang="it-IT" sz="5250" b="1" dirty="0">
               <a:solidFill>
@@ -45634,38 +45256,40 @@
           </a:p>
         </p:txBody>
       </p:sp>
-      <p:cxnSp>
-        <p:nvCxnSpPr>
-          <p:cNvPr id="15" name="Connettore 1 14"/>
-          <p:cNvCxnSpPr/>
+      <p:sp>
+        <p:nvSpPr>
+          <p:cNvPr id="3" name="Rectangle 1"/>
+          <p:cNvSpPr>
+            <a:spLocks noChangeArrowheads="1"/>
+          </p:cNvSpPr>
           <p:nvPr/>
-        </p:nvCxnSpPr>
+        </p:nvSpPr>
         <p:spPr bwMode="auto">
-          <a:xfrm flipH="1">
-            <a:off x="-71786" y="7434858"/>
-            <a:ext cx="18289588" cy="0"/>
+          <a:xfrm>
+            <a:off x="287810" y="1674218"/>
+            <a:ext cx="17785754" cy="9448741"/>
           </a:xfrm>
-          <a:prstGeom prst="line">
+          <a:prstGeom prst="rect">
             <a:avLst/>
           </a:prstGeom>
-          <a:blipFill dpi="0" rotWithShape="0">
-            <a:blip r:embed="rId3"/>
-            <a:srcRect/>
-            <a:tile tx="0" ty="0" sx="100000" sy="100000" flip="none" algn="tl"/>
-          </a:blipFill>
-          <a:ln w="25400" cap="flat" cmpd="sng" algn="ctr">
-            <a:solidFill>
-              <a:schemeClr val="bg1">
-                <a:lumMod val="95000"/>
-              </a:schemeClr>
-            </a:solidFill>
-            <a:prstDash val="solid"/>
-            <a:round/>
-            <a:headEnd type="none" w="med" len="med"/>
-            <a:tailEnd type="none" w="med" len="med"/>
+          <a:solidFill>
+            <a:srgbClr val="FFFFFF"/>
+          </a:solidFill>
+          <a:ln>
+            <a:noFill/>
           </a:ln>
           <a:effectLst/>
           <a:extLst>
+            <a:ext uri="{91240B29-F687-4f45-9708-019B960494DF}">
+              <a14:hiddenLine xmlns:a14="http://schemas.microsoft.com/office/drawing/2010/main" w="9525">
+                <a:solidFill>
+                  <a:schemeClr val="tx1"/>
+                </a:solidFill>
+                <a:miter lim="800000"/>
+                <a:headEnd/>
+                <a:tailEnd/>
+              </a14:hiddenLine>
+            </a:ext>
             <a:ext uri="{AF507438-7753-43e0-B8FC-AC1667EBCBE1}">
               <a14:hiddenEffects xmlns:a14="http://schemas.microsoft.com/office/drawing/2010/main">
                 <a:effectLst>
@@ -45677,803 +45301,392 @@
             </a:ext>
           </a:extLst>
         </p:spPr>
-      </p:cxnSp>
-      <p:sp>
-        <p:nvSpPr>
-          <p:cNvPr id="7" name="CasellaDiTesto 6"/>
-          <p:cNvSpPr txBox="1"/>
-          <p:nvPr/>
-        </p:nvSpPr>
-        <p:spPr>
-          <a:xfrm>
-            <a:off x="-36741" y="2754313"/>
-            <a:ext cx="3780985" cy="4707424"/>
-          </a:xfrm>
-          <a:prstGeom prst="rect">
-            <a:avLst/>
-          </a:prstGeom>
-          <a:noFill/>
-        </p:spPr>
-        <p:txBody>
-          <a:bodyPr wrap="square" rtlCol="0">
-            <a:normAutofit/>
+        <p:txBody>
+          <a:bodyPr vert="horz" wrap="square" lIns="91440" tIns="45720" rIns="91440" bIns="45720" numCol="1" anchor="ctr" anchorCtr="0" compatLnSpc="1">
+            <a:prstTxWarp prst="textNoShape">
+              <a:avLst/>
+            </a:prstTxWarp>
+            <a:spAutoFit/>
           </a:bodyPr>
-          <a:lstStyle/>
-          <a:p>
-            <a:r>
-              <a:rPr lang="en-US" sz="9600" dirty="0" smtClean="0">
-                <a:ln w="0"/>
+          <a:lstStyle>
+            <a:lvl1pPr algn="l" eaLnBrk="0" hangingPunct="0">
+              <a:defRPr>
                 <a:solidFill>
                   <a:schemeClr val="tx1"/>
                 </a:solidFill>
-                <a:effectLst>
-                  <a:outerShdw blurRad="38100" dist="19050" dir="2700000" algn="tl" rotWithShape="0">
-                    <a:schemeClr val="dk1">
-                      <a:alpha val="40000"/>
-                    </a:schemeClr>
-                  </a:outerShdw>
-                </a:effectLst>
-              </a:rPr>
-              <a:t>1</a:t>
-            </a:r>
-            <a:endParaRPr lang="en-US" sz="9600" b="1" dirty="0" smtClean="0">
-              <a:solidFill>
-                <a:schemeClr val="bg1">
-                  <a:lumMod val="85000"/>
-                </a:schemeClr>
-              </a:solidFill>
-            </a:endParaRPr>
-          </a:p>
-          <a:p>
-            <a:endParaRPr lang="en-US" sz="3600" dirty="0" smtClean="0"/>
-          </a:p>
-          <a:p>
-            <a:r>
-              <a:rPr lang="en-US" sz="3300" dirty="0" err="1" smtClean="0"/>
-              <a:t>Fondamenti</a:t>
-            </a:r>
-            <a:r>
-              <a:rPr lang="en-US" sz="3300" dirty="0" smtClean="0"/>
-              <a:t> </a:t>
-            </a:r>
-            <a:r>
-              <a:rPr lang="en-US" sz="3300" dirty="0" err="1"/>
-              <a:t>d’informatica</a:t>
-            </a:r>
-            <a:r>
-              <a:rPr lang="en-US" sz="3300" dirty="0"/>
-              <a:t> </a:t>
-            </a:r>
-            <a:endParaRPr lang="en-US" sz="3300" dirty="0" smtClean="0"/>
-          </a:p>
-          <a:p>
-            <a:endParaRPr lang="en-US" sz="3300" dirty="0"/>
-          </a:p>
-        </p:txBody>
-      </p:sp>
-      <p:sp>
-        <p:nvSpPr>
-          <p:cNvPr id="19" name="CasellaDiTesto 18"/>
-          <p:cNvSpPr txBox="1"/>
-          <p:nvPr/>
-        </p:nvSpPr>
-        <p:spPr>
-          <a:xfrm>
-            <a:off x="3736849" y="2754313"/>
-            <a:ext cx="3673476" cy="4707424"/>
-          </a:xfrm>
-          <a:prstGeom prst="rect">
-            <a:avLst/>
-          </a:prstGeom>
-          <a:noFill/>
-        </p:spPr>
-        <p:txBody>
-          <a:bodyPr wrap="square" rtlCol="0">
-            <a:normAutofit/>
-          </a:bodyPr>
-          <a:lstStyle/>
-          <a:p>
-            <a:r>
-              <a:rPr lang="en-US" sz="9600" dirty="0" smtClean="0">
-                <a:ln w="0"/>
+                <a:latin typeface="Arial" panose="020B0604020202020204" pitchFamily="34" charset="0"/>
+              </a:defRPr>
+            </a:lvl1pPr>
+            <a:lvl2pPr marL="457200" algn="l" eaLnBrk="0" hangingPunct="0">
+              <a:defRPr>
                 <a:solidFill>
                   <a:schemeClr val="tx1"/>
                 </a:solidFill>
-                <a:effectLst>
-                  <a:outerShdw blurRad="38100" dist="19050" dir="2700000" algn="tl" rotWithShape="0">
-                    <a:schemeClr val="dk1">
-                      <a:alpha val="40000"/>
-                    </a:schemeClr>
-                  </a:outerShdw>
-                </a:effectLst>
-              </a:rPr>
-              <a:t>2</a:t>
-            </a:r>
-            <a:endParaRPr lang="en-US" sz="9600" dirty="0">
-              <a:ln w="0"/>
-              <a:solidFill>
-                <a:schemeClr val="tx1"/>
-              </a:solidFill>
-              <a:effectLst>
-                <a:outerShdw blurRad="38100" dist="19050" dir="2700000" algn="tl" rotWithShape="0">
-                  <a:schemeClr val="dk1">
-                    <a:alpha val="40000"/>
-                  </a:schemeClr>
-                </a:outerShdw>
-              </a:effectLst>
-            </a:endParaRPr>
-          </a:p>
-          <a:p>
-            <a:pPr lvl="0"/>
-            <a:endParaRPr lang="en-US" sz="3300" dirty="0" smtClean="0"/>
-          </a:p>
-          <a:p>
-            <a:pPr lvl="0"/>
-            <a:r>
-              <a:rPr lang="en-US" sz="3300" dirty="0" err="1" smtClean="0"/>
-              <a:t>Fondamenti</a:t>
-            </a:r>
-            <a:r>
-              <a:rPr lang="en-US" sz="3300" dirty="0" smtClean="0"/>
-              <a:t> </a:t>
-            </a:r>
-            <a:r>
-              <a:rPr lang="en-US" sz="3300" dirty="0" err="1" smtClean="0"/>
-              <a:t>d’informatica</a:t>
-            </a:r>
-            <a:r>
-              <a:rPr lang="en-US" sz="3300" dirty="0" smtClean="0"/>
-              <a:t> </a:t>
-            </a:r>
-          </a:p>
-          <a:p>
-            <a:pPr lvl="0"/>
-            <a:endParaRPr lang="en-US" sz="2000" dirty="0" smtClean="0"/>
-          </a:p>
-          <a:p>
-            <a:endParaRPr lang="en-US" sz="9600" dirty="0" smtClean="0">
-              <a:ln w="0"/>
-              <a:solidFill>
-                <a:schemeClr val="tx1"/>
-              </a:solidFill>
-              <a:effectLst>
-                <a:outerShdw blurRad="38100" dist="19050" dir="2700000" algn="tl" rotWithShape="0">
-                  <a:schemeClr val="dk1">
-                    <a:alpha val="40000"/>
-                  </a:schemeClr>
-                </a:outerShdw>
-              </a:effectLst>
-            </a:endParaRPr>
-          </a:p>
-        </p:txBody>
-      </p:sp>
-      <p:sp>
-        <p:nvSpPr>
-          <p:cNvPr id="21" name="CasellaDiTesto 20"/>
-          <p:cNvSpPr txBox="1"/>
-          <p:nvPr/>
-        </p:nvSpPr>
-        <p:spPr>
-          <a:xfrm>
-            <a:off x="11075234" y="2787068"/>
-            <a:ext cx="3627358" cy="4662042"/>
-          </a:xfrm>
-          <a:prstGeom prst="rect">
-            <a:avLst/>
-          </a:prstGeom>
-          <a:noFill/>
-        </p:spPr>
-        <p:txBody>
-          <a:bodyPr wrap="square" rtlCol="0">
-            <a:normAutofit/>
-          </a:bodyPr>
-          <a:lstStyle/>
-          <a:p>
-            <a:r>
-              <a:rPr lang="en-US" sz="9600" dirty="0" smtClean="0">
+                <a:latin typeface="Arial" panose="020B0604020202020204" pitchFamily="34" charset="0"/>
+              </a:defRPr>
+            </a:lvl2pPr>
+            <a:lvl3pPr marL="914400" algn="l" eaLnBrk="0" hangingPunct="0">
+              <a:defRPr>
                 <a:solidFill>
                   <a:schemeClr val="tx1"/>
                 </a:solidFill>
-                <a:effectLst>
-                  <a:outerShdw blurRad="38100" dist="38100" dir="2700000" algn="tl">
-                    <a:srgbClr val="000000">
-                      <a:alpha val="43137"/>
-                    </a:srgbClr>
-                  </a:outerShdw>
-                </a:effectLst>
-              </a:rPr>
-              <a:t>4</a:t>
-            </a:r>
-          </a:p>
-          <a:p>
-            <a:pPr lvl="0"/>
-            <a:r>
-              <a:rPr lang="en-US" sz="3300" dirty="0" err="1"/>
-              <a:t>Cenni</a:t>
-            </a:r>
-            <a:r>
-              <a:rPr lang="en-US" sz="3300" dirty="0"/>
-              <a:t> </a:t>
-            </a:r>
-            <a:r>
-              <a:rPr lang="en-US" sz="3300" dirty="0" err="1"/>
-              <a:t>sulla</a:t>
-            </a:r>
-            <a:r>
-              <a:rPr lang="en-US" sz="3300" dirty="0"/>
-              <a:t> </a:t>
-            </a:r>
-            <a:r>
-              <a:rPr lang="en-US" sz="3300" dirty="0" err="1"/>
-              <a:t>struttura</a:t>
-            </a:r>
-            <a:r>
-              <a:rPr lang="en-US" sz="3300" dirty="0"/>
-              <a:t> </a:t>
-            </a:r>
-          </a:p>
-          <a:p>
-            <a:pPr lvl="0"/>
-            <a:r>
-              <a:rPr lang="en-US" sz="3300" dirty="0"/>
-              <a:t>di </a:t>
-            </a:r>
-            <a:r>
-              <a:rPr lang="en-US" sz="3300" dirty="0" smtClean="0"/>
-              <a:t>un</a:t>
-            </a:r>
-          </a:p>
-          <a:p>
-            <a:pPr lvl="0"/>
-            <a:r>
-              <a:rPr lang="en-US" sz="3300" dirty="0" smtClean="0"/>
-              <a:t>Data Base</a:t>
-            </a:r>
-            <a:endParaRPr lang="en-US" sz="3300" dirty="0"/>
-          </a:p>
-        </p:txBody>
-      </p:sp>
-      <p:sp>
-        <p:nvSpPr>
-          <p:cNvPr id="22" name="CasellaDiTesto 21"/>
-          <p:cNvSpPr txBox="1"/>
-          <p:nvPr/>
-        </p:nvSpPr>
-        <p:spPr>
-          <a:xfrm>
-            <a:off x="14689138" y="2779543"/>
-            <a:ext cx="3600451" cy="4640020"/>
-          </a:xfrm>
-          <a:prstGeom prst="rect">
-            <a:avLst/>
-          </a:prstGeom>
-          <a:solidFill>
-            <a:schemeClr val="bg1">
-              <a:lumMod val="85000"/>
-            </a:schemeClr>
-          </a:solidFill>
-        </p:spPr>
-        <p:txBody>
-          <a:bodyPr wrap="square" rtlCol="0">
-            <a:normAutofit/>
-          </a:bodyPr>
-          <a:lstStyle/>
-          <a:p>
-            <a:r>
-              <a:rPr lang="en-US" sz="9600" dirty="0">
-                <a:ln w="0"/>
+                <a:latin typeface="Arial" panose="020B0604020202020204" pitchFamily="34" charset="0"/>
+              </a:defRPr>
+            </a:lvl3pPr>
+            <a:lvl4pPr marL="1371600" algn="l" eaLnBrk="0" hangingPunct="0">
+              <a:defRPr>
                 <a:solidFill>
                   <a:schemeClr val="tx1"/>
                 </a:solidFill>
-                <a:effectLst>
-                  <a:outerShdw blurRad="38100" dist="19050" dir="2700000" algn="tl" rotWithShape="0">
-                    <a:schemeClr val="dk1">
-                      <a:alpha val="40000"/>
-                    </a:schemeClr>
-                  </a:outerShdw>
-                </a:effectLst>
-              </a:rPr>
-              <a:t>5</a:t>
-            </a:r>
-          </a:p>
-          <a:p>
-            <a:pPr lvl="0"/>
-            <a:r>
-              <a:rPr lang="en-US" sz="3300" dirty="0" err="1"/>
-              <a:t>Creazione</a:t>
-            </a:r>
-            <a:r>
-              <a:rPr lang="en-US" sz="3300" dirty="0"/>
-              <a:t> </a:t>
-            </a:r>
-          </a:p>
-          <a:p>
-            <a:pPr lvl="0"/>
-            <a:r>
-              <a:rPr lang="en-US" sz="3300" dirty="0"/>
-              <a:t>di un </a:t>
-            </a:r>
-            <a:r>
-              <a:rPr lang="en-US" sz="3300" dirty="0" err="1"/>
-              <a:t>esempio</a:t>
-            </a:r>
-            <a:r>
-              <a:rPr lang="en-US" sz="3300" dirty="0"/>
-              <a:t>  di </a:t>
-            </a:r>
-          </a:p>
-          <a:p>
-            <a:pPr lvl="0"/>
-            <a:r>
-              <a:rPr lang="en-US" sz="3300" dirty="0" err="1"/>
-              <a:t>applicazione</a:t>
-            </a:r>
-            <a:r>
-              <a:rPr lang="en-US" sz="3300" dirty="0"/>
-              <a:t> </a:t>
-            </a:r>
-            <a:r>
-              <a:rPr lang="en-US" sz="3300" dirty="0" smtClean="0"/>
-              <a:t>web</a:t>
-            </a:r>
-            <a:endParaRPr lang="en-US" sz="9600" b="1" dirty="0" smtClean="0">
-              <a:solidFill>
-                <a:schemeClr val="bg1">
-                  <a:lumMod val="85000"/>
-                </a:schemeClr>
-              </a:solidFill>
-            </a:endParaRPr>
-          </a:p>
-          <a:p>
-            <a:endParaRPr lang="en-US" sz="3600" dirty="0"/>
-          </a:p>
-        </p:txBody>
-      </p:sp>
-      <p:sp>
-        <p:nvSpPr>
-          <p:cNvPr id="26" name="CasellaDiTesto 25"/>
-          <p:cNvSpPr txBox="1"/>
-          <p:nvPr/>
-        </p:nvSpPr>
-        <p:spPr>
-          <a:xfrm>
-            <a:off x="5555" y="7434858"/>
-            <a:ext cx="3752812" cy="4392018"/>
-          </a:xfrm>
-          <a:prstGeom prst="rect">
-            <a:avLst/>
-          </a:prstGeom>
-          <a:noFill/>
-        </p:spPr>
-        <p:txBody>
-          <a:bodyPr wrap="square" rtlCol="0">
-            <a:normAutofit/>
-          </a:bodyPr>
-          <a:lstStyle/>
-          <a:p>
-            <a:r>
-              <a:rPr lang="en-US" sz="9600" b="1" dirty="0" smtClean="0">
-                <a:solidFill>
-                  <a:schemeClr val="bg1">
-                    <a:lumMod val="85000"/>
-                  </a:schemeClr>
-                </a:solidFill>
-              </a:rPr>
-              <a:t>6</a:t>
-            </a:r>
-          </a:p>
-          <a:p>
-            <a:pPr lvl="0"/>
-            <a:r>
-              <a:rPr lang="en-US" sz="3300" dirty="0" err="1"/>
-              <a:t>Creazione</a:t>
-            </a:r>
-            <a:r>
-              <a:rPr lang="en-US" sz="3300" dirty="0"/>
-              <a:t> </a:t>
-            </a:r>
-          </a:p>
-          <a:p>
-            <a:pPr lvl="0"/>
-            <a:r>
-              <a:rPr lang="en-US" sz="3300" dirty="0"/>
-              <a:t>di un </a:t>
-            </a:r>
-            <a:r>
-              <a:rPr lang="en-US" sz="3300" dirty="0" err="1"/>
-              <a:t>esempio</a:t>
-            </a:r>
-            <a:r>
-              <a:rPr lang="en-US" sz="3300" dirty="0"/>
-              <a:t>  di </a:t>
-            </a:r>
-          </a:p>
-          <a:p>
-            <a:pPr lvl="0"/>
-            <a:r>
-              <a:rPr lang="en-US" sz="3300" dirty="0" err="1"/>
-              <a:t>applicazione</a:t>
-            </a:r>
-            <a:r>
-              <a:rPr lang="en-US" sz="3300" dirty="0"/>
-              <a:t> web</a:t>
-            </a:r>
-          </a:p>
-          <a:p>
-            <a:endParaRPr lang="en-US" sz="3300" b="1" dirty="0" smtClean="0">
-              <a:solidFill>
-                <a:schemeClr val="bg1">
-                  <a:lumMod val="85000"/>
-                </a:schemeClr>
-              </a:solidFill>
-            </a:endParaRPr>
-          </a:p>
-        </p:txBody>
-      </p:sp>
-      <p:sp>
-        <p:nvSpPr>
-          <p:cNvPr id="28" name="CasellaDiTesto 27"/>
-          <p:cNvSpPr txBox="1"/>
-          <p:nvPr/>
-        </p:nvSpPr>
-        <p:spPr>
-          <a:xfrm>
-            <a:off x="7345364" y="7467506"/>
-            <a:ext cx="3743324" cy="4359370"/>
-          </a:xfrm>
-          <a:prstGeom prst="rect">
-            <a:avLst/>
-          </a:prstGeom>
-          <a:noFill/>
-        </p:spPr>
-        <p:txBody>
-          <a:bodyPr wrap="square" rtlCol="0">
-            <a:normAutofit/>
-          </a:bodyPr>
-          <a:lstStyle/>
-          <a:p>
-            <a:r>
-              <a:rPr lang="en-US" sz="9600" b="1" dirty="0" smtClean="0">
-                <a:solidFill>
-                  <a:schemeClr val="bg1">
-                    <a:lumMod val="85000"/>
-                  </a:schemeClr>
-                </a:solidFill>
-              </a:rPr>
-              <a:t>8</a:t>
-            </a:r>
-          </a:p>
-          <a:p>
-            <a:pPr lvl="0"/>
-            <a:r>
-              <a:rPr lang="en-US" sz="3300" dirty="0" err="1"/>
-              <a:t>Cos'è</a:t>
-            </a:r>
-            <a:r>
-              <a:rPr lang="en-US" sz="3300" dirty="0"/>
-              <a:t> </a:t>
-            </a:r>
-            <a:r>
-              <a:rPr lang="en-US" sz="3300" dirty="0" err="1"/>
-              <a:t>l'informazione</a:t>
-            </a:r>
-            <a:r>
-              <a:rPr lang="en-US" sz="3300" dirty="0"/>
-              <a:t> </a:t>
-            </a:r>
-          </a:p>
-          <a:p>
-            <a:pPr lvl="0"/>
-            <a:r>
-              <a:rPr lang="en-US" sz="3300" dirty="0"/>
-              <a:t>e </a:t>
-            </a:r>
-            <a:r>
-              <a:rPr lang="en-US" sz="3300" dirty="0" err="1"/>
-              <a:t>perché</a:t>
-            </a:r>
-            <a:r>
-              <a:rPr lang="en-US" sz="3300" dirty="0"/>
-              <a:t> è </a:t>
-            </a:r>
-            <a:r>
-              <a:rPr lang="en-US" sz="3300" dirty="0" err="1"/>
-              <a:t>importante</a:t>
-            </a:r>
-            <a:endParaRPr lang="en-US" sz="3300" dirty="0"/>
-          </a:p>
-          <a:p>
-            <a:endParaRPr lang="en-US" sz="9600" b="1" dirty="0" smtClean="0">
-              <a:solidFill>
-                <a:schemeClr val="bg1">
-                  <a:lumMod val="85000"/>
-                </a:schemeClr>
-              </a:solidFill>
-            </a:endParaRPr>
-          </a:p>
-          <a:p>
-            <a:endParaRPr lang="en-US" sz="9600" b="1" dirty="0" smtClean="0">
-              <a:solidFill>
-                <a:schemeClr val="bg1">
-                  <a:lumMod val="85000"/>
-                </a:schemeClr>
-              </a:solidFill>
-            </a:endParaRPr>
-          </a:p>
-          <a:p>
-            <a:endParaRPr lang="en-US" sz="9600" b="1" dirty="0" smtClean="0">
-              <a:solidFill>
-                <a:schemeClr val="bg1">
-                  <a:lumMod val="85000"/>
-                </a:schemeClr>
-              </a:solidFill>
-            </a:endParaRPr>
-          </a:p>
-        </p:txBody>
-      </p:sp>
-      <p:sp>
-        <p:nvSpPr>
-          <p:cNvPr id="29" name="CasellaDiTesto 28"/>
-          <p:cNvSpPr txBox="1"/>
-          <p:nvPr/>
-        </p:nvSpPr>
-        <p:spPr>
-          <a:xfrm>
-            <a:off x="11130720" y="7419563"/>
-            <a:ext cx="3558418" cy="4407312"/>
-          </a:xfrm>
-          <a:prstGeom prst="rect">
-            <a:avLst/>
-          </a:prstGeom>
-          <a:noFill/>
-        </p:spPr>
-        <p:txBody>
-          <a:bodyPr wrap="square" rtlCol="0">
-            <a:normAutofit/>
-          </a:bodyPr>
-          <a:lstStyle/>
-          <a:p>
-            <a:r>
-              <a:rPr lang="en-US" sz="9600" b="1" dirty="0" smtClean="0">
-                <a:solidFill>
-                  <a:schemeClr val="bg1">
-                    <a:lumMod val="85000"/>
-                  </a:schemeClr>
-                </a:solidFill>
-              </a:rPr>
-              <a:t>9</a:t>
-            </a:r>
-          </a:p>
-          <a:p>
-            <a:r>
-              <a:rPr lang="en-US" sz="3300" dirty="0" err="1" smtClean="0"/>
-              <a:t>Sistemi</a:t>
-            </a:r>
-            <a:r>
-              <a:rPr lang="en-US" sz="3300" dirty="0" smtClean="0"/>
-              <a:t> </a:t>
-            </a:r>
-          </a:p>
-          <a:p>
-            <a:r>
-              <a:rPr lang="en-US" sz="3300" dirty="0" err="1" smtClean="0"/>
-              <a:t>complessi</a:t>
-            </a:r>
-            <a:endParaRPr lang="en-US" sz="3300" dirty="0"/>
-          </a:p>
-        </p:txBody>
-      </p:sp>
-      <p:sp>
-        <p:nvSpPr>
-          <p:cNvPr id="23" name="CasellaDiTesto 22"/>
-          <p:cNvSpPr txBox="1"/>
-          <p:nvPr/>
-        </p:nvSpPr>
-        <p:spPr>
-          <a:xfrm>
-            <a:off x="14689138" y="7467506"/>
-            <a:ext cx="3600451" cy="4359370"/>
-          </a:xfrm>
-          <a:prstGeom prst="rect">
-            <a:avLst/>
-          </a:prstGeom>
-          <a:noFill/>
-        </p:spPr>
-        <p:txBody>
-          <a:bodyPr wrap="square" rtlCol="0">
-            <a:normAutofit/>
-          </a:bodyPr>
-          <a:lstStyle/>
-          <a:p>
-            <a:r>
-              <a:rPr lang="en-US" sz="9600" b="1" dirty="0" smtClean="0">
-                <a:solidFill>
-                  <a:schemeClr val="bg1">
-                    <a:lumMod val="85000"/>
-                  </a:schemeClr>
-                </a:solidFill>
-              </a:rPr>
-              <a:t>10</a:t>
-            </a:r>
-          </a:p>
-          <a:p>
-            <a:pPr lvl="0"/>
-            <a:r>
-              <a:rPr lang="en-US" sz="3300" dirty="0" smtClean="0"/>
-              <a:t>Internet </a:t>
-            </a:r>
-            <a:endParaRPr lang="en-US" sz="3300" dirty="0"/>
-          </a:p>
-          <a:p>
-            <a:pPr lvl="0"/>
-            <a:r>
-              <a:rPr lang="en-US" sz="3300" dirty="0" smtClean="0"/>
-              <a:t>Culture &amp; Social Network </a:t>
-            </a:r>
-            <a:endParaRPr lang="en-US" sz="3300" dirty="0"/>
-          </a:p>
-        </p:txBody>
-      </p:sp>
-      <p:sp>
-        <p:nvSpPr>
-          <p:cNvPr id="24" name="CasellaDiTesto 23"/>
-          <p:cNvSpPr txBox="1"/>
-          <p:nvPr/>
-        </p:nvSpPr>
-        <p:spPr>
-          <a:xfrm>
-            <a:off x="3778126" y="7467506"/>
-            <a:ext cx="3580023" cy="4359370"/>
-          </a:xfrm>
-          <a:prstGeom prst="rect">
-            <a:avLst/>
-          </a:prstGeom>
-          <a:noFill/>
-        </p:spPr>
-        <p:txBody>
-          <a:bodyPr wrap="square" rtlCol="0">
-            <a:normAutofit/>
-          </a:bodyPr>
-          <a:lstStyle/>
-          <a:p>
-            <a:r>
-              <a:rPr lang="en-US" sz="9600" b="1" dirty="0" smtClean="0">
-                <a:solidFill>
-                  <a:schemeClr val="bg1">
-                    <a:lumMod val="85000"/>
-                  </a:schemeClr>
-                </a:solidFill>
-              </a:rPr>
-              <a:t>7</a:t>
-            </a:r>
-          </a:p>
-          <a:p>
-            <a:pPr lvl="0"/>
-            <a:r>
-              <a:rPr lang="en-US" sz="3300" dirty="0" err="1"/>
-              <a:t>Creazione</a:t>
-            </a:r>
-            <a:r>
-              <a:rPr lang="en-US" sz="3300" dirty="0"/>
-              <a:t> </a:t>
-            </a:r>
-          </a:p>
-          <a:p>
-            <a:pPr lvl="0"/>
-            <a:r>
-              <a:rPr lang="en-US" sz="3300" dirty="0"/>
-              <a:t>di un </a:t>
-            </a:r>
-            <a:r>
-              <a:rPr lang="en-US" sz="3300" dirty="0" err="1"/>
-              <a:t>esempio</a:t>
-            </a:r>
-            <a:r>
-              <a:rPr lang="en-US" sz="3300" dirty="0"/>
-              <a:t>  di </a:t>
-            </a:r>
-          </a:p>
-          <a:p>
-            <a:pPr lvl="0"/>
-            <a:r>
-              <a:rPr lang="en-US" sz="3300" dirty="0" err="1"/>
-              <a:t>applicazione</a:t>
-            </a:r>
-            <a:r>
-              <a:rPr lang="en-US" sz="3300" dirty="0"/>
-              <a:t> web</a:t>
-            </a:r>
-          </a:p>
-          <a:p>
-            <a:endParaRPr lang="en-US" sz="9600" b="1" dirty="0" smtClean="0">
-              <a:solidFill>
-                <a:schemeClr val="bg1">
-                  <a:lumMod val="85000"/>
-                </a:schemeClr>
-              </a:solidFill>
-            </a:endParaRPr>
-          </a:p>
-        </p:txBody>
-      </p:sp>
-      <p:sp>
-        <p:nvSpPr>
-          <p:cNvPr id="25" name="CasellaDiTesto 24"/>
-          <p:cNvSpPr txBox="1"/>
-          <p:nvPr/>
-        </p:nvSpPr>
-        <p:spPr>
-          <a:xfrm>
-            <a:off x="7345364" y="2754312"/>
-            <a:ext cx="3729870" cy="4679503"/>
-          </a:xfrm>
-          <a:prstGeom prst="rect">
-            <a:avLst/>
-          </a:prstGeom>
-          <a:noFill/>
-        </p:spPr>
-        <p:txBody>
-          <a:bodyPr wrap="square" rtlCol="0">
-            <a:normAutofit/>
-          </a:bodyPr>
-          <a:lstStyle/>
-          <a:p>
-            <a:r>
-              <a:rPr lang="en-US" sz="9600" dirty="0">
-                <a:ln w="0"/>
+                <a:latin typeface="Arial" panose="020B0604020202020204" pitchFamily="34" charset="0"/>
+              </a:defRPr>
+            </a:lvl4pPr>
+            <a:lvl5pPr marL="1828800" algn="l" eaLnBrk="0" hangingPunct="0">
+              <a:defRPr>
                 <a:solidFill>
                   <a:schemeClr val="tx1"/>
                 </a:solidFill>
-                <a:effectLst>
-                  <a:outerShdw blurRad="38100" dist="19050" dir="2700000" algn="tl" rotWithShape="0">
-                    <a:schemeClr val="dk1">
-                      <a:alpha val="40000"/>
-                    </a:schemeClr>
-                  </a:outerShdw>
-                </a:effectLst>
+                <a:latin typeface="Arial" panose="020B0604020202020204" pitchFamily="34" charset="0"/>
+              </a:defRPr>
+            </a:lvl5pPr>
+            <a:lvl6pPr marL="2286000" eaLnBrk="0" fontAlgn="base" hangingPunct="0">
+              <a:spcBef>
+                <a:spcPct val="0"/>
+              </a:spcBef>
+              <a:spcAft>
+                <a:spcPct val="0"/>
+              </a:spcAft>
+              <a:defRPr>
+                <a:solidFill>
+                  <a:schemeClr val="tx1"/>
+                </a:solidFill>
+                <a:latin typeface="Arial" panose="020B0604020202020204" pitchFamily="34" charset="0"/>
+              </a:defRPr>
+            </a:lvl6pPr>
+            <a:lvl7pPr marL="2743200" eaLnBrk="0" fontAlgn="base" hangingPunct="0">
+              <a:spcBef>
+                <a:spcPct val="0"/>
+              </a:spcBef>
+              <a:spcAft>
+                <a:spcPct val="0"/>
+              </a:spcAft>
+              <a:defRPr>
+                <a:solidFill>
+                  <a:schemeClr val="tx1"/>
+                </a:solidFill>
+                <a:latin typeface="Arial" panose="020B0604020202020204" pitchFamily="34" charset="0"/>
+              </a:defRPr>
+            </a:lvl7pPr>
+            <a:lvl8pPr marL="3200400" eaLnBrk="0" fontAlgn="base" hangingPunct="0">
+              <a:spcBef>
+                <a:spcPct val="0"/>
+              </a:spcBef>
+              <a:spcAft>
+                <a:spcPct val="0"/>
+              </a:spcAft>
+              <a:defRPr>
+                <a:solidFill>
+                  <a:schemeClr val="tx1"/>
+                </a:solidFill>
+                <a:latin typeface="Arial" panose="020B0604020202020204" pitchFamily="34" charset="0"/>
+              </a:defRPr>
+            </a:lvl8pPr>
+            <a:lvl9pPr marL="3657600" eaLnBrk="0" fontAlgn="base" hangingPunct="0">
+              <a:spcBef>
+                <a:spcPct val="0"/>
+              </a:spcBef>
+              <a:spcAft>
+                <a:spcPct val="0"/>
+              </a:spcAft>
+              <a:defRPr>
+                <a:solidFill>
+                  <a:schemeClr val="tx1"/>
+                </a:solidFill>
+                <a:latin typeface="Arial" panose="020B0604020202020204" pitchFamily="34" charset="0"/>
+              </a:defRPr>
+            </a:lvl9pPr>
+          </a:lstStyle>
+          <a:p>
+            <a:pPr lvl="0"/>
+            <a:r>
+              <a:rPr lang="it-IT" altLang="it-IT" sz="3200" b="1" dirty="0" smtClean="0">
+                <a:latin typeface="Myriad Pro It"/>
               </a:rPr>
-              <a:t>3</a:t>
-            </a:r>
+              <a:t>Documentazione ufficiale </a:t>
+            </a:r>
+            <a:endParaRPr lang="it-IT" altLang="it-IT" sz="3200" dirty="0" smtClean="0">
+              <a:latin typeface="Myriad Pro It"/>
+              <a:hlinkClick r:id="rId3"/>
+            </a:endParaRPr>
           </a:p>
           <a:p>
             <a:pPr lvl="0"/>
-            <a:endParaRPr lang="en-US" sz="3600" dirty="0" smtClean="0"/>
+            <a:r>
+              <a:rPr lang="it-IT" altLang="it-IT" sz="3200" dirty="0" smtClean="0">
+                <a:latin typeface="Myriad Pro It"/>
+                <a:hlinkClick r:id="rId3"/>
+              </a:rPr>
+              <a:t>http</a:t>
+            </a:r>
+            <a:r>
+              <a:rPr lang="it-IT" altLang="it-IT" sz="3200" dirty="0">
+                <a:latin typeface="Myriad Pro It"/>
+                <a:hlinkClick r:id="rId3"/>
+              </a:rPr>
+              <a:t>://php.net/manual/it/language.basic-</a:t>
+            </a:r>
+            <a:r>
+              <a:rPr lang="it-IT" altLang="it-IT" sz="3200" dirty="0" smtClean="0">
+                <a:latin typeface="Myriad Pro It"/>
+                <a:hlinkClick r:id="rId3"/>
+              </a:rPr>
+              <a:t>syntax.php</a:t>
+            </a:r>
           </a:p>
           <a:p>
             <a:pPr lvl="0"/>
             <a:r>
-              <a:rPr lang="en-US" sz="3300" dirty="0" err="1" smtClean="0"/>
-              <a:t>Fondamenti</a:t>
-            </a:r>
-            <a:r>
-              <a:rPr lang="en-US" sz="3300" dirty="0" smtClean="0"/>
-              <a:t> </a:t>
-            </a:r>
-            <a:r>
-              <a:rPr lang="en-US" sz="3300" dirty="0" err="1" smtClean="0"/>
-              <a:t>d’informatica</a:t>
-            </a:r>
-            <a:r>
-              <a:rPr lang="en-US" sz="3300" dirty="0" smtClean="0"/>
-              <a:t> </a:t>
+              <a:rPr lang="it-IT" altLang="it-IT" sz="3200" dirty="0">
+                <a:latin typeface="Myriad Pro It"/>
+                <a:hlinkClick r:id="rId3"/>
+              </a:rPr>
+              <a:t>http://php.net/manual/it/</a:t>
+            </a:r>
+            <a:r>
+              <a:rPr lang="it-IT" altLang="it-IT" sz="3200" dirty="0" smtClean="0">
+                <a:latin typeface="Myriad Pro It"/>
+                <a:hlinkClick r:id="rId3"/>
+              </a:rPr>
+              <a:t>language.types.php</a:t>
             </a:r>
           </a:p>
           <a:p>
             <a:pPr lvl="0"/>
-            <a:endParaRPr lang="en-US" sz="2000" dirty="0" smtClean="0"/>
-          </a:p>
-          <a:p>
-            <a:endParaRPr lang="en-US" sz="9600" dirty="0" smtClean="0">
-              <a:ln w="0"/>
-              <a:solidFill>
-                <a:schemeClr val="tx1"/>
-              </a:solidFill>
-              <a:effectLst>
-                <a:outerShdw blurRad="38100" dist="19050" dir="2700000" algn="tl" rotWithShape="0">
-                  <a:schemeClr val="dk1">
-                    <a:alpha val="40000"/>
-                  </a:schemeClr>
-                </a:outerShdw>
-              </a:effectLst>
+            <a:r>
+              <a:rPr lang="it-IT" altLang="it-IT" sz="3200" dirty="0">
+                <a:latin typeface="Myriad Pro It"/>
+                <a:hlinkClick r:id="rId3"/>
+              </a:rPr>
+              <a:t>http://php.net/manual/it/</a:t>
+            </a:r>
+            <a:r>
+              <a:rPr lang="it-IT" altLang="it-IT" sz="3200" dirty="0" smtClean="0">
+                <a:latin typeface="Myriad Pro It"/>
+                <a:hlinkClick r:id="rId3"/>
+              </a:rPr>
+              <a:t>language.variables.php</a:t>
+            </a:r>
+          </a:p>
+          <a:p>
+            <a:pPr lvl="0"/>
+            <a:r>
+              <a:rPr lang="it-IT" altLang="it-IT" sz="3200" dirty="0">
+                <a:latin typeface="Myriad Pro It"/>
+                <a:hlinkClick r:id="rId3"/>
+              </a:rPr>
+              <a:t>http://php.net/manual/it/</a:t>
+            </a:r>
+            <a:r>
+              <a:rPr lang="it-IT" altLang="it-IT" sz="3200" dirty="0" smtClean="0">
+                <a:latin typeface="Myriad Pro It"/>
+                <a:hlinkClick r:id="rId3"/>
+              </a:rPr>
+              <a:t>language.operators.php</a:t>
+            </a:r>
+          </a:p>
+          <a:p>
+            <a:pPr lvl="0"/>
+            <a:r>
+              <a:rPr lang="it-IT" altLang="it-IT" sz="3200" dirty="0">
+                <a:latin typeface="Myriad Pro It"/>
+                <a:hlinkClick r:id="rId3"/>
+              </a:rPr>
+              <a:t>http://php.net/manual/it/language.control-</a:t>
+            </a:r>
+            <a:r>
+              <a:rPr lang="it-IT" altLang="it-IT" sz="3200" dirty="0" smtClean="0">
+                <a:latin typeface="Myriad Pro It"/>
+                <a:hlinkClick r:id="rId3"/>
+              </a:rPr>
+              <a:t>structures.php</a:t>
+            </a:r>
+          </a:p>
+          <a:p>
+            <a:pPr lvl="0"/>
+            <a:r>
+              <a:rPr lang="it-IT" altLang="it-IT" sz="3200" dirty="0">
+                <a:latin typeface="Myriad Pro It"/>
+                <a:hlinkClick r:id="rId3"/>
+              </a:rPr>
+              <a:t>http://php.net/manual/it/language.functions.php</a:t>
+            </a:r>
+            <a:endParaRPr lang="it-IT" altLang="it-IT" sz="3200" dirty="0" smtClean="0">
+              <a:latin typeface="Myriad Pro It"/>
+              <a:hlinkClick r:id="rId3"/>
+            </a:endParaRPr>
+          </a:p>
+          <a:p>
+            <a:pPr lvl="0"/>
+            <a:endParaRPr lang="it-IT" altLang="it-IT" sz="3200" b="1" dirty="0">
+              <a:latin typeface="Myriad Pro It"/>
+              <a:hlinkClick r:id="rId3"/>
+            </a:endParaRPr>
+          </a:p>
+          <a:p>
+            <a:pPr lvl="0"/>
+            <a:r>
+              <a:rPr lang="it-IT" altLang="it-IT" sz="3200" b="1" dirty="0" smtClean="0">
+                <a:latin typeface="Myriad Pro It"/>
+              </a:rPr>
+              <a:t>WAMP</a:t>
+            </a:r>
+          </a:p>
+          <a:p>
+            <a:pPr lvl="0"/>
+            <a:r>
+              <a:rPr lang="it-IT" altLang="it-IT" sz="3200" dirty="0">
+                <a:latin typeface="Myriad Pro It"/>
+              </a:rPr>
+              <a:t>Pacchetto per Windows che include il server web Apache, PHP e il database </a:t>
+            </a:r>
+            <a:r>
+              <a:rPr lang="it-IT" altLang="it-IT" sz="3200" dirty="0" err="1">
+                <a:latin typeface="Myriad Pro It"/>
+              </a:rPr>
+              <a:t>MySQL</a:t>
+            </a:r>
+            <a:endParaRPr lang="it-IT" altLang="it-IT" sz="3200" dirty="0">
+              <a:latin typeface="Myriad Pro It"/>
+            </a:endParaRPr>
+          </a:p>
+          <a:p>
+            <a:pPr lvl="0"/>
+            <a:r>
+              <a:rPr lang="it-IT" altLang="it-IT" sz="3200" dirty="0">
+                <a:latin typeface="Myriad Pro It"/>
+                <a:hlinkClick r:id="rId4"/>
+              </a:rPr>
+              <a:t>http://www.wampserver.com/en</a:t>
+            </a:r>
+            <a:r>
+              <a:rPr lang="it-IT" altLang="it-IT" sz="3200" dirty="0" smtClean="0">
+                <a:latin typeface="Myriad Pro It"/>
+                <a:hlinkClick r:id="rId4"/>
+              </a:rPr>
+              <a:t>/</a:t>
+            </a:r>
+            <a:endParaRPr lang="it-IT" altLang="it-IT" sz="3200" dirty="0" smtClean="0">
+              <a:latin typeface="Myriad Pro It"/>
+            </a:endParaRPr>
+          </a:p>
+          <a:p>
+            <a:pPr lvl="0"/>
+            <a:endParaRPr lang="it-IT" altLang="it-IT" sz="3200" dirty="0">
+              <a:latin typeface="Myriad Pro It"/>
+            </a:endParaRPr>
+          </a:p>
+          <a:p>
+            <a:pPr lvl="0"/>
+            <a:r>
+              <a:rPr lang="it-IT" altLang="it-IT" sz="3200" b="1" dirty="0" smtClean="0">
+                <a:latin typeface="Myriad Pro It"/>
+              </a:rPr>
+              <a:t>MAMP</a:t>
+            </a:r>
+            <a:endParaRPr lang="it-IT" altLang="it-IT" sz="3200" b="1" dirty="0">
+              <a:latin typeface="Myriad Pro It"/>
+            </a:endParaRPr>
+          </a:p>
+          <a:p>
+            <a:pPr lvl="0"/>
+            <a:r>
+              <a:rPr lang="it-IT" altLang="it-IT" sz="3200" dirty="0">
+                <a:latin typeface="Myriad Pro It"/>
+              </a:rPr>
+              <a:t>Pacchetto per </a:t>
+            </a:r>
+            <a:r>
+              <a:rPr lang="it-IT" altLang="it-IT" sz="3200" dirty="0">
+                <a:latin typeface="Myriad Pro It"/>
+              </a:rPr>
+              <a:t>Mac OS X che </a:t>
+            </a:r>
+            <a:r>
+              <a:rPr lang="it-IT" altLang="it-IT" sz="3200" dirty="0">
+                <a:latin typeface="Myriad Pro It"/>
+              </a:rPr>
+              <a:t>include il server web Apache, PHP e il database </a:t>
+            </a:r>
+            <a:r>
+              <a:rPr lang="it-IT" altLang="it-IT" sz="3200" dirty="0" err="1">
+                <a:latin typeface="Myriad Pro It"/>
+              </a:rPr>
+              <a:t>MySQL</a:t>
+            </a:r>
+            <a:endParaRPr lang="it-IT" altLang="it-IT" sz="3200" dirty="0">
+              <a:latin typeface="Myriad Pro It"/>
+            </a:endParaRPr>
+          </a:p>
+          <a:p>
+            <a:pPr lvl="0"/>
+            <a:r>
+              <a:rPr lang="it-IT" altLang="it-IT" sz="3200" dirty="0">
+                <a:latin typeface="Myriad Pro It"/>
+                <a:hlinkClick r:id="rId5"/>
+              </a:rPr>
+              <a:t>http://www.mamp.info/en</a:t>
+            </a:r>
+            <a:r>
+              <a:rPr lang="it-IT" altLang="it-IT" sz="3200" dirty="0" smtClean="0">
+                <a:latin typeface="Myriad Pro It"/>
+                <a:hlinkClick r:id="rId5"/>
+              </a:rPr>
+              <a:t>/</a:t>
+            </a:r>
+            <a:endParaRPr lang="it-IT" altLang="it-IT" sz="3200" dirty="0" smtClean="0">
+              <a:latin typeface="Myriad Pro It"/>
+            </a:endParaRPr>
+          </a:p>
+          <a:p>
+            <a:pPr lvl="0"/>
+            <a:endParaRPr lang="it-IT" altLang="it-IT" sz="3200" b="1" dirty="0">
+              <a:latin typeface="Myriad Pro It"/>
+            </a:endParaRPr>
+          </a:p>
+          <a:p>
+            <a:r>
+              <a:rPr lang="it-IT" altLang="it-IT" sz="3200" b="1" dirty="0" smtClean="0">
+                <a:latin typeface="Myriad Pro It"/>
+              </a:rPr>
+              <a:t>Corsi</a:t>
+            </a:r>
+            <a:endParaRPr lang="it-IT" altLang="it-IT" sz="3200" b="1" dirty="0" smtClean="0">
+              <a:latin typeface="Myriad Pro It"/>
+              <a:hlinkClick r:id="rId3"/>
+            </a:endParaRPr>
+          </a:p>
+          <a:p>
+            <a:r>
+              <a:rPr lang="it-IT" altLang="it-IT" sz="3200" dirty="0">
+                <a:latin typeface="Myriad Pro It"/>
+                <a:hlinkClick r:id="rId6"/>
+              </a:rPr>
+              <a:t>http://www.codecademy.com/en/tracks/</a:t>
+            </a:r>
+            <a:r>
+              <a:rPr lang="it-IT" altLang="it-IT" sz="3200" dirty="0" smtClean="0">
+                <a:latin typeface="Myriad Pro It"/>
+                <a:hlinkClick r:id="rId6"/>
+              </a:rPr>
+              <a:t>php</a:t>
+            </a:r>
+            <a:endParaRPr lang="it-IT" altLang="it-IT" sz="3200" dirty="0" smtClean="0">
+              <a:latin typeface="Myriad Pro It"/>
+            </a:endParaRPr>
+          </a:p>
+          <a:p>
+            <a:endParaRPr lang="it-IT" altLang="it-IT" sz="3200" dirty="0" smtClean="0">
+              <a:latin typeface="Myriad Pro It"/>
             </a:endParaRPr>
           </a:p>
         </p:txBody>
@@ -46481,7 +45694,7 @@
     </p:spTree>
     <p:extLst>
       <p:ext uri="{BB962C8B-B14F-4D97-AF65-F5344CB8AC3E}">
-        <p14:creationId xmlns:p14="http://schemas.microsoft.com/office/powerpoint/2010/main" val="3348513701"/>
+        <p14:creationId xmlns:p14="http://schemas.microsoft.com/office/powerpoint/2010/main" val="2030256944"/>
       </p:ext>
     </p:extLst>
   </p:cSld>
@@ -46506,7 +45719,7 @@
 </p:sld>
 </file>
 
-<file path=ppt/slides/slide3.xml><?xml version="1.0" encoding="utf-8"?>
+<file path=ppt/slides/slide2.xml><?xml version="1.0" encoding="utf-8"?>
 <p:sld xmlns:a="http://schemas.openxmlformats.org/drawingml/2006/main" xmlns:r="http://schemas.openxmlformats.org/officeDocument/2006/relationships" xmlns:p="http://schemas.openxmlformats.org/presentationml/2006/main">
   <p:cSld>
     <p:spTree>
@@ -46525,6 +45738,322 @@
       </p:grpSpPr>
       <p:sp>
         <p:nvSpPr>
+          <p:cNvPr id="5" name="Rettangolo 4"/>
+          <p:cNvSpPr/>
+          <p:nvPr/>
+        </p:nvSpPr>
+        <p:spPr bwMode="auto">
+          <a:xfrm>
+            <a:off x="221639" y="2898354"/>
+            <a:ext cx="3306531" cy="4320480"/>
+          </a:xfrm>
+          <a:prstGeom prst="rect">
+            <a:avLst/>
+          </a:prstGeom>
+          <a:solidFill>
+            <a:schemeClr val="bg1">
+              <a:lumMod val="85000"/>
+            </a:schemeClr>
+          </a:solidFill>
+          <a:ln w="25400" cap="flat" cmpd="sng" algn="ctr">
+            <a:noFill/>
+            <a:prstDash val="solid"/>
+            <a:round/>
+            <a:headEnd type="none" w="med" len="med"/>
+            <a:tailEnd type="none" w="med" len="med"/>
+          </a:ln>
+          <a:effectLst/>
+          <a:extLst>
+            <a:ext uri="{AF507438-7753-43e0-B8FC-AC1667EBCBE1}">
+              <a14:hiddenEffects xmlns:a14="http://schemas.microsoft.com/office/drawing/2010/main">
+                <a:effectLst>
+                  <a:outerShdw dist="35921" dir="2700000" algn="ctr" rotWithShape="0">
+                    <a:schemeClr val="bg2"/>
+                  </a:outerShdw>
+                </a:effectLst>
+              </a14:hiddenEffects>
+            </a:ext>
+          </a:extLst>
+        </p:spPr>
+        <p:txBody>
+          <a:bodyPr vert="horz" wrap="square" lIns="91440" tIns="45720" rIns="91440" bIns="45720" numCol="1" rtlCol="0" anchor="t" anchorCtr="0" compatLnSpc="1">
+            <a:prstTxWarp prst="textNoShape">
+              <a:avLst/>
+            </a:prstTxWarp>
+          </a:bodyPr>
+          <a:lstStyle/>
+          <a:p>
+            <a:pPr marL="0" marR="0" indent="0" algn="ctr" defTabSz="914400" rtl="0" eaLnBrk="1" fontAlgn="base" latinLnBrk="0" hangingPunct="1">
+              <a:lnSpc>
+                <a:spcPct val="100000"/>
+              </a:lnSpc>
+              <a:spcBef>
+                <a:spcPct val="0"/>
+              </a:spcBef>
+              <a:spcAft>
+                <a:spcPct val="0"/>
+              </a:spcAft>
+              <a:buClrTx/>
+              <a:buSzTx/>
+              <a:buFontTx/>
+              <a:buNone/>
+              <a:tabLst/>
+            </a:pPr>
+            <a:endParaRPr kumimoji="0" lang="it-IT" sz="4200" b="0" i="0" u="none" strike="noStrike" cap="none" normalizeH="0" baseline="0" smtClean="0">
+              <a:ln>
+                <a:noFill/>
+              </a:ln>
+              <a:solidFill>
+                <a:schemeClr val="tx1"/>
+              </a:solidFill>
+              <a:effectLst/>
+              <a:latin typeface="Gill Sans" charset="0"/>
+              <a:ea typeface="ヒラギノ角ゴ ProN W3" charset="0"/>
+              <a:cs typeface="ヒラギノ角ゴ ProN W3" charset="0"/>
+              <a:sym typeface="Gill Sans" charset="0"/>
+            </a:endParaRPr>
+          </a:p>
+        </p:txBody>
+      </p:sp>
+      <p:sp>
+        <p:nvSpPr>
+          <p:cNvPr id="30" name="Rettangolo 29"/>
+          <p:cNvSpPr/>
+          <p:nvPr/>
+        </p:nvSpPr>
+        <p:spPr bwMode="auto">
+          <a:xfrm>
+            <a:off x="3949686" y="2898354"/>
+            <a:ext cx="3306531" cy="4320480"/>
+          </a:xfrm>
+          <a:prstGeom prst="rect">
+            <a:avLst/>
+          </a:prstGeom>
+          <a:solidFill>
+            <a:schemeClr val="bg1">
+              <a:lumMod val="85000"/>
+            </a:schemeClr>
+          </a:solidFill>
+          <a:ln w="25400" cap="flat" cmpd="sng" algn="ctr">
+            <a:noFill/>
+            <a:prstDash val="solid"/>
+            <a:round/>
+            <a:headEnd type="none" w="med" len="med"/>
+            <a:tailEnd type="none" w="med" len="med"/>
+          </a:ln>
+          <a:effectLst/>
+          <a:extLst>
+            <a:ext uri="{AF507438-7753-43e0-B8FC-AC1667EBCBE1}">
+              <a14:hiddenEffects xmlns:a14="http://schemas.microsoft.com/office/drawing/2010/main">
+                <a:effectLst>
+                  <a:outerShdw dist="35921" dir="2700000" algn="ctr" rotWithShape="0">
+                    <a:schemeClr val="bg2"/>
+                  </a:outerShdw>
+                </a:effectLst>
+              </a14:hiddenEffects>
+            </a:ext>
+          </a:extLst>
+        </p:spPr>
+        <p:txBody>
+          <a:bodyPr vert="horz" wrap="square" lIns="91440" tIns="45720" rIns="91440" bIns="45720" numCol="1" rtlCol="0" anchor="t" anchorCtr="0" compatLnSpc="1">
+            <a:prstTxWarp prst="textNoShape">
+              <a:avLst/>
+            </a:prstTxWarp>
+          </a:bodyPr>
+          <a:lstStyle/>
+          <a:p>
+            <a:pPr marL="0" marR="0" indent="0" algn="ctr" defTabSz="914400" rtl="0" eaLnBrk="1" fontAlgn="base" latinLnBrk="0" hangingPunct="1">
+              <a:lnSpc>
+                <a:spcPct val="100000"/>
+              </a:lnSpc>
+              <a:spcBef>
+                <a:spcPct val="0"/>
+              </a:spcBef>
+              <a:spcAft>
+                <a:spcPct val="0"/>
+              </a:spcAft>
+              <a:buClrTx/>
+              <a:buSzTx/>
+              <a:buFontTx/>
+              <a:buNone/>
+              <a:tabLst/>
+            </a:pPr>
+            <a:endParaRPr kumimoji="0" lang="it-IT" sz="4200" b="0" i="0" u="none" strike="noStrike" cap="none" normalizeH="0" baseline="0" smtClean="0">
+              <a:ln>
+                <a:noFill/>
+              </a:ln>
+              <a:solidFill>
+                <a:schemeClr val="tx1"/>
+              </a:solidFill>
+              <a:effectLst/>
+              <a:latin typeface="Gill Sans" charset="0"/>
+              <a:ea typeface="ヒラギノ角ゴ ProN W3" charset="0"/>
+              <a:cs typeface="ヒラギノ角ゴ ProN W3" charset="0"/>
+              <a:sym typeface="Gill Sans" charset="0"/>
+            </a:endParaRPr>
+          </a:p>
+        </p:txBody>
+      </p:sp>
+      <p:sp>
+        <p:nvSpPr>
+          <p:cNvPr id="31" name="Rettangolo 30"/>
+          <p:cNvSpPr/>
+          <p:nvPr/>
+        </p:nvSpPr>
+        <p:spPr bwMode="auto">
+          <a:xfrm>
+            <a:off x="7557033" y="2898354"/>
+            <a:ext cx="3306531" cy="4320480"/>
+          </a:xfrm>
+          <a:prstGeom prst="rect">
+            <a:avLst/>
+          </a:prstGeom>
+          <a:solidFill>
+            <a:schemeClr val="bg1">
+              <a:lumMod val="85000"/>
+            </a:schemeClr>
+          </a:solidFill>
+          <a:ln w="25400" cap="flat" cmpd="sng" algn="ctr">
+            <a:noFill/>
+            <a:prstDash val="solid"/>
+            <a:round/>
+            <a:headEnd type="none" w="med" len="med"/>
+            <a:tailEnd type="none" w="med" len="med"/>
+          </a:ln>
+          <a:effectLst/>
+          <a:extLst>
+            <a:ext uri="{AF507438-7753-43e0-B8FC-AC1667EBCBE1}">
+              <a14:hiddenEffects xmlns:a14="http://schemas.microsoft.com/office/drawing/2010/main">
+                <a:effectLst>
+                  <a:outerShdw dist="35921" dir="2700000" algn="ctr" rotWithShape="0">
+                    <a:schemeClr val="bg2"/>
+                  </a:outerShdw>
+                </a:effectLst>
+              </a14:hiddenEffects>
+            </a:ext>
+          </a:extLst>
+        </p:spPr>
+        <p:txBody>
+          <a:bodyPr vert="horz" wrap="square" lIns="91440" tIns="45720" rIns="91440" bIns="45720" numCol="1" rtlCol="0" anchor="t" anchorCtr="0" compatLnSpc="1">
+            <a:prstTxWarp prst="textNoShape">
+              <a:avLst/>
+            </a:prstTxWarp>
+          </a:bodyPr>
+          <a:lstStyle/>
+          <a:p>
+            <a:pPr marL="0" marR="0" indent="0" algn="ctr" defTabSz="914400" rtl="0" eaLnBrk="1" fontAlgn="base" latinLnBrk="0" hangingPunct="1">
+              <a:lnSpc>
+                <a:spcPct val="100000"/>
+              </a:lnSpc>
+              <a:spcBef>
+                <a:spcPct val="0"/>
+              </a:spcBef>
+              <a:spcAft>
+                <a:spcPct val="0"/>
+              </a:spcAft>
+              <a:buClrTx/>
+              <a:buSzTx/>
+              <a:buFontTx/>
+              <a:buNone/>
+              <a:tabLst/>
+            </a:pPr>
+            <a:endParaRPr kumimoji="0" lang="it-IT" sz="4200" b="0" i="0" u="none" strike="noStrike" cap="none" normalizeH="0" baseline="0" smtClean="0">
+              <a:ln>
+                <a:noFill/>
+              </a:ln>
+              <a:solidFill>
+                <a:schemeClr val="tx1"/>
+              </a:solidFill>
+              <a:effectLst/>
+              <a:latin typeface="Gill Sans" charset="0"/>
+              <a:ea typeface="ヒラギノ角ゴ ProN W3" charset="0"/>
+              <a:cs typeface="ヒラギノ角ゴ ProN W3" charset="0"/>
+              <a:sym typeface="Gill Sans" charset="0"/>
+            </a:endParaRPr>
+          </a:p>
+        </p:txBody>
+      </p:sp>
+      <p:sp>
+        <p:nvSpPr>
+          <p:cNvPr id="32" name="Rettangolo 31"/>
+          <p:cNvSpPr/>
+          <p:nvPr/>
+        </p:nvSpPr>
+        <p:spPr bwMode="auto">
+          <a:xfrm>
+            <a:off x="11235647" y="2898354"/>
+            <a:ext cx="3306531" cy="4320480"/>
+          </a:xfrm>
+          <a:prstGeom prst="rect">
+            <a:avLst/>
+          </a:prstGeom>
+          <a:solidFill>
+            <a:schemeClr val="bg1">
+              <a:lumMod val="85000"/>
+            </a:schemeClr>
+          </a:solidFill>
+          <a:ln w="25400" cap="flat" cmpd="sng" algn="ctr">
+            <a:noFill/>
+            <a:prstDash val="solid"/>
+            <a:round/>
+            <a:headEnd type="none" w="med" len="med"/>
+            <a:tailEnd type="none" w="med" len="med"/>
+          </a:ln>
+          <a:effectLst/>
+          <a:extLst>
+            <a:ext uri="{AF507438-7753-43e0-B8FC-AC1667EBCBE1}">
+              <a14:hiddenEffects xmlns:a14="http://schemas.microsoft.com/office/drawing/2010/main">
+                <a:effectLst>
+                  <a:outerShdw dist="35921" dir="2700000" algn="ctr" rotWithShape="0">
+                    <a:schemeClr val="bg2"/>
+                  </a:outerShdw>
+                </a:effectLst>
+              </a14:hiddenEffects>
+            </a:ext>
+          </a:extLst>
+        </p:spPr>
+        <p:txBody>
+          <a:bodyPr vert="horz" wrap="square" lIns="91440" tIns="45720" rIns="91440" bIns="45720" numCol="1" rtlCol="0" anchor="t" anchorCtr="0" compatLnSpc="1">
+            <a:prstTxWarp prst="textNoShape">
+              <a:avLst/>
+            </a:prstTxWarp>
+          </a:bodyPr>
+          <a:lstStyle/>
+          <a:p>
+            <a:pPr marL="0" marR="0" indent="0" algn="ctr" defTabSz="914400" rtl="0" eaLnBrk="1" fontAlgn="base" latinLnBrk="0" hangingPunct="1">
+              <a:lnSpc>
+                <a:spcPct val="100000"/>
+              </a:lnSpc>
+              <a:spcBef>
+                <a:spcPct val="0"/>
+              </a:spcBef>
+              <a:spcAft>
+                <a:spcPct val="0"/>
+              </a:spcAft>
+              <a:buClrTx/>
+              <a:buSzTx/>
+              <a:buFontTx/>
+              <a:buNone/>
+              <a:tabLst/>
+            </a:pPr>
+            <a:endParaRPr kumimoji="0" lang="it-IT" sz="4200" b="0" i="0" u="none" strike="noStrike" cap="none" normalizeH="0" baseline="0" smtClean="0">
+              <a:ln>
+                <a:noFill/>
+              </a:ln>
+              <a:solidFill>
+                <a:schemeClr val="tx1"/>
+              </a:solidFill>
+              <a:effectLst/>
+              <a:latin typeface="Gill Sans" charset="0"/>
+              <a:ea typeface="ヒラギノ角ゴ ProN W3" charset="0"/>
+              <a:cs typeface="ヒラギノ角ゴ ProN W3" charset="0"/>
+              <a:sym typeface="Gill Sans" charset="0"/>
+            </a:endParaRPr>
+          </a:p>
+        </p:txBody>
+      </p:sp>
+      <p:sp>
+        <p:nvSpPr>
           <p:cNvPr id="9" name="Segnaposto numero diapositiva 3"/>
           <p:cNvSpPr>
             <a:spLocks noGrp="1"/>
@@ -46551,7 +46080,7 @@
               <a:pPr>
                 <a:defRPr/>
               </a:pPr>
-              <a:t>3</a:t>
+              <a:t>2</a:t>
             </a:fld>
             <a:endParaRPr lang="en-US" dirty="0"/>
           </a:p>
@@ -46713,7 +46242,7 @@
                   <a:schemeClr val="bg1"/>
                 </a:solidFill>
               </a:rPr>
-              <a:t>Agenda</a:t>
+              <a:t>Temi trattati</a:t>
             </a:r>
             <a:endParaRPr lang="it-IT" sz="5250" b="1" dirty="0">
               <a:solidFill>
@@ -46723,247 +46252,846 @@
           </a:p>
         </p:txBody>
       </p:sp>
-      <p:sp>
-        <p:nvSpPr>
-          <p:cNvPr id="16" name="Rettangolo 15"/>
-          <p:cNvSpPr/>
+      <p:cxnSp>
+        <p:nvCxnSpPr>
+          <p:cNvPr id="15" name="Connettore 1 14"/>
+          <p:cNvCxnSpPr/>
+          <p:nvPr/>
+        </p:nvCxnSpPr>
+        <p:spPr bwMode="auto">
+          <a:xfrm flipH="1">
+            <a:off x="-71786" y="7434858"/>
+            <a:ext cx="18289588" cy="0"/>
+          </a:xfrm>
+          <a:prstGeom prst="line">
+            <a:avLst/>
+          </a:prstGeom>
+          <a:blipFill dpi="0" rotWithShape="0">
+            <a:blip r:embed="rId3"/>
+            <a:srcRect/>
+            <a:tile tx="0" ty="0" sx="100000" sy="100000" flip="none" algn="tl"/>
+          </a:blipFill>
+          <a:ln w="25400" cap="flat" cmpd="sng" algn="ctr">
+            <a:solidFill>
+              <a:schemeClr val="bg1">
+                <a:lumMod val="95000"/>
+              </a:schemeClr>
+            </a:solidFill>
+            <a:prstDash val="solid"/>
+            <a:round/>
+            <a:headEnd type="none" w="med" len="med"/>
+            <a:tailEnd type="none" w="med" len="med"/>
+          </a:ln>
+          <a:effectLst/>
+          <a:extLst>
+            <a:ext uri="{AF507438-7753-43e0-B8FC-AC1667EBCBE1}">
+              <a14:hiddenEffects xmlns:a14="http://schemas.microsoft.com/office/drawing/2010/main">
+                <a:effectLst>
+                  <a:outerShdw dist="35921" dir="2700000" algn="ctr" rotWithShape="0">
+                    <a:schemeClr val="bg2"/>
+                  </a:outerShdw>
+                </a:effectLst>
+              </a14:hiddenEffects>
+            </a:ext>
+          </a:extLst>
+        </p:spPr>
+      </p:cxnSp>
+      <p:sp>
+        <p:nvSpPr>
+          <p:cNvPr id="7" name="CasellaDiTesto 6"/>
+          <p:cNvSpPr txBox="1"/>
           <p:nvPr/>
         </p:nvSpPr>
         <p:spPr>
           <a:xfrm>
-            <a:off x="215802" y="1244091"/>
-            <a:ext cx="17785976" cy="11569834"/>
+            <a:off x="-36741" y="2754313"/>
+            <a:ext cx="3780985" cy="4707424"/>
           </a:xfrm>
           <a:prstGeom prst="rect">
             <a:avLst/>
           </a:prstGeom>
-        </p:spPr>
-        <p:txBody>
-          <a:bodyPr wrap="square">
-            <a:spAutoFit/>
+          <a:noFill/>
+        </p:spPr>
+        <p:txBody>
+          <a:bodyPr wrap="square" rtlCol="0">
+            <a:normAutofit/>
           </a:bodyPr>
           <a:lstStyle/>
           <a:p>
-            <a:pPr marL="1131296" lvl="1" indent="-557213" algn="l">
-              <a:lnSpc>
-                <a:spcPct val="150000"/>
-              </a:lnSpc>
-              <a:buClr>
-                <a:srgbClr val="FF0000"/>
-              </a:buClr>
-              <a:buFont typeface="+mj-lt"/>
-              <a:buAutoNum type="arabicPeriod"/>
-            </a:pPr>
-            <a:r>
-              <a:rPr lang="it-IT" sz="5000" dirty="0" smtClean="0">
+            <a:r>
+              <a:rPr lang="en-US" sz="9600" dirty="0" smtClean="0">
+                <a:ln w="0"/>
                 <a:solidFill>
                   <a:schemeClr val="tx1"/>
                 </a:solidFill>
-                <a:latin typeface="Myriad Pro It"/>
+                <a:effectLst>
+                  <a:outerShdw blurRad="38100" dist="19050" dir="2700000" algn="tl" rotWithShape="0">
+                    <a:schemeClr val="dk1">
+                      <a:alpha val="40000"/>
+                    </a:schemeClr>
+                  </a:outerShdw>
+                </a:effectLst>
               </a:rPr>
-              <a:t>Riassunto lezione precedente</a:t>
-            </a:r>
-            <a:endParaRPr lang="it-IT" sz="5000" dirty="0">
+              <a:t>1</a:t>
+            </a:r>
+            <a:endParaRPr lang="en-US" sz="9600" b="1" dirty="0" smtClean="0">
+              <a:solidFill>
+                <a:schemeClr val="bg1">
+                  <a:lumMod val="85000"/>
+                </a:schemeClr>
+              </a:solidFill>
+            </a:endParaRPr>
+          </a:p>
+          <a:p>
+            <a:endParaRPr lang="en-US" sz="3600" dirty="0" smtClean="0"/>
+          </a:p>
+          <a:p>
+            <a:r>
+              <a:rPr lang="en-US" sz="3300" dirty="0" err="1" smtClean="0"/>
+              <a:t>Fondamenti</a:t>
+            </a:r>
+            <a:r>
+              <a:rPr lang="en-US" sz="3300" dirty="0" smtClean="0"/>
+              <a:t> </a:t>
+            </a:r>
+            <a:r>
+              <a:rPr lang="en-US" sz="3300" dirty="0" err="1"/>
+              <a:t>d’informatica</a:t>
+            </a:r>
+            <a:r>
+              <a:rPr lang="en-US" sz="3300" dirty="0"/>
+              <a:t> </a:t>
+            </a:r>
+            <a:endParaRPr lang="en-US" sz="3300" dirty="0" smtClean="0"/>
+          </a:p>
+          <a:p>
+            <a:endParaRPr lang="en-US" sz="3300" dirty="0"/>
+          </a:p>
+        </p:txBody>
+      </p:sp>
+      <p:sp>
+        <p:nvSpPr>
+          <p:cNvPr id="19" name="CasellaDiTesto 18"/>
+          <p:cNvSpPr txBox="1"/>
+          <p:nvPr/>
+        </p:nvSpPr>
+        <p:spPr>
+          <a:xfrm>
+            <a:off x="3736849" y="2754313"/>
+            <a:ext cx="3673476" cy="4707424"/>
+          </a:xfrm>
+          <a:prstGeom prst="rect">
+            <a:avLst/>
+          </a:prstGeom>
+          <a:noFill/>
+        </p:spPr>
+        <p:txBody>
+          <a:bodyPr wrap="square" rtlCol="0">
+            <a:normAutofit/>
+          </a:bodyPr>
+          <a:lstStyle/>
+          <a:p>
+            <a:r>
+              <a:rPr lang="en-US" sz="9600" dirty="0" smtClean="0">
+                <a:ln w="0"/>
+                <a:solidFill>
+                  <a:schemeClr val="tx1"/>
+                </a:solidFill>
+                <a:effectLst>
+                  <a:outerShdw blurRad="38100" dist="19050" dir="2700000" algn="tl" rotWithShape="0">
+                    <a:schemeClr val="dk1">
+                      <a:alpha val="40000"/>
+                    </a:schemeClr>
+                  </a:outerShdw>
+                </a:effectLst>
+              </a:rPr>
+              <a:t>2</a:t>
+            </a:r>
+            <a:endParaRPr lang="en-US" sz="9600" dirty="0">
+              <a:ln w="0"/>
               <a:solidFill>
                 <a:schemeClr val="tx1"/>
               </a:solidFill>
-              <a:latin typeface="Myriad Pro It"/>
+              <a:effectLst>
+                <a:outerShdw blurRad="38100" dist="19050" dir="2700000" algn="tl" rotWithShape="0">
+                  <a:schemeClr val="dk1">
+                    <a:alpha val="40000"/>
+                  </a:schemeClr>
+                </a:outerShdw>
+              </a:effectLst>
             </a:endParaRPr>
           </a:p>
           <a:p>
-            <a:pPr marL="2253927" lvl="2" indent="-914400" algn="l">
-              <a:lnSpc>
-                <a:spcPct val="150000"/>
-              </a:lnSpc>
-              <a:buClr>
-                <a:srgbClr val="FF0000"/>
-              </a:buClr>
-              <a:buFont typeface="+mj-lt"/>
-              <a:buAutoNum type="alphaLcPeriod"/>
-            </a:pPr>
-            <a:r>
-              <a:rPr lang="it-IT" sz="5000" dirty="0" smtClean="0">
+            <a:pPr lvl="0"/>
+            <a:endParaRPr lang="en-US" sz="3300" dirty="0" smtClean="0"/>
+          </a:p>
+          <a:p>
+            <a:pPr lvl="0"/>
+            <a:r>
+              <a:rPr lang="en-US" sz="3300" dirty="0" err="1" smtClean="0"/>
+              <a:t>Fondamenti</a:t>
+            </a:r>
+            <a:r>
+              <a:rPr lang="en-US" sz="3300" dirty="0" smtClean="0"/>
+              <a:t> </a:t>
+            </a:r>
+            <a:r>
+              <a:rPr lang="en-US" sz="3300" dirty="0" err="1" smtClean="0"/>
+              <a:t>d’informatica</a:t>
+            </a:r>
+            <a:r>
+              <a:rPr lang="en-US" sz="3300" dirty="0" smtClean="0"/>
+              <a:t> </a:t>
+            </a:r>
+          </a:p>
+          <a:p>
+            <a:pPr lvl="0"/>
+            <a:endParaRPr lang="en-US" sz="2000" dirty="0" smtClean="0"/>
+          </a:p>
+          <a:p>
+            <a:endParaRPr lang="en-US" sz="9600" dirty="0" smtClean="0">
+              <a:ln w="0"/>
+              <a:solidFill>
+                <a:schemeClr val="tx1"/>
+              </a:solidFill>
+              <a:effectLst>
+                <a:outerShdw blurRad="38100" dist="19050" dir="2700000" algn="tl" rotWithShape="0">
+                  <a:schemeClr val="dk1">
+                    <a:alpha val="40000"/>
+                  </a:schemeClr>
+                </a:outerShdw>
+              </a:effectLst>
+            </a:endParaRPr>
+          </a:p>
+        </p:txBody>
+      </p:sp>
+      <p:sp>
+        <p:nvSpPr>
+          <p:cNvPr id="21" name="CasellaDiTesto 20"/>
+          <p:cNvSpPr txBox="1"/>
+          <p:nvPr/>
+        </p:nvSpPr>
+        <p:spPr>
+          <a:xfrm>
+            <a:off x="11075234" y="2787068"/>
+            <a:ext cx="3627358" cy="4662042"/>
+          </a:xfrm>
+          <a:prstGeom prst="rect">
+            <a:avLst/>
+          </a:prstGeom>
+          <a:noFill/>
+        </p:spPr>
+        <p:txBody>
+          <a:bodyPr wrap="square" rtlCol="0">
+            <a:normAutofit/>
+          </a:bodyPr>
+          <a:lstStyle/>
+          <a:p>
+            <a:r>
+              <a:rPr lang="en-US" sz="9600" dirty="0" smtClean="0">
                 <a:solidFill>
                   <a:schemeClr val="tx1"/>
                 </a:solidFill>
-                <a:latin typeface="Myriad Pro It"/>
+                <a:effectLst>
+                  <a:outerShdw blurRad="38100" dist="38100" dir="2700000" algn="tl">
+                    <a:srgbClr val="000000">
+                      <a:alpha val="43137"/>
+                    </a:srgbClr>
+                  </a:outerShdw>
+                </a:effectLst>
               </a:rPr>
-              <a:t>Hardware – CPU, Disco</a:t>
-            </a:r>
-            <a:endParaRPr lang="it-IT" sz="5000" dirty="0" smtClean="0">
+              <a:t>4</a:t>
+            </a:r>
+          </a:p>
+          <a:p>
+            <a:pPr lvl="0"/>
+            <a:r>
+              <a:rPr lang="en-US" sz="3300" dirty="0" err="1"/>
+              <a:t>Cenni</a:t>
+            </a:r>
+            <a:r>
+              <a:rPr lang="en-US" sz="3300" dirty="0"/>
+              <a:t> </a:t>
+            </a:r>
+            <a:r>
+              <a:rPr lang="en-US" sz="3300" dirty="0" err="1"/>
+              <a:t>sulla</a:t>
+            </a:r>
+            <a:r>
+              <a:rPr lang="en-US" sz="3300" dirty="0"/>
+              <a:t> </a:t>
+            </a:r>
+            <a:r>
+              <a:rPr lang="en-US" sz="3300" dirty="0" err="1"/>
+              <a:t>struttura</a:t>
+            </a:r>
+            <a:r>
+              <a:rPr lang="en-US" sz="3300" dirty="0"/>
+              <a:t> </a:t>
+            </a:r>
+          </a:p>
+          <a:p>
+            <a:pPr lvl="0"/>
+            <a:r>
+              <a:rPr lang="en-US" sz="3300" dirty="0"/>
+              <a:t>di </a:t>
+            </a:r>
+            <a:r>
+              <a:rPr lang="en-US" sz="3300" dirty="0" smtClean="0"/>
+              <a:t>un</a:t>
+            </a:r>
+          </a:p>
+          <a:p>
+            <a:pPr lvl="0"/>
+            <a:r>
+              <a:rPr lang="en-US" sz="3300" dirty="0" smtClean="0"/>
+              <a:t>Data Base</a:t>
+            </a:r>
+            <a:endParaRPr lang="en-US" sz="3300" dirty="0"/>
+          </a:p>
+        </p:txBody>
+      </p:sp>
+      <p:sp>
+        <p:nvSpPr>
+          <p:cNvPr id="22" name="CasellaDiTesto 21"/>
+          <p:cNvSpPr txBox="1"/>
+          <p:nvPr/>
+        </p:nvSpPr>
+        <p:spPr>
+          <a:xfrm>
+            <a:off x="14689138" y="2779543"/>
+            <a:ext cx="3600451" cy="4640020"/>
+          </a:xfrm>
+          <a:prstGeom prst="rect">
+            <a:avLst/>
+          </a:prstGeom>
+          <a:solidFill>
+            <a:schemeClr val="bg1">
+              <a:lumMod val="85000"/>
+            </a:schemeClr>
+          </a:solidFill>
+        </p:spPr>
+        <p:txBody>
+          <a:bodyPr wrap="square" rtlCol="0">
+            <a:normAutofit/>
+          </a:bodyPr>
+          <a:lstStyle/>
+          <a:p>
+            <a:r>
+              <a:rPr lang="en-US" sz="9600" dirty="0">
+                <a:ln w="0"/>
+                <a:solidFill>
+                  <a:schemeClr val="tx1"/>
+                </a:solidFill>
+                <a:effectLst>
+                  <a:outerShdw blurRad="38100" dist="19050" dir="2700000" algn="tl" rotWithShape="0">
+                    <a:schemeClr val="dk1">
+                      <a:alpha val="40000"/>
+                    </a:schemeClr>
+                  </a:outerShdw>
+                </a:effectLst>
+              </a:rPr>
+              <a:t>5</a:t>
+            </a:r>
+          </a:p>
+          <a:p>
+            <a:pPr lvl="0"/>
+            <a:r>
+              <a:rPr lang="en-US" sz="3300" dirty="0" err="1"/>
+              <a:t>Creazione</a:t>
+            </a:r>
+            <a:r>
+              <a:rPr lang="en-US" sz="3300" dirty="0"/>
+              <a:t> </a:t>
+            </a:r>
+          </a:p>
+          <a:p>
+            <a:pPr lvl="0"/>
+            <a:r>
+              <a:rPr lang="en-US" sz="3300" dirty="0"/>
+              <a:t>di un </a:t>
+            </a:r>
+            <a:r>
+              <a:rPr lang="en-US" sz="3300" dirty="0" err="1"/>
+              <a:t>esempio</a:t>
+            </a:r>
+            <a:r>
+              <a:rPr lang="en-US" sz="3300" dirty="0"/>
+              <a:t>  di </a:t>
+            </a:r>
+          </a:p>
+          <a:p>
+            <a:pPr lvl="0"/>
+            <a:r>
+              <a:rPr lang="en-US" sz="3300" dirty="0" err="1"/>
+              <a:t>applicazione</a:t>
+            </a:r>
+            <a:r>
+              <a:rPr lang="en-US" sz="3300" dirty="0"/>
+              <a:t> </a:t>
+            </a:r>
+            <a:r>
+              <a:rPr lang="en-US" sz="3300" dirty="0" smtClean="0"/>
+              <a:t>web</a:t>
+            </a:r>
+            <a:endParaRPr lang="en-US" sz="9600" b="1" dirty="0" smtClean="0">
+              <a:solidFill>
+                <a:schemeClr val="bg1">
+                  <a:lumMod val="85000"/>
+                </a:schemeClr>
+              </a:solidFill>
+            </a:endParaRPr>
+          </a:p>
+          <a:p>
+            <a:endParaRPr lang="en-US" sz="3600" dirty="0"/>
+          </a:p>
+        </p:txBody>
+      </p:sp>
+      <p:sp>
+        <p:nvSpPr>
+          <p:cNvPr id="26" name="CasellaDiTesto 25"/>
+          <p:cNvSpPr txBox="1"/>
+          <p:nvPr/>
+        </p:nvSpPr>
+        <p:spPr>
+          <a:xfrm>
+            <a:off x="5555" y="7434858"/>
+            <a:ext cx="3752812" cy="4392018"/>
+          </a:xfrm>
+          <a:prstGeom prst="rect">
+            <a:avLst/>
+          </a:prstGeom>
+          <a:noFill/>
+        </p:spPr>
+        <p:txBody>
+          <a:bodyPr wrap="square" rtlCol="0">
+            <a:normAutofit/>
+          </a:bodyPr>
+          <a:lstStyle/>
+          <a:p>
+            <a:r>
+              <a:rPr lang="en-US" sz="9600" b="1" dirty="0" smtClean="0">
+                <a:solidFill>
+                  <a:schemeClr val="bg1">
+                    <a:lumMod val="85000"/>
+                  </a:schemeClr>
+                </a:solidFill>
+              </a:rPr>
+              <a:t>6</a:t>
+            </a:r>
+          </a:p>
+          <a:p>
+            <a:pPr lvl="0"/>
+            <a:r>
+              <a:rPr lang="en-US" sz="3300" dirty="0" err="1"/>
+              <a:t>Creazione</a:t>
+            </a:r>
+            <a:r>
+              <a:rPr lang="en-US" sz="3300" dirty="0"/>
+              <a:t> </a:t>
+            </a:r>
+          </a:p>
+          <a:p>
+            <a:pPr lvl="0"/>
+            <a:r>
+              <a:rPr lang="en-US" sz="3300" dirty="0"/>
+              <a:t>di un </a:t>
+            </a:r>
+            <a:r>
+              <a:rPr lang="en-US" sz="3300" dirty="0" err="1"/>
+              <a:t>esempio</a:t>
+            </a:r>
+            <a:r>
+              <a:rPr lang="en-US" sz="3300" dirty="0"/>
+              <a:t>  di </a:t>
+            </a:r>
+          </a:p>
+          <a:p>
+            <a:pPr lvl="0"/>
+            <a:r>
+              <a:rPr lang="en-US" sz="3300" dirty="0" err="1"/>
+              <a:t>applicazione</a:t>
+            </a:r>
+            <a:r>
+              <a:rPr lang="en-US" sz="3300" dirty="0"/>
+              <a:t> web</a:t>
+            </a:r>
+          </a:p>
+          <a:p>
+            <a:endParaRPr lang="en-US" sz="3300" b="1" dirty="0" smtClean="0">
+              <a:solidFill>
+                <a:schemeClr val="bg1">
+                  <a:lumMod val="85000"/>
+                </a:schemeClr>
+              </a:solidFill>
+            </a:endParaRPr>
+          </a:p>
+        </p:txBody>
+      </p:sp>
+      <p:sp>
+        <p:nvSpPr>
+          <p:cNvPr id="28" name="CasellaDiTesto 27"/>
+          <p:cNvSpPr txBox="1"/>
+          <p:nvPr/>
+        </p:nvSpPr>
+        <p:spPr>
+          <a:xfrm>
+            <a:off x="7345364" y="7467506"/>
+            <a:ext cx="3743324" cy="4359370"/>
+          </a:xfrm>
+          <a:prstGeom prst="rect">
+            <a:avLst/>
+          </a:prstGeom>
+          <a:noFill/>
+        </p:spPr>
+        <p:txBody>
+          <a:bodyPr wrap="square" rtlCol="0">
+            <a:normAutofit/>
+          </a:bodyPr>
+          <a:lstStyle/>
+          <a:p>
+            <a:r>
+              <a:rPr lang="en-US" sz="9600" b="1" dirty="0" smtClean="0">
+                <a:solidFill>
+                  <a:schemeClr val="bg1">
+                    <a:lumMod val="85000"/>
+                  </a:schemeClr>
+                </a:solidFill>
+              </a:rPr>
+              <a:t>8</a:t>
+            </a:r>
+          </a:p>
+          <a:p>
+            <a:pPr lvl="0"/>
+            <a:r>
+              <a:rPr lang="en-US" sz="3300" dirty="0" err="1"/>
+              <a:t>Cos'è</a:t>
+            </a:r>
+            <a:r>
+              <a:rPr lang="en-US" sz="3300" dirty="0"/>
+              <a:t> </a:t>
+            </a:r>
+            <a:r>
+              <a:rPr lang="en-US" sz="3300" dirty="0" err="1"/>
+              <a:t>l'informazione</a:t>
+            </a:r>
+            <a:r>
+              <a:rPr lang="en-US" sz="3300" dirty="0"/>
+              <a:t> </a:t>
+            </a:r>
+          </a:p>
+          <a:p>
+            <a:pPr lvl="0"/>
+            <a:r>
+              <a:rPr lang="en-US" sz="3300" dirty="0"/>
+              <a:t>e </a:t>
+            </a:r>
+            <a:r>
+              <a:rPr lang="en-US" sz="3300" dirty="0" err="1"/>
+              <a:t>perché</a:t>
+            </a:r>
+            <a:r>
+              <a:rPr lang="en-US" sz="3300" dirty="0"/>
+              <a:t> è </a:t>
+            </a:r>
+            <a:r>
+              <a:rPr lang="en-US" sz="3300" dirty="0" err="1"/>
+              <a:t>importante</a:t>
+            </a:r>
+            <a:endParaRPr lang="en-US" sz="3300" dirty="0"/>
+          </a:p>
+          <a:p>
+            <a:endParaRPr lang="en-US" sz="9600" b="1" dirty="0" smtClean="0">
+              <a:solidFill>
+                <a:schemeClr val="bg1">
+                  <a:lumMod val="85000"/>
+                </a:schemeClr>
+              </a:solidFill>
+            </a:endParaRPr>
+          </a:p>
+          <a:p>
+            <a:endParaRPr lang="en-US" sz="9600" b="1" dirty="0" smtClean="0">
+              <a:solidFill>
+                <a:schemeClr val="bg1">
+                  <a:lumMod val="85000"/>
+                </a:schemeClr>
+              </a:solidFill>
+            </a:endParaRPr>
+          </a:p>
+          <a:p>
+            <a:endParaRPr lang="en-US" sz="9600" b="1" dirty="0" smtClean="0">
+              <a:solidFill>
+                <a:schemeClr val="bg1">
+                  <a:lumMod val="85000"/>
+                </a:schemeClr>
+              </a:solidFill>
+            </a:endParaRPr>
+          </a:p>
+        </p:txBody>
+      </p:sp>
+      <p:sp>
+        <p:nvSpPr>
+          <p:cNvPr id="29" name="CasellaDiTesto 28"/>
+          <p:cNvSpPr txBox="1"/>
+          <p:nvPr/>
+        </p:nvSpPr>
+        <p:spPr>
+          <a:xfrm>
+            <a:off x="11130720" y="7419563"/>
+            <a:ext cx="3558418" cy="4407312"/>
+          </a:xfrm>
+          <a:prstGeom prst="rect">
+            <a:avLst/>
+          </a:prstGeom>
+          <a:noFill/>
+        </p:spPr>
+        <p:txBody>
+          <a:bodyPr wrap="square" rtlCol="0">
+            <a:normAutofit/>
+          </a:bodyPr>
+          <a:lstStyle/>
+          <a:p>
+            <a:r>
+              <a:rPr lang="en-US" sz="9600" b="1" dirty="0" smtClean="0">
+                <a:solidFill>
+                  <a:schemeClr val="bg1">
+                    <a:lumMod val="85000"/>
+                  </a:schemeClr>
+                </a:solidFill>
+              </a:rPr>
+              <a:t>9</a:t>
+            </a:r>
+          </a:p>
+          <a:p>
+            <a:r>
+              <a:rPr lang="en-US" sz="3300" dirty="0" err="1" smtClean="0"/>
+              <a:t>Sistemi</a:t>
+            </a:r>
+            <a:r>
+              <a:rPr lang="en-US" sz="3300" dirty="0" smtClean="0"/>
+              <a:t> </a:t>
+            </a:r>
+          </a:p>
+          <a:p>
+            <a:r>
+              <a:rPr lang="en-US" sz="3300" dirty="0" err="1" smtClean="0"/>
+              <a:t>complessi</a:t>
+            </a:r>
+            <a:endParaRPr lang="en-US" sz="3300" dirty="0"/>
+          </a:p>
+        </p:txBody>
+      </p:sp>
+      <p:sp>
+        <p:nvSpPr>
+          <p:cNvPr id="23" name="CasellaDiTesto 22"/>
+          <p:cNvSpPr txBox="1"/>
+          <p:nvPr/>
+        </p:nvSpPr>
+        <p:spPr>
+          <a:xfrm>
+            <a:off x="14689138" y="7467506"/>
+            <a:ext cx="3600451" cy="4359370"/>
+          </a:xfrm>
+          <a:prstGeom prst="rect">
+            <a:avLst/>
+          </a:prstGeom>
+          <a:noFill/>
+        </p:spPr>
+        <p:txBody>
+          <a:bodyPr wrap="square" rtlCol="0">
+            <a:normAutofit/>
+          </a:bodyPr>
+          <a:lstStyle/>
+          <a:p>
+            <a:r>
+              <a:rPr lang="en-US" sz="9600" b="1" dirty="0" smtClean="0">
+                <a:solidFill>
+                  <a:schemeClr val="bg1">
+                    <a:lumMod val="85000"/>
+                  </a:schemeClr>
+                </a:solidFill>
+              </a:rPr>
+              <a:t>10</a:t>
+            </a:r>
+          </a:p>
+          <a:p>
+            <a:pPr lvl="0"/>
+            <a:r>
+              <a:rPr lang="en-US" sz="3300" dirty="0" smtClean="0"/>
+              <a:t>Internet </a:t>
+            </a:r>
+            <a:endParaRPr lang="en-US" sz="3300" dirty="0"/>
+          </a:p>
+          <a:p>
+            <a:pPr lvl="0"/>
+            <a:r>
+              <a:rPr lang="en-US" sz="3300" dirty="0" smtClean="0"/>
+              <a:t>Culture &amp; Social Network </a:t>
+            </a:r>
+            <a:endParaRPr lang="en-US" sz="3300" dirty="0"/>
+          </a:p>
+        </p:txBody>
+      </p:sp>
+      <p:sp>
+        <p:nvSpPr>
+          <p:cNvPr id="24" name="CasellaDiTesto 23"/>
+          <p:cNvSpPr txBox="1"/>
+          <p:nvPr/>
+        </p:nvSpPr>
+        <p:spPr>
+          <a:xfrm>
+            <a:off x="3778126" y="7467506"/>
+            <a:ext cx="3580023" cy="4359370"/>
+          </a:xfrm>
+          <a:prstGeom prst="rect">
+            <a:avLst/>
+          </a:prstGeom>
+          <a:noFill/>
+        </p:spPr>
+        <p:txBody>
+          <a:bodyPr wrap="square" rtlCol="0">
+            <a:normAutofit/>
+          </a:bodyPr>
+          <a:lstStyle/>
+          <a:p>
+            <a:r>
+              <a:rPr lang="en-US" sz="9600" b="1" dirty="0" smtClean="0">
+                <a:solidFill>
+                  <a:schemeClr val="bg1">
+                    <a:lumMod val="85000"/>
+                  </a:schemeClr>
+                </a:solidFill>
+              </a:rPr>
+              <a:t>7</a:t>
+            </a:r>
+          </a:p>
+          <a:p>
+            <a:pPr lvl="0"/>
+            <a:r>
+              <a:rPr lang="en-US" sz="3300" dirty="0" err="1"/>
+              <a:t>Creazione</a:t>
+            </a:r>
+            <a:r>
+              <a:rPr lang="en-US" sz="3300" dirty="0"/>
+              <a:t> </a:t>
+            </a:r>
+          </a:p>
+          <a:p>
+            <a:pPr lvl="0"/>
+            <a:r>
+              <a:rPr lang="en-US" sz="3300" dirty="0"/>
+              <a:t>di un </a:t>
+            </a:r>
+            <a:r>
+              <a:rPr lang="en-US" sz="3300" dirty="0" err="1"/>
+              <a:t>esempio</a:t>
+            </a:r>
+            <a:r>
+              <a:rPr lang="en-US" sz="3300" dirty="0"/>
+              <a:t>  di </a:t>
+            </a:r>
+          </a:p>
+          <a:p>
+            <a:pPr lvl="0"/>
+            <a:r>
+              <a:rPr lang="en-US" sz="3300" dirty="0" err="1"/>
+              <a:t>applicazione</a:t>
+            </a:r>
+            <a:r>
+              <a:rPr lang="en-US" sz="3300" dirty="0"/>
+              <a:t> web</a:t>
+            </a:r>
+          </a:p>
+          <a:p>
+            <a:endParaRPr lang="en-US" sz="9600" b="1" dirty="0" smtClean="0">
+              <a:solidFill>
+                <a:schemeClr val="bg1">
+                  <a:lumMod val="85000"/>
+                </a:schemeClr>
+              </a:solidFill>
+            </a:endParaRPr>
+          </a:p>
+        </p:txBody>
+      </p:sp>
+      <p:sp>
+        <p:nvSpPr>
+          <p:cNvPr id="25" name="CasellaDiTesto 24"/>
+          <p:cNvSpPr txBox="1"/>
+          <p:nvPr/>
+        </p:nvSpPr>
+        <p:spPr>
+          <a:xfrm>
+            <a:off x="7345364" y="2754312"/>
+            <a:ext cx="3729870" cy="4679503"/>
+          </a:xfrm>
+          <a:prstGeom prst="rect">
+            <a:avLst/>
+          </a:prstGeom>
+          <a:noFill/>
+        </p:spPr>
+        <p:txBody>
+          <a:bodyPr wrap="square" rtlCol="0">
+            <a:normAutofit/>
+          </a:bodyPr>
+          <a:lstStyle/>
+          <a:p>
+            <a:r>
+              <a:rPr lang="en-US" sz="9600" dirty="0">
+                <a:ln w="0"/>
+                <a:solidFill>
+                  <a:schemeClr val="tx1"/>
+                </a:solidFill>
+                <a:effectLst>
+                  <a:outerShdw blurRad="38100" dist="19050" dir="2700000" algn="tl" rotWithShape="0">
+                    <a:schemeClr val="dk1">
+                      <a:alpha val="40000"/>
+                    </a:schemeClr>
+                  </a:outerShdw>
+                </a:effectLst>
+              </a:rPr>
+              <a:t>3</a:t>
+            </a:r>
+          </a:p>
+          <a:p>
+            <a:pPr lvl="0"/>
+            <a:endParaRPr lang="en-US" sz="3600" dirty="0" smtClean="0"/>
+          </a:p>
+          <a:p>
+            <a:pPr lvl="0"/>
+            <a:r>
+              <a:rPr lang="en-US" sz="3300" dirty="0" err="1" smtClean="0"/>
+              <a:t>Fondamenti</a:t>
+            </a:r>
+            <a:r>
+              <a:rPr lang="en-US" sz="3300" dirty="0" smtClean="0"/>
+              <a:t> </a:t>
+            </a:r>
+            <a:r>
+              <a:rPr lang="en-US" sz="3300" dirty="0" err="1" smtClean="0"/>
+              <a:t>d’informatica</a:t>
+            </a:r>
+            <a:r>
+              <a:rPr lang="en-US" sz="3300" dirty="0" smtClean="0"/>
+              <a:t> </a:t>
+            </a:r>
+          </a:p>
+          <a:p>
+            <a:pPr lvl="0"/>
+            <a:endParaRPr lang="en-US" sz="2000" dirty="0" smtClean="0"/>
+          </a:p>
+          <a:p>
+            <a:endParaRPr lang="en-US" sz="9600" dirty="0" smtClean="0">
+              <a:ln w="0"/>
               <a:solidFill>
                 <a:schemeClr val="tx1"/>
               </a:solidFill>
-              <a:latin typeface="Myriad Pro It"/>
-            </a:endParaRPr>
-          </a:p>
-          <a:p>
-            <a:pPr marL="2253927" lvl="2" indent="-914400" algn="l">
-              <a:lnSpc>
-                <a:spcPct val="150000"/>
-              </a:lnSpc>
-              <a:buClr>
-                <a:srgbClr val="FF0000"/>
-              </a:buClr>
-              <a:buFont typeface="+mj-lt"/>
-              <a:buAutoNum type="alphaLcPeriod"/>
-            </a:pPr>
-            <a:r>
-              <a:rPr lang="it-IT" sz="5000" dirty="0" smtClean="0">
-                <a:solidFill>
-                  <a:schemeClr val="tx1"/>
-                </a:solidFill>
-                <a:latin typeface="Myriad Pro It"/>
-              </a:rPr>
-              <a:t>Modello Client – Server</a:t>
-            </a:r>
-          </a:p>
-          <a:p>
-            <a:pPr marL="2253927" lvl="2" indent="-914400" algn="l">
-              <a:lnSpc>
-                <a:spcPct val="150000"/>
-              </a:lnSpc>
-              <a:buClr>
-                <a:srgbClr val="FF0000"/>
-              </a:buClr>
-              <a:buFont typeface="+mj-lt"/>
-              <a:buAutoNum type="alphaLcPeriod"/>
-            </a:pPr>
-            <a:r>
-              <a:rPr lang="it-IT" sz="5000" dirty="0" smtClean="0">
-                <a:solidFill>
-                  <a:schemeClr val="tx1"/>
-                </a:solidFill>
-                <a:latin typeface="Myriad Pro It"/>
-              </a:rPr>
-              <a:t>Introduzione ai Database</a:t>
-            </a:r>
-          </a:p>
-          <a:p>
-            <a:pPr marL="1339527" lvl="2" algn="l">
-              <a:lnSpc>
-                <a:spcPct val="150000"/>
-              </a:lnSpc>
-              <a:buClr>
-                <a:srgbClr val="FF0000"/>
-              </a:buClr>
-            </a:pPr>
-            <a:endParaRPr lang="it-IT" sz="5000" dirty="0" smtClean="0">
-              <a:solidFill>
-                <a:schemeClr val="tx1"/>
-              </a:solidFill>
-              <a:latin typeface="Myriad Pro It"/>
-            </a:endParaRPr>
-          </a:p>
-          <a:p>
-            <a:pPr marL="1131296" lvl="1" indent="-557213" algn="l">
-              <a:lnSpc>
-                <a:spcPct val="150000"/>
-              </a:lnSpc>
-              <a:buClr>
-                <a:srgbClr val="FF0000"/>
-              </a:buClr>
-              <a:buFont typeface="+mj-lt"/>
-              <a:buAutoNum type="arabicPeriod"/>
-            </a:pPr>
-            <a:r>
-              <a:rPr lang="it-IT" sz="5000" dirty="0" smtClean="0">
-                <a:solidFill>
-                  <a:schemeClr val="tx1"/>
-                </a:solidFill>
-                <a:latin typeface="Myriad Pro It"/>
-              </a:rPr>
-              <a:t>Il Linguaggio PHP</a:t>
-            </a:r>
-          </a:p>
-          <a:p>
-            <a:pPr marL="2082477" lvl="2" indent="-742950" algn="l">
-              <a:lnSpc>
-                <a:spcPct val="150000"/>
-              </a:lnSpc>
-              <a:buClr>
-                <a:srgbClr val="FF0000"/>
-              </a:buClr>
-              <a:buFont typeface="+mj-lt"/>
-              <a:buAutoNum type="alphaLcPeriod"/>
-            </a:pPr>
-            <a:r>
-              <a:rPr lang="it-IT" sz="5000" dirty="0" smtClean="0">
-                <a:solidFill>
-                  <a:schemeClr val="tx1"/>
-                </a:solidFill>
-                <a:latin typeface="Myriad Pro It"/>
-              </a:rPr>
-              <a:t>Variabili e tipi di dato</a:t>
-            </a:r>
-          </a:p>
-          <a:p>
-            <a:pPr marL="2082477" lvl="2" indent="-742950" algn="l">
-              <a:lnSpc>
-                <a:spcPct val="150000"/>
-              </a:lnSpc>
-              <a:buClr>
-                <a:srgbClr val="FF0000"/>
-              </a:buClr>
-              <a:buFont typeface="+mj-lt"/>
-              <a:buAutoNum type="alphaLcPeriod"/>
-            </a:pPr>
-            <a:r>
-              <a:rPr lang="it-IT" sz="5000" dirty="0" smtClean="0">
-                <a:solidFill>
-                  <a:schemeClr val="tx1"/>
-                </a:solidFill>
-                <a:latin typeface="Myriad Pro It"/>
-              </a:rPr>
-              <a:t>Operatori</a:t>
-            </a:r>
-          </a:p>
-          <a:p>
-            <a:pPr marL="2082477" lvl="2" indent="-742950" algn="l">
-              <a:lnSpc>
-                <a:spcPct val="150000"/>
-              </a:lnSpc>
-              <a:buClr>
-                <a:srgbClr val="FF0000"/>
-              </a:buClr>
-              <a:buFont typeface="+mj-lt"/>
-              <a:buAutoNum type="alphaLcPeriod"/>
-            </a:pPr>
-            <a:r>
-              <a:rPr lang="it-IT" sz="5000" dirty="0" smtClean="0">
-                <a:solidFill>
-                  <a:schemeClr val="tx1"/>
-                </a:solidFill>
-                <a:latin typeface="Myriad Pro It"/>
-              </a:rPr>
-              <a:t>Costrutti</a:t>
-            </a:r>
-          </a:p>
-          <a:p>
-            <a:pPr marL="2082477" lvl="2" indent="-742950" algn="l">
-              <a:lnSpc>
-                <a:spcPct val="150000"/>
-              </a:lnSpc>
-              <a:buClr>
-                <a:srgbClr val="FF0000"/>
-              </a:buClr>
-              <a:buFont typeface="+mj-lt"/>
-              <a:buAutoNum type="alphaLcPeriod"/>
-            </a:pPr>
-            <a:r>
-              <a:rPr lang="it-IT" sz="5000" dirty="0" smtClean="0">
-                <a:solidFill>
-                  <a:schemeClr val="tx1"/>
-                </a:solidFill>
-                <a:latin typeface="Myriad Pro It"/>
-              </a:rPr>
-              <a:t>Funzioni</a:t>
-            </a:r>
-            <a:endParaRPr lang="it-IT" sz="5000" dirty="0">
-              <a:solidFill>
-                <a:schemeClr val="tx1"/>
-              </a:solidFill>
-              <a:latin typeface="Myriad Pro It"/>
+              <a:effectLst>
+                <a:outerShdw blurRad="38100" dist="19050" dir="2700000" algn="tl" rotWithShape="0">
+                  <a:schemeClr val="dk1">
+                    <a:alpha val="40000"/>
+                  </a:schemeClr>
+                </a:outerShdw>
+              </a:effectLst>
             </a:endParaRPr>
           </a:p>
         </p:txBody>
@@ -46971,7 +47099,7 @@
     </p:spTree>
     <p:extLst>
       <p:ext uri="{BB962C8B-B14F-4D97-AF65-F5344CB8AC3E}">
-        <p14:creationId xmlns:p14="http://schemas.microsoft.com/office/powerpoint/2010/main" val="2403325059"/>
+        <p14:creationId xmlns:p14="http://schemas.microsoft.com/office/powerpoint/2010/main" val="3348513701"/>
       </p:ext>
     </p:extLst>
   </p:cSld>
@@ -46996,7 +47124,7 @@
 </p:sld>
 </file>
 
-<file path=ppt/slides/slide4.xml><?xml version="1.0" encoding="utf-8"?>
+<file path=ppt/slides/slide3.xml><?xml version="1.0" encoding="utf-8"?>
 <p:sld xmlns:a="http://schemas.openxmlformats.org/drawingml/2006/main" xmlns:r="http://schemas.openxmlformats.org/officeDocument/2006/relationships" xmlns:p="http://schemas.openxmlformats.org/presentationml/2006/main">
   <p:cSld>
     <p:spTree>
@@ -47041,7 +47169,7 @@
               <a:pPr>
                 <a:defRPr/>
               </a:pPr>
-              <a:t>4</a:t>
+              <a:t>3</a:t>
             </a:fld>
             <a:endParaRPr lang="en-US" dirty="0"/>
           </a:p>
@@ -47203,7 +47331,7 @@
                   <a:schemeClr val="bg1"/>
                 </a:solidFill>
               </a:rPr>
-              <a:t>Il Linguaggio PHP</a:t>
+              <a:t>Agenda</a:t>
             </a:r>
             <a:endParaRPr lang="it-IT" sz="5250" b="1" dirty="0">
               <a:solidFill>
@@ -47222,7 +47350,7 @@
         <p:spPr>
           <a:xfrm>
             <a:off x="215802" y="1244091"/>
-            <a:ext cx="17785976" cy="8107348"/>
+            <a:ext cx="17785976" cy="11569834"/>
           </a:xfrm>
           <a:prstGeom prst="rect">
             <a:avLst/>
@@ -47234,15 +47362,15 @@
           </a:bodyPr>
           <a:lstStyle/>
           <a:p>
-            <a:pPr marL="1145583" lvl="1" indent="-571500" algn="l">
+            <a:pPr marL="1131296" lvl="1" indent="-557213" algn="l">
               <a:lnSpc>
                 <a:spcPct val="150000"/>
               </a:lnSpc>
               <a:buClr>
                 <a:srgbClr val="FF0000"/>
               </a:buClr>
-              <a:buFont typeface="Arial"/>
-              <a:buChar char="•"/>
+              <a:buFont typeface="+mj-lt"/>
+              <a:buAutoNum type="arabicPeriod"/>
             </a:pPr>
             <a:r>
               <a:rPr lang="it-IT" sz="5000" dirty="0" smtClean="0">
@@ -47251,17 +47379,26 @@
                 </a:solidFill>
                 <a:latin typeface="Myriad Pro It"/>
               </a:rPr>
-              <a:t>PHP è l’acronimo ricorsivo di “PHP: </a:t>
-            </a:r>
-            <a:r>
-              <a:rPr lang="it-IT" sz="5000" dirty="0" err="1" smtClean="0">
-                <a:solidFill>
-                  <a:schemeClr val="tx1"/>
-                </a:solidFill>
-                <a:latin typeface="Myriad Pro It"/>
-              </a:rPr>
-              <a:t>Hypertext</a:t>
-            </a:r>
+              <a:t>Riassunto lezione precedente</a:t>
+            </a:r>
+            <a:endParaRPr lang="it-IT" sz="5000" dirty="0">
+              <a:solidFill>
+                <a:schemeClr val="tx1"/>
+              </a:solidFill>
+              <a:latin typeface="Myriad Pro It"/>
+            </a:endParaRPr>
+          </a:p>
+          <a:p>
+            <a:pPr marL="2253927" lvl="2" indent="-914400" algn="l">
+              <a:lnSpc>
+                <a:spcPct val="150000"/>
+              </a:lnSpc>
+              <a:buClr>
+                <a:srgbClr val="FF0000"/>
+              </a:buClr>
+              <a:buFont typeface="+mj-lt"/>
+              <a:buAutoNum type="alphaLcPeriod"/>
+            </a:pPr>
             <a:r>
               <a:rPr lang="it-IT" sz="5000" dirty="0" smtClean="0">
                 <a:solidFill>
@@ -47269,17 +47406,26 @@
                 </a:solidFill>
                 <a:latin typeface="Myriad Pro It"/>
               </a:rPr>
-              <a:t> </a:t>
-            </a:r>
-            <a:r>
-              <a:rPr lang="it-IT" sz="5000" dirty="0" err="1" smtClean="0">
-                <a:solidFill>
-                  <a:schemeClr val="tx1"/>
-                </a:solidFill>
-                <a:latin typeface="Myriad Pro It"/>
-              </a:rPr>
-              <a:t>Preprocessor</a:t>
-            </a:r>
+              <a:t>Hardware – CPU, Disco</a:t>
+            </a:r>
+            <a:endParaRPr lang="it-IT" sz="5000" dirty="0" smtClean="0">
+              <a:solidFill>
+                <a:schemeClr val="tx1"/>
+              </a:solidFill>
+              <a:latin typeface="Myriad Pro It"/>
+            </a:endParaRPr>
+          </a:p>
+          <a:p>
+            <a:pPr marL="2253927" lvl="2" indent="-914400" algn="l">
+              <a:lnSpc>
+                <a:spcPct val="150000"/>
+              </a:lnSpc>
+              <a:buClr>
+                <a:srgbClr val="FF0000"/>
+              </a:buClr>
+              <a:buFont typeface="+mj-lt"/>
+              <a:buAutoNum type="alphaLcPeriod"/>
+            </a:pPr>
             <a:r>
               <a:rPr lang="it-IT" sz="5000" dirty="0" smtClean="0">
                 <a:solidFill>
@@ -47287,19 +47433,19 @@
                 </a:solidFill>
                 <a:latin typeface="Myriad Pro It"/>
               </a:rPr>
-              <a:t>”</a:t>
-            </a:r>
-          </a:p>
-          <a:p>
-            <a:pPr marL="1145583" lvl="1" indent="-571500" algn="l">
+              <a:t>Modello Client – Server</a:t>
+            </a:r>
+          </a:p>
+          <a:p>
+            <a:pPr marL="2253927" lvl="2" indent="-914400" algn="l">
               <a:lnSpc>
                 <a:spcPct val="150000"/>
               </a:lnSpc>
               <a:buClr>
                 <a:srgbClr val="FF0000"/>
               </a:buClr>
-              <a:buFont typeface="Arial"/>
-              <a:buChar char="•"/>
+              <a:buFont typeface="+mj-lt"/>
+              <a:buAutoNum type="alphaLcPeriod"/>
             </a:pPr>
             <a:r>
               <a:rPr lang="it-IT" sz="5000" dirty="0" smtClean="0">
@@ -47308,17 +47454,36 @@
                 </a:solidFill>
                 <a:latin typeface="Myriad Pro It"/>
               </a:rPr>
-              <a:t>È un linguaggio di programmazione “general-</a:t>
-            </a:r>
-            <a:r>
-              <a:rPr lang="it-IT" sz="5000" dirty="0" err="1" smtClean="0">
-                <a:solidFill>
-                  <a:schemeClr val="tx1"/>
-                </a:solidFill>
-                <a:latin typeface="Myriad Pro It"/>
-              </a:rPr>
-              <a:t>purpose</a:t>
-            </a:r>
+              <a:t>Introduzione ai Database</a:t>
+            </a:r>
+          </a:p>
+          <a:p>
+            <a:pPr marL="1339527" lvl="2" algn="l">
+              <a:lnSpc>
+                <a:spcPct val="150000"/>
+              </a:lnSpc>
+              <a:buClr>
+                <a:srgbClr val="FF0000"/>
+              </a:buClr>
+            </a:pPr>
+            <a:endParaRPr lang="it-IT" sz="5000" dirty="0" smtClean="0">
+              <a:solidFill>
+                <a:schemeClr val="tx1"/>
+              </a:solidFill>
+              <a:latin typeface="Myriad Pro It"/>
+            </a:endParaRPr>
+          </a:p>
+          <a:p>
+            <a:pPr marL="1131296" lvl="1" indent="-557213" algn="l">
+              <a:lnSpc>
+                <a:spcPct val="150000"/>
+              </a:lnSpc>
+              <a:buClr>
+                <a:srgbClr val="FF0000"/>
+              </a:buClr>
+              <a:buFont typeface="+mj-lt"/>
+              <a:buAutoNum type="arabicPeriod"/>
+            </a:pPr>
             <a:r>
               <a:rPr lang="it-IT" sz="5000" dirty="0" smtClean="0">
                 <a:solidFill>
@@ -47326,19 +47491,19 @@
                 </a:solidFill>
                 <a:latin typeface="Myriad Pro It"/>
               </a:rPr>
-              <a:t>” usato particolarmente per creare siti web dinamici</a:t>
-            </a:r>
-          </a:p>
-          <a:p>
-            <a:pPr marL="1145583" lvl="1" indent="-571500" algn="l">
+              <a:t>Il Linguaggio PHP</a:t>
+            </a:r>
+          </a:p>
+          <a:p>
+            <a:pPr marL="2082477" lvl="2" indent="-742950" algn="l">
               <a:lnSpc>
                 <a:spcPct val="150000"/>
               </a:lnSpc>
               <a:buClr>
                 <a:srgbClr val="FF0000"/>
               </a:buClr>
-              <a:buFont typeface="Arial"/>
-              <a:buChar char="•"/>
+              <a:buFont typeface="+mj-lt"/>
+              <a:buAutoNum type="alphaLcPeriod"/>
             </a:pPr>
             <a:r>
               <a:rPr lang="it-IT" sz="5000" dirty="0" smtClean="0">
@@ -47347,19 +47512,19 @@
                 </a:solidFill>
                 <a:latin typeface="Myriad Pro It"/>
               </a:rPr>
-              <a:t>È un linguaggio interpretato, non compilato</a:t>
-            </a:r>
-          </a:p>
-          <a:p>
-            <a:pPr marL="1145583" lvl="1" indent="-571500" algn="l">
+              <a:t>Variabili e tipi di dato</a:t>
+            </a:r>
+          </a:p>
+          <a:p>
+            <a:pPr marL="2082477" lvl="2" indent="-742950" algn="l">
               <a:lnSpc>
                 <a:spcPct val="150000"/>
               </a:lnSpc>
               <a:buClr>
                 <a:srgbClr val="FF0000"/>
               </a:buClr>
-              <a:buFont typeface="Arial"/>
-              <a:buChar char="•"/>
+              <a:buFont typeface="+mj-lt"/>
+              <a:buAutoNum type="alphaLcPeriod"/>
             </a:pPr>
             <a:r>
               <a:rPr lang="it-IT" sz="5000" dirty="0" smtClean="0">
@@ -47368,7 +47533,49 @@
                 </a:solidFill>
                 <a:latin typeface="Myriad Pro It"/>
               </a:rPr>
-              <a:t>Può essere esteso aggiungendo estensioni per specifiche funzionalità (es. Database)</a:t>
+              <a:t>Operatori</a:t>
+            </a:r>
+          </a:p>
+          <a:p>
+            <a:pPr marL="2082477" lvl="2" indent="-742950" algn="l">
+              <a:lnSpc>
+                <a:spcPct val="150000"/>
+              </a:lnSpc>
+              <a:buClr>
+                <a:srgbClr val="FF0000"/>
+              </a:buClr>
+              <a:buFont typeface="+mj-lt"/>
+              <a:buAutoNum type="alphaLcPeriod"/>
+            </a:pPr>
+            <a:r>
+              <a:rPr lang="it-IT" sz="5000" dirty="0" smtClean="0">
+                <a:solidFill>
+                  <a:schemeClr val="tx1"/>
+                </a:solidFill>
+                <a:latin typeface="Myriad Pro It"/>
+              </a:rPr>
+              <a:t>Costrutti</a:t>
+            </a:r>
+          </a:p>
+          <a:p>
+            <a:pPr marL="2082477" lvl="2" indent="-742950" algn="l">
+              <a:lnSpc>
+                <a:spcPct val="150000"/>
+              </a:lnSpc>
+              <a:buClr>
+                <a:srgbClr val="FF0000"/>
+              </a:buClr>
+              <a:buFont typeface="+mj-lt"/>
+              <a:buAutoNum type="alphaLcPeriod"/>
+            </a:pPr>
+            <a:r>
+              <a:rPr lang="it-IT" sz="5000" dirty="0" smtClean="0">
+                <a:solidFill>
+                  <a:schemeClr val="tx1"/>
+                </a:solidFill>
+                <a:latin typeface="Myriad Pro It"/>
+              </a:rPr>
+              <a:t>Funzioni</a:t>
             </a:r>
             <a:endParaRPr lang="it-IT" sz="5000" dirty="0">
               <a:solidFill>
@@ -47382,7 +47589,7 @@
     </p:spTree>
     <p:extLst>
       <p:ext uri="{BB962C8B-B14F-4D97-AF65-F5344CB8AC3E}">
-        <p14:creationId xmlns:p14="http://schemas.microsoft.com/office/powerpoint/2010/main" val="2969539266"/>
+        <p14:creationId xmlns:p14="http://schemas.microsoft.com/office/powerpoint/2010/main" val="2403325059"/>
       </p:ext>
     </p:extLst>
   </p:cSld>
@@ -47407,7 +47614,7 @@
 </p:sld>
 </file>
 
-<file path=ppt/slides/slide5.xml><?xml version="1.0" encoding="utf-8"?>
+<file path=ppt/slides/slide4.xml><?xml version="1.0" encoding="utf-8"?>
 <p:sld xmlns:a="http://schemas.openxmlformats.org/drawingml/2006/main" xmlns:r="http://schemas.openxmlformats.org/officeDocument/2006/relationships" xmlns:p="http://schemas.openxmlformats.org/presentationml/2006/main">
   <p:cSld>
     <p:spTree>
@@ -47452,7 +47659,7 @@
               <a:pPr>
                 <a:defRPr/>
               </a:pPr>
-              <a:t>5</a:t>
+              <a:t>4</a:t>
             </a:fld>
             <a:endParaRPr lang="en-US" dirty="0"/>
           </a:p>
@@ -47609,20 +47816,12 @@
           <a:p>
             <a:pPr algn="l"/>
             <a:r>
-              <a:rPr lang="it-IT" sz="5250" b="1" dirty="0" err="1" smtClean="0">
-                <a:solidFill>
-                  <a:schemeClr val="bg1"/>
-                </a:solidFill>
-              </a:rPr>
-              <a:t>Perchè</a:t>
-            </a:r>
-            <a:r>
               <a:rPr lang="it-IT" sz="5250" b="1" dirty="0" smtClean="0">
                 <a:solidFill>
                   <a:schemeClr val="bg1"/>
                 </a:solidFill>
               </a:rPr>
-              <a:t> usarlo</a:t>
+              <a:t>Il Linguaggio PHP</a:t>
             </a:r>
             <a:endParaRPr lang="it-IT" sz="5250" b="1" dirty="0">
               <a:solidFill>
@@ -47634,22 +47833,21 @@
       </p:sp>
       <p:sp>
         <p:nvSpPr>
-          <p:cNvPr id="3" name="CasellaDiTesto 2"/>
-          <p:cNvSpPr txBox="1"/>
+          <p:cNvPr id="16" name="Rettangolo 15"/>
+          <p:cNvSpPr/>
           <p:nvPr/>
         </p:nvSpPr>
         <p:spPr>
           <a:xfrm>
-            <a:off x="503834" y="1242170"/>
-            <a:ext cx="16633848" cy="8107348"/>
+            <a:off x="215802" y="1244091"/>
+            <a:ext cx="17785976" cy="8107348"/>
           </a:xfrm>
           <a:prstGeom prst="rect">
             <a:avLst/>
           </a:prstGeom>
-          <a:noFill/>
-        </p:spPr>
-        <p:txBody>
-          <a:bodyPr wrap="square" rtlCol="0">
+        </p:spPr>
+        <p:txBody>
+          <a:bodyPr wrap="square">
             <a:spAutoFit/>
           </a:bodyPr>
           <a:lstStyle/>
@@ -47671,16 +47869,16 @@
                 </a:solidFill>
                 <a:latin typeface="Myriad Pro It"/>
               </a:rPr>
-              <a:t>Compatibile con tutte le piattaforme </a:t>
-            </a:r>
-            <a:r>
-              <a:rPr lang="it-IT" sz="5000" dirty="0">
+              <a:t>PHP è l’acronimo ricorsivo di “PHP: </a:t>
+            </a:r>
+            <a:r>
+              <a:rPr lang="it-IT" sz="5000" dirty="0" err="1" smtClean="0">
                 <a:solidFill>
                   <a:schemeClr val="tx1"/>
                 </a:solidFill>
                 <a:latin typeface="Myriad Pro It"/>
               </a:rPr>
-              <a:t>(Windows, Linux, Unix, Mac OS X, etc.</a:t>
+              <a:t>Hypertext</a:t>
             </a:r>
             <a:r>
               <a:rPr lang="it-IT" sz="5000" dirty="0" smtClean="0">
@@ -47689,11 +47887,29 @@
                 </a:solidFill>
                 <a:latin typeface="Myriad Pro It"/>
               </a:rPr>
-              <a:t>)</a:t>
-            </a:r>
-          </a:p>
-          <a:p>
-            <a:pPr marL="1259883" lvl="1" indent="-685800" algn="l">
+              <a:t> </a:t>
+            </a:r>
+            <a:r>
+              <a:rPr lang="it-IT" sz="5000" dirty="0" err="1" smtClean="0">
+                <a:solidFill>
+                  <a:schemeClr val="tx1"/>
+                </a:solidFill>
+                <a:latin typeface="Myriad Pro It"/>
+              </a:rPr>
+              <a:t>Preprocessor</a:t>
+            </a:r>
+            <a:r>
+              <a:rPr lang="it-IT" sz="5000" dirty="0" smtClean="0">
+                <a:solidFill>
+                  <a:schemeClr val="tx1"/>
+                </a:solidFill>
+                <a:latin typeface="Myriad Pro It"/>
+              </a:rPr>
+              <a:t>”</a:t>
+            </a:r>
+          </a:p>
+          <a:p>
+            <a:pPr marL="1145583" lvl="1" indent="-571500" algn="l">
               <a:lnSpc>
                 <a:spcPct val="150000"/>
               </a:lnSpc>
@@ -47710,7 +47926,16 @@
                 </a:solidFill>
                 <a:latin typeface="Myriad Pro It"/>
               </a:rPr>
-              <a:t>È un linguaggio open source e disponibile gratuitamente sul sito ufficiale </a:t>
+              <a:t>È un linguaggio di programmazione “general-</a:t>
+            </a:r>
+            <a:r>
+              <a:rPr lang="it-IT" sz="5000" dirty="0" err="1" smtClean="0">
+                <a:solidFill>
+                  <a:schemeClr val="tx1"/>
+                </a:solidFill>
+                <a:latin typeface="Myriad Pro It"/>
+              </a:rPr>
+              <a:t>purpose</a:t>
             </a:r>
             <a:r>
               <a:rPr lang="it-IT" sz="5000" dirty="0" smtClean="0">
@@ -47718,19 +47943,12 @@
                   <a:schemeClr val="tx1"/>
                 </a:solidFill>
                 <a:latin typeface="Myriad Pro It"/>
-                <a:hlinkClick r:id="rId3"/>
               </a:rPr>
-              <a:t>www.php.net</a:t>
-            </a:r>
-            <a:endParaRPr lang="it-IT" sz="5000" dirty="0" smtClean="0">
-              <a:solidFill>
-                <a:schemeClr val="tx1"/>
-              </a:solidFill>
-              <a:latin typeface="Myriad Pro It"/>
-            </a:endParaRPr>
-          </a:p>
-          <a:p>
-            <a:pPr marL="1259883" lvl="1" indent="-685800" algn="l">
+              <a:t>” usato particolarmente per creare siti web dinamici</a:t>
+            </a:r>
+          </a:p>
+          <a:p>
+            <a:pPr marL="1145583" lvl="1" indent="-571500" algn="l">
               <a:lnSpc>
                 <a:spcPct val="150000"/>
               </a:lnSpc>
@@ -47747,11 +47965,11 @@
                 </a:solidFill>
                 <a:latin typeface="Myriad Pro It"/>
               </a:rPr>
-              <a:t>È facile da imparare e si incorpora facilmente nelle pagine web</a:t>
-            </a:r>
-          </a:p>
-          <a:p>
-            <a:pPr marL="1259883" lvl="1" indent="-685800" algn="l">
+              <a:t>È un linguaggio interpretato, non compilato</a:t>
+            </a:r>
+          </a:p>
+          <a:p>
+            <a:pPr marL="1145583" lvl="1" indent="-571500" algn="l">
               <a:lnSpc>
                 <a:spcPct val="150000"/>
               </a:lnSpc>
@@ -47768,7 +47986,7 @@
                 </a:solidFill>
                 <a:latin typeface="Myriad Pro It"/>
               </a:rPr>
-              <a:t>Disponibilità di supporto e documentazione</a:t>
+              <a:t>Può essere esteso aggiungendo estensioni per specifiche funzionalità (es. Database)</a:t>
             </a:r>
             <a:endParaRPr lang="it-IT" sz="5000" dirty="0">
               <a:solidFill>
@@ -47782,7 +48000,7 @@
     </p:spTree>
     <p:extLst>
       <p:ext uri="{BB962C8B-B14F-4D97-AF65-F5344CB8AC3E}">
-        <p14:creationId xmlns:p14="http://schemas.microsoft.com/office/powerpoint/2010/main" val="857540070"/>
+        <p14:creationId xmlns:p14="http://schemas.microsoft.com/office/powerpoint/2010/main" val="2969539266"/>
       </p:ext>
     </p:extLst>
   </p:cSld>
@@ -47807,7 +48025,7 @@
 </p:sld>
 </file>
 
-<file path=ppt/slides/slide6.xml><?xml version="1.0" encoding="utf-8"?>
+<file path=ppt/slides/slide5.xml><?xml version="1.0" encoding="utf-8"?>
 <p:sld xmlns:a="http://schemas.openxmlformats.org/drawingml/2006/main" xmlns:r="http://schemas.openxmlformats.org/officeDocument/2006/relationships" xmlns:p="http://schemas.openxmlformats.org/presentationml/2006/main">
   <p:cSld>
     <p:spTree>
@@ -47852,7 +48070,7 @@
               <a:pPr>
                 <a:defRPr/>
               </a:pPr>
-              <a:t>6</a:t>
+              <a:t>5</a:t>
             </a:fld>
             <a:endParaRPr lang="en-US" dirty="0"/>
           </a:p>
@@ -48009,12 +48227,20 @@
           <a:p>
             <a:pPr algn="l"/>
             <a:r>
+              <a:rPr lang="it-IT" sz="5250" b="1" dirty="0" err="1" smtClean="0">
+                <a:solidFill>
+                  <a:schemeClr val="bg1"/>
+                </a:solidFill>
+              </a:rPr>
+              <a:t>Perchè</a:t>
+            </a:r>
+            <a:r>
               <a:rPr lang="it-IT" sz="5250" b="1" dirty="0" smtClean="0">
                 <a:solidFill>
                   <a:schemeClr val="bg1"/>
                 </a:solidFill>
               </a:rPr>
-              <a:t>Chi lo usa</a:t>
+              <a:t> usarlo</a:t>
             </a:r>
             <a:endParaRPr lang="it-IT" sz="5250" b="1" dirty="0">
               <a:solidFill>
@@ -48032,8 +48258,8 @@
         </p:nvSpPr>
         <p:spPr>
           <a:xfrm>
-            <a:off x="431826" y="11221035"/>
-            <a:ext cx="17353928" cy="1182375"/>
+            <a:off x="503834" y="1242170"/>
+            <a:ext cx="16633848" cy="8107348"/>
           </a:xfrm>
           <a:prstGeom prst="rect">
             <a:avLst/>
@@ -48046,13 +48272,15 @@
           </a:bodyPr>
           <a:lstStyle/>
           <a:p>
-            <a:pPr marL="574083" lvl="1">
+            <a:pPr marL="1145583" lvl="1" indent="-571500" algn="l">
               <a:lnSpc>
                 <a:spcPct val="150000"/>
               </a:lnSpc>
               <a:buClr>
                 <a:srgbClr val="FF0000"/>
               </a:buClr>
+              <a:buFont typeface="Arial"/>
+              <a:buChar char="•"/>
             </a:pPr>
             <a:r>
               <a:rPr lang="it-IT" sz="5000" dirty="0" smtClean="0">
@@ -48061,165 +48289,118 @@
                 </a:solidFill>
                 <a:latin typeface="Myriad Pro It"/>
               </a:rPr>
-              <a:t>PHP è il linguaggio usato da oltre il 70% dei siti web </a:t>
-            </a:r>
-          </a:p>
-        </p:txBody>
-      </p:sp>
-      <p:pic>
-        <p:nvPicPr>
-          <p:cNvPr id="4" name="Immagine 3" descr="fb.jpg"/>
-          <p:cNvPicPr>
-            <a:picLocks noChangeAspect="1"/>
-          </p:cNvPicPr>
-          <p:nvPr/>
-        </p:nvPicPr>
-        <p:blipFill>
-          <a:blip r:embed="rId3">
-            <a:extLst>
-              <a:ext uri="{28A0092B-C50C-407E-A947-70E740481C1C}">
-                <a14:useLocalDpi xmlns:a14="http://schemas.microsoft.com/office/drawing/2010/main" val="0"/>
-              </a:ext>
-            </a:extLst>
-          </a:blip>
-          <a:stretch>
-            <a:fillRect/>
-          </a:stretch>
-        </p:blipFill>
-        <p:spPr>
-          <a:xfrm>
-            <a:off x="935882" y="1098154"/>
-            <a:ext cx="5949702" cy="3966468"/>
-          </a:xfrm>
-          <a:prstGeom prst="rect">
-            <a:avLst/>
-          </a:prstGeom>
-        </p:spPr>
-      </p:pic>
-      <p:pic>
-        <p:nvPicPr>
-          <p:cNvPr id="5" name="Immagine 4" descr="flickr.png"/>
-          <p:cNvPicPr>
-            <a:picLocks noChangeAspect="1"/>
-          </p:cNvPicPr>
-          <p:nvPr/>
-        </p:nvPicPr>
-        <p:blipFill>
-          <a:blip r:embed="rId4">
-            <a:extLst>
-              <a:ext uri="{28A0092B-C50C-407E-A947-70E740481C1C}">
-                <a14:useLocalDpi xmlns:a14="http://schemas.microsoft.com/office/drawing/2010/main" val="0"/>
-              </a:ext>
-            </a:extLst>
-          </a:blip>
-          <a:stretch>
-            <a:fillRect/>
-          </a:stretch>
-        </p:blipFill>
-        <p:spPr>
-          <a:xfrm>
-            <a:off x="1079898" y="5562650"/>
-            <a:ext cx="4632846" cy="2884262"/>
-          </a:xfrm>
-          <a:prstGeom prst="rect">
-            <a:avLst/>
-          </a:prstGeom>
-        </p:spPr>
-      </p:pic>
-      <p:pic>
-        <p:nvPicPr>
-          <p:cNvPr id="6" name="Immagine 5" descr="wp.jpg"/>
-          <p:cNvPicPr>
-            <a:picLocks noChangeAspect="1"/>
-          </p:cNvPicPr>
-          <p:nvPr/>
-        </p:nvPicPr>
-        <p:blipFill>
-          <a:blip r:embed="rId5" cstate="print">
-            <a:extLst>
-              <a:ext uri="{28A0092B-C50C-407E-A947-70E740481C1C}">
-                <a14:useLocalDpi xmlns:a14="http://schemas.microsoft.com/office/drawing/2010/main" val="0"/>
-              </a:ext>
-            </a:extLst>
-          </a:blip>
-          <a:stretch>
-            <a:fillRect/>
-          </a:stretch>
-        </p:blipFill>
-        <p:spPr>
-          <a:xfrm>
-            <a:off x="8640738" y="2682330"/>
-            <a:ext cx="9437562" cy="3145854"/>
-          </a:xfrm>
-          <a:prstGeom prst="rect">
-            <a:avLst/>
-          </a:prstGeom>
-        </p:spPr>
-      </p:pic>
-      <p:pic>
-        <p:nvPicPr>
-          <p:cNvPr id="7" name="Immagine 6" descr="wikipedia.png"/>
-          <p:cNvPicPr>
-            <a:picLocks noChangeAspect="1"/>
-          </p:cNvPicPr>
-          <p:nvPr/>
-        </p:nvPicPr>
-        <p:blipFill>
-          <a:blip r:embed="rId6">
-            <a:extLst>
-              <a:ext uri="{28A0092B-C50C-407E-A947-70E740481C1C}">
-                <a14:useLocalDpi xmlns:a14="http://schemas.microsoft.com/office/drawing/2010/main" val="0"/>
-              </a:ext>
-            </a:extLst>
-          </a:blip>
-          <a:stretch>
-            <a:fillRect/>
-          </a:stretch>
-        </p:blipFill>
-        <p:spPr>
-          <a:xfrm>
-            <a:off x="6480498" y="6066706"/>
-            <a:ext cx="4498082" cy="3973306"/>
-          </a:xfrm>
-          <a:prstGeom prst="rect">
-            <a:avLst/>
-          </a:prstGeom>
-        </p:spPr>
-      </p:pic>
-      <p:pic>
-        <p:nvPicPr>
-          <p:cNvPr id="8" name="Immagine 7" descr="tumblr.jpg"/>
-          <p:cNvPicPr>
-            <a:picLocks noChangeAspect="1"/>
-          </p:cNvPicPr>
-          <p:nvPr/>
-        </p:nvPicPr>
-        <p:blipFill>
-          <a:blip r:embed="rId7">
-            <a:extLst>
-              <a:ext uri="{28A0092B-C50C-407E-A947-70E740481C1C}">
-                <a14:useLocalDpi xmlns:a14="http://schemas.microsoft.com/office/drawing/2010/main" val="0"/>
-              </a:ext>
-            </a:extLst>
-          </a:blip>
-          <a:stretch>
-            <a:fillRect/>
-          </a:stretch>
-        </p:blipFill>
-        <p:spPr>
-          <a:xfrm>
-            <a:off x="11939588" y="6138714"/>
-            <a:ext cx="6350000" cy="3810000"/>
-          </a:xfrm>
-          <a:prstGeom prst="rect">
-            <a:avLst/>
-          </a:prstGeom>
-        </p:spPr>
-      </p:pic>
+              <a:t>Compatibile con tutte le piattaforme </a:t>
+            </a:r>
+            <a:r>
+              <a:rPr lang="it-IT" sz="5000" dirty="0">
+                <a:solidFill>
+                  <a:schemeClr val="tx1"/>
+                </a:solidFill>
+                <a:latin typeface="Myriad Pro It"/>
+              </a:rPr>
+              <a:t>(Windows, Linux, Unix, Mac OS X, etc.</a:t>
+            </a:r>
+            <a:r>
+              <a:rPr lang="it-IT" sz="5000" dirty="0" smtClean="0">
+                <a:solidFill>
+                  <a:schemeClr val="tx1"/>
+                </a:solidFill>
+                <a:latin typeface="Myriad Pro It"/>
+              </a:rPr>
+              <a:t>)</a:t>
+            </a:r>
+          </a:p>
+          <a:p>
+            <a:pPr marL="1259883" lvl="1" indent="-685800" algn="l">
+              <a:lnSpc>
+                <a:spcPct val="150000"/>
+              </a:lnSpc>
+              <a:buClr>
+                <a:srgbClr val="FF0000"/>
+              </a:buClr>
+              <a:buFont typeface="Arial"/>
+              <a:buChar char="•"/>
+            </a:pPr>
+            <a:r>
+              <a:rPr lang="it-IT" sz="5000" dirty="0" smtClean="0">
+                <a:solidFill>
+                  <a:schemeClr val="tx1"/>
+                </a:solidFill>
+                <a:latin typeface="Myriad Pro It"/>
+              </a:rPr>
+              <a:t>È un linguaggio open source e disponibile gratuitamente sul sito ufficiale </a:t>
+            </a:r>
+            <a:r>
+              <a:rPr lang="it-IT" sz="5000" dirty="0" smtClean="0">
+                <a:solidFill>
+                  <a:schemeClr val="tx1"/>
+                </a:solidFill>
+                <a:latin typeface="Myriad Pro It"/>
+                <a:hlinkClick r:id="rId3"/>
+              </a:rPr>
+              <a:t>www.php.net</a:t>
+            </a:r>
+            <a:endParaRPr lang="it-IT" sz="5000" dirty="0" smtClean="0">
+              <a:solidFill>
+                <a:schemeClr val="tx1"/>
+              </a:solidFill>
+              <a:latin typeface="Myriad Pro It"/>
+            </a:endParaRPr>
+          </a:p>
+          <a:p>
+            <a:pPr marL="1259883" lvl="1" indent="-685800" algn="l">
+              <a:lnSpc>
+                <a:spcPct val="150000"/>
+              </a:lnSpc>
+              <a:buClr>
+                <a:srgbClr val="FF0000"/>
+              </a:buClr>
+              <a:buFont typeface="Arial"/>
+              <a:buChar char="•"/>
+            </a:pPr>
+            <a:r>
+              <a:rPr lang="it-IT" sz="5000" dirty="0" smtClean="0">
+                <a:solidFill>
+                  <a:schemeClr val="tx1"/>
+                </a:solidFill>
+                <a:latin typeface="Myriad Pro It"/>
+              </a:rPr>
+              <a:t>È facile da imparare e si incorpora facilmente nelle pagine web</a:t>
+            </a:r>
+          </a:p>
+          <a:p>
+            <a:pPr marL="1259883" lvl="1" indent="-685800" algn="l">
+              <a:lnSpc>
+                <a:spcPct val="150000"/>
+              </a:lnSpc>
+              <a:buClr>
+                <a:srgbClr val="FF0000"/>
+              </a:buClr>
+              <a:buFont typeface="Arial"/>
+              <a:buChar char="•"/>
+            </a:pPr>
+            <a:r>
+              <a:rPr lang="it-IT" sz="5000" dirty="0" smtClean="0">
+                <a:solidFill>
+                  <a:schemeClr val="tx1"/>
+                </a:solidFill>
+                <a:latin typeface="Myriad Pro It"/>
+              </a:rPr>
+              <a:t>Disponibilità di supporto e documentazione</a:t>
+            </a:r>
+            <a:endParaRPr lang="it-IT" sz="5000" dirty="0">
+              <a:solidFill>
+                <a:schemeClr val="tx1"/>
+              </a:solidFill>
+              <a:latin typeface="Myriad Pro It"/>
+            </a:endParaRPr>
+          </a:p>
+        </p:txBody>
+      </p:sp>
     </p:spTree>
     <p:extLst>
       <p:ext uri="{BB962C8B-B14F-4D97-AF65-F5344CB8AC3E}">
-        <p14:creationId xmlns:p14="http://schemas.microsoft.com/office/powerpoint/2010/main" val="1486755634"/>
+        <p14:creationId xmlns:p14="http://schemas.microsoft.com/office/powerpoint/2010/main" val="857540070"/>
       </p:ext>
     </p:extLst>
   </p:cSld>
@@ -48244,7 +48425,7 @@
 </p:sld>
 </file>
 
-<file path=ppt/slides/slide7.xml><?xml version="1.0" encoding="utf-8"?>
+<file path=ppt/slides/slide6.xml><?xml version="1.0" encoding="utf-8"?>
 <p:sld xmlns:a="http://schemas.openxmlformats.org/drawingml/2006/main" xmlns:r="http://schemas.openxmlformats.org/officeDocument/2006/relationships" xmlns:p="http://schemas.openxmlformats.org/presentationml/2006/main">
   <p:cSld>
     <p:spTree>
@@ -48289,7 +48470,7 @@
               <a:pPr>
                 <a:defRPr/>
               </a:pPr>
-              <a:t>7</a:t>
+              <a:t>6</a:t>
             </a:fld>
             <a:endParaRPr lang="en-US" dirty="0"/>
           </a:p>
@@ -48451,6 +48632,443 @@
                   <a:schemeClr val="bg1"/>
                 </a:solidFill>
               </a:rPr>
+              <a:t>Chi lo usa</a:t>
+            </a:r>
+            <a:endParaRPr lang="it-IT" sz="5250" b="1" dirty="0">
+              <a:solidFill>
+                <a:schemeClr val="bg1"/>
+              </a:solidFill>
+            </a:endParaRPr>
+          </a:p>
+        </p:txBody>
+      </p:sp>
+      <p:sp>
+        <p:nvSpPr>
+          <p:cNvPr id="3" name="CasellaDiTesto 2"/>
+          <p:cNvSpPr txBox="1"/>
+          <p:nvPr/>
+        </p:nvSpPr>
+        <p:spPr>
+          <a:xfrm>
+            <a:off x="431826" y="11221035"/>
+            <a:ext cx="17353928" cy="1182375"/>
+          </a:xfrm>
+          <a:prstGeom prst="rect">
+            <a:avLst/>
+          </a:prstGeom>
+          <a:noFill/>
+        </p:spPr>
+        <p:txBody>
+          <a:bodyPr wrap="square" rtlCol="0">
+            <a:spAutoFit/>
+          </a:bodyPr>
+          <a:lstStyle/>
+          <a:p>
+            <a:pPr marL="574083" lvl="1">
+              <a:lnSpc>
+                <a:spcPct val="150000"/>
+              </a:lnSpc>
+              <a:buClr>
+                <a:srgbClr val="FF0000"/>
+              </a:buClr>
+            </a:pPr>
+            <a:r>
+              <a:rPr lang="it-IT" sz="5000" dirty="0" smtClean="0">
+                <a:solidFill>
+                  <a:schemeClr val="tx1"/>
+                </a:solidFill>
+                <a:latin typeface="Myriad Pro It"/>
+              </a:rPr>
+              <a:t>PHP è il linguaggio usato da oltre il 70% dei siti web </a:t>
+            </a:r>
+          </a:p>
+        </p:txBody>
+      </p:sp>
+      <p:pic>
+        <p:nvPicPr>
+          <p:cNvPr id="4" name="Immagine 3" descr="fb.jpg"/>
+          <p:cNvPicPr>
+            <a:picLocks noChangeAspect="1"/>
+          </p:cNvPicPr>
+          <p:nvPr/>
+        </p:nvPicPr>
+        <p:blipFill>
+          <a:blip r:embed="rId3">
+            <a:extLst>
+              <a:ext uri="{28A0092B-C50C-407E-A947-70E740481C1C}">
+                <a14:useLocalDpi xmlns:a14="http://schemas.microsoft.com/office/drawing/2010/main" val="0"/>
+              </a:ext>
+            </a:extLst>
+          </a:blip>
+          <a:stretch>
+            <a:fillRect/>
+          </a:stretch>
+        </p:blipFill>
+        <p:spPr>
+          <a:xfrm>
+            <a:off x="935882" y="1098154"/>
+            <a:ext cx="5949702" cy="3966468"/>
+          </a:xfrm>
+          <a:prstGeom prst="rect">
+            <a:avLst/>
+          </a:prstGeom>
+        </p:spPr>
+      </p:pic>
+      <p:pic>
+        <p:nvPicPr>
+          <p:cNvPr id="5" name="Immagine 4" descr="flickr.png"/>
+          <p:cNvPicPr>
+            <a:picLocks noChangeAspect="1"/>
+          </p:cNvPicPr>
+          <p:nvPr/>
+        </p:nvPicPr>
+        <p:blipFill>
+          <a:blip r:embed="rId4">
+            <a:extLst>
+              <a:ext uri="{28A0092B-C50C-407E-A947-70E740481C1C}">
+                <a14:useLocalDpi xmlns:a14="http://schemas.microsoft.com/office/drawing/2010/main" val="0"/>
+              </a:ext>
+            </a:extLst>
+          </a:blip>
+          <a:stretch>
+            <a:fillRect/>
+          </a:stretch>
+        </p:blipFill>
+        <p:spPr>
+          <a:xfrm>
+            <a:off x="1079898" y="5562650"/>
+            <a:ext cx="4632846" cy="2884262"/>
+          </a:xfrm>
+          <a:prstGeom prst="rect">
+            <a:avLst/>
+          </a:prstGeom>
+        </p:spPr>
+      </p:pic>
+      <p:pic>
+        <p:nvPicPr>
+          <p:cNvPr id="6" name="Immagine 5" descr="wp.jpg"/>
+          <p:cNvPicPr>
+            <a:picLocks noChangeAspect="1"/>
+          </p:cNvPicPr>
+          <p:nvPr/>
+        </p:nvPicPr>
+        <p:blipFill>
+          <a:blip r:embed="rId5" cstate="print">
+            <a:extLst>
+              <a:ext uri="{28A0092B-C50C-407E-A947-70E740481C1C}">
+                <a14:useLocalDpi xmlns:a14="http://schemas.microsoft.com/office/drawing/2010/main" val="0"/>
+              </a:ext>
+            </a:extLst>
+          </a:blip>
+          <a:stretch>
+            <a:fillRect/>
+          </a:stretch>
+        </p:blipFill>
+        <p:spPr>
+          <a:xfrm>
+            <a:off x="8640738" y="2682330"/>
+            <a:ext cx="9437562" cy="3145854"/>
+          </a:xfrm>
+          <a:prstGeom prst="rect">
+            <a:avLst/>
+          </a:prstGeom>
+        </p:spPr>
+      </p:pic>
+      <p:pic>
+        <p:nvPicPr>
+          <p:cNvPr id="7" name="Immagine 6" descr="wikipedia.png"/>
+          <p:cNvPicPr>
+            <a:picLocks noChangeAspect="1"/>
+          </p:cNvPicPr>
+          <p:nvPr/>
+        </p:nvPicPr>
+        <p:blipFill>
+          <a:blip r:embed="rId6">
+            <a:extLst>
+              <a:ext uri="{28A0092B-C50C-407E-A947-70E740481C1C}">
+                <a14:useLocalDpi xmlns:a14="http://schemas.microsoft.com/office/drawing/2010/main" val="0"/>
+              </a:ext>
+            </a:extLst>
+          </a:blip>
+          <a:stretch>
+            <a:fillRect/>
+          </a:stretch>
+        </p:blipFill>
+        <p:spPr>
+          <a:xfrm>
+            <a:off x="6480498" y="6066706"/>
+            <a:ext cx="4498082" cy="3973306"/>
+          </a:xfrm>
+          <a:prstGeom prst="rect">
+            <a:avLst/>
+          </a:prstGeom>
+        </p:spPr>
+      </p:pic>
+      <p:pic>
+        <p:nvPicPr>
+          <p:cNvPr id="8" name="Immagine 7" descr="tumblr.jpg"/>
+          <p:cNvPicPr>
+            <a:picLocks noChangeAspect="1"/>
+          </p:cNvPicPr>
+          <p:nvPr/>
+        </p:nvPicPr>
+        <p:blipFill>
+          <a:blip r:embed="rId7">
+            <a:extLst>
+              <a:ext uri="{28A0092B-C50C-407E-A947-70E740481C1C}">
+                <a14:useLocalDpi xmlns:a14="http://schemas.microsoft.com/office/drawing/2010/main" val="0"/>
+              </a:ext>
+            </a:extLst>
+          </a:blip>
+          <a:stretch>
+            <a:fillRect/>
+          </a:stretch>
+        </p:blipFill>
+        <p:spPr>
+          <a:xfrm>
+            <a:off x="11939588" y="6138714"/>
+            <a:ext cx="6350000" cy="3810000"/>
+          </a:xfrm>
+          <a:prstGeom prst="rect">
+            <a:avLst/>
+          </a:prstGeom>
+        </p:spPr>
+      </p:pic>
+    </p:spTree>
+    <p:extLst>
+      <p:ext uri="{BB962C8B-B14F-4D97-AF65-F5344CB8AC3E}">
+        <p14:creationId xmlns:p14="http://schemas.microsoft.com/office/powerpoint/2010/main" val="1486755634"/>
+      </p:ext>
+    </p:extLst>
+  </p:cSld>
+  <p:clrMapOvr>
+    <a:masterClrMapping/>
+  </p:clrMapOvr>
+  <mc:AlternateContent xmlns:mc="http://schemas.openxmlformats.org/markup-compatibility/2006" xmlns:p14="http://schemas.microsoft.com/office/powerpoint/2010/main">
+    <mc:Choice Requires="p14">
+      <p:transition p14:dur="0"/>
+    </mc:Choice>
+    <mc:Fallback xmlns="">
+      <p:transition/>
+    </mc:Fallback>
+  </mc:AlternateContent>
+  <p:timing>
+    <p:tnLst>
+      <p:par>
+        <p:cTn xmlns:p14="http://schemas.microsoft.com/office/powerpoint/2010/main" id="1" dur="indefinite" restart="never" nodeType="tmRoot"/>
+      </p:par>
+    </p:tnLst>
+  </p:timing>
+</p:sld>
+</file>
+
+<file path=ppt/slides/slide7.xml><?xml version="1.0" encoding="utf-8"?>
+<p:sld xmlns:a="http://schemas.openxmlformats.org/drawingml/2006/main" xmlns:r="http://schemas.openxmlformats.org/officeDocument/2006/relationships" xmlns:p="http://schemas.openxmlformats.org/presentationml/2006/main">
+  <p:cSld>
+    <p:spTree>
+      <p:nvGrpSpPr>
+        <p:cNvPr id="1" name=""/>
+        <p:cNvGrpSpPr/>
+        <p:nvPr/>
+      </p:nvGrpSpPr>
+      <p:grpSpPr>
+        <a:xfrm>
+          <a:off x="0" y="0"/>
+          <a:ext cx="0" cy="0"/>
+          <a:chOff x="0" y="0"/>
+          <a:chExt cx="0" cy="0"/>
+        </a:xfrm>
+      </p:grpSpPr>
+      <p:sp>
+        <p:nvSpPr>
+          <p:cNvPr id="9" name="Segnaposto numero diapositiva 3"/>
+          <p:cNvSpPr>
+            <a:spLocks noGrp="1"/>
+          </p:cNvSpPr>
+          <p:nvPr>
+            <p:ph type="sldNum" sz="quarter" idx="10"/>
+          </p:nvPr>
+        </p:nvSpPr>
+        <p:spPr>
+          <a:xfrm>
+            <a:off x="14329370" y="134481"/>
+            <a:ext cx="1035655" cy="790386"/>
+          </a:xfrm>
+        </p:spPr>
+        <p:txBody>
+          <a:bodyPr/>
+          <a:lstStyle/>
+          <a:p>
+            <a:pPr>
+              <a:defRPr/>
+            </a:pPr>
+            <a:fld id="{EB6261B4-EFF1-4853-827D-F5F88062924F}" type="slidenum">
+              <a:rPr lang="en-US"/>
+              <a:pPr>
+                <a:defRPr/>
+              </a:pPr>
+              <a:t>7</a:t>
+            </a:fld>
+            <a:endParaRPr lang="en-US" dirty="0"/>
+          </a:p>
+        </p:txBody>
+      </p:sp>
+      <p:grpSp>
+        <p:nvGrpSpPr>
+          <p:cNvPr id="2" name="Gruppo 1"/>
+          <p:cNvGrpSpPr/>
+          <p:nvPr/>
+        </p:nvGrpSpPr>
+        <p:grpSpPr>
+          <a:xfrm>
+            <a:off x="15527046" y="18034"/>
+            <a:ext cx="2700359" cy="955584"/>
+            <a:chOff x="1607618" y="184108"/>
+            <a:chExt cx="3600400" cy="1274085"/>
+          </a:xfrm>
+        </p:grpSpPr>
+        <p:pic>
+          <p:nvPicPr>
+            <p:cNvPr id="17416" name="Picture 1"/>
+            <p:cNvPicPr>
+              <a:picLocks noChangeAspect="1" noChangeArrowheads="1"/>
+            </p:cNvPicPr>
+            <p:nvPr/>
+          </p:nvPicPr>
+          <p:blipFill>
+            <a:blip r:embed="rId2">
+              <a:extLst>
+                <a:ext uri="{28A0092B-C50C-407E-A947-70E740481C1C}">
+                  <a14:useLocalDpi xmlns:a14="http://schemas.microsoft.com/office/drawing/2010/main" val="0"/>
+                </a:ext>
+              </a:extLst>
+            </a:blip>
+            <a:srcRect/>
+            <a:stretch>
+              <a:fillRect/>
+            </a:stretch>
+          </p:blipFill>
+          <p:spPr bwMode="auto">
+            <a:xfrm>
+              <a:off x="2081696" y="408263"/>
+              <a:ext cx="3126322" cy="728514"/>
+            </a:xfrm>
+            <a:prstGeom prst="rect">
+              <a:avLst/>
+            </a:prstGeom>
+            <a:noFill/>
+            <a:ln>
+              <a:noFill/>
+            </a:ln>
+            <a:extLst>
+              <a:ext uri="{909E8E84-426E-40dd-AFC4-6F175D3DCCD1}">
+                <a14:hiddenFill xmlns:a14="http://schemas.microsoft.com/office/drawing/2010/main">
+                  <a:solidFill>
+                    <a:srgbClr val="FFFFFF"/>
+                  </a:solidFill>
+                </a14:hiddenFill>
+              </a:ext>
+              <a:ext uri="{91240B29-F687-4f45-9708-019B960494DF}">
+                <a14:hiddenLine xmlns:a14="http://schemas.microsoft.com/office/drawing/2010/main" w="12700">
+                  <a:solidFill>
+                    <a:schemeClr val="tx1"/>
+                  </a:solidFill>
+                  <a:miter lim="800000"/>
+                  <a:headEnd/>
+                  <a:tailEnd/>
+                </a14:hiddenLine>
+              </a:ext>
+            </a:extLst>
+          </p:spPr>
+        </p:pic>
+        <p:sp>
+          <p:nvSpPr>
+            <p:cNvPr id="17417" name="Line 2"/>
+            <p:cNvSpPr>
+              <a:spLocks noChangeShapeType="1"/>
+            </p:cNvSpPr>
+            <p:nvPr/>
+          </p:nvSpPr>
+          <p:spPr bwMode="auto">
+            <a:xfrm>
+              <a:off x="1607618" y="184108"/>
+              <a:ext cx="0" cy="1274085"/>
+            </a:xfrm>
+            <a:prstGeom prst="line">
+              <a:avLst/>
+            </a:prstGeom>
+            <a:noFill/>
+            <a:ln w="12700">
+              <a:solidFill>
+                <a:srgbClr val="DBDBDB"/>
+              </a:solidFill>
+              <a:miter lim="800000"/>
+              <a:headEnd/>
+              <a:tailEnd/>
+            </a:ln>
+            <a:extLst>
+              <a:ext uri="{909E8E84-426E-40dd-AFC4-6F175D3DCCD1}">
+                <a14:hiddenFill xmlns:a14="http://schemas.microsoft.com/office/drawing/2010/main">
+                  <a:noFill/>
+                </a14:hiddenFill>
+              </a:ext>
+            </a:extLst>
+          </p:spPr>
+          <p:txBody>
+            <a:bodyPr lIns="0" tIns="0" rIns="0" bIns="0"/>
+            <a:lstStyle/>
+            <a:p>
+              <a:endParaRPr lang="it-IT" sz="5250"/>
+            </a:p>
+          </p:txBody>
+        </p:sp>
+      </p:grpSp>
+      <p:sp>
+        <p:nvSpPr>
+          <p:cNvPr id="17412" name="Rectangle 4"/>
+          <p:cNvSpPr>
+            <a:spLocks/>
+          </p:cNvSpPr>
+          <p:nvPr/>
+        </p:nvSpPr>
+        <p:spPr bwMode="auto">
+          <a:xfrm>
+            <a:off x="-29619" y="0"/>
+            <a:ext cx="14430997" cy="973618"/>
+          </a:xfrm>
+          <a:prstGeom prst="rect">
+            <a:avLst/>
+          </a:prstGeom>
+          <a:solidFill>
+            <a:schemeClr val="accent1"/>
+          </a:solidFill>
+          <a:ln>
+            <a:noFill/>
+          </a:ln>
+          <a:extLst>
+            <a:ext uri="{91240B29-F687-4f45-9708-019B960494DF}">
+              <a14:hiddenLine xmlns:a14="http://schemas.microsoft.com/office/drawing/2010/main" w="25400">
+                <a:solidFill>
+                  <a:schemeClr val="tx1"/>
+                </a:solidFill>
+                <a:miter lim="800000"/>
+                <a:headEnd/>
+                <a:tailEnd/>
+              </a14:hiddenLine>
+            </a:ext>
+          </a:extLst>
+        </p:spPr>
+        <p:txBody>
+          <a:bodyPr lIns="360000" tIns="0" rIns="0" bIns="0" anchor="ctr"/>
+          <a:lstStyle/>
+          <a:p>
+            <a:pPr algn="l"/>
+            <a:r>
+              <a:rPr lang="it-IT" sz="5250" b="1" dirty="0" smtClean="0">
+                <a:solidFill>
+                  <a:schemeClr val="bg1"/>
+                </a:solidFill>
+              </a:rPr>
               <a:t>Struttura del codice PHP</a:t>
             </a:r>
             <a:endParaRPr lang="it-IT" sz="5250" b="1" dirty="0">
@@ -48692,7 +49310,7 @@
                 <a:latin typeface="Monaco"/>
                 <a:cs typeface="Monaco"/>
               </a:rPr>
-              <a:t> “Hello world”;</a:t>
+              <a:t> ‘Hello world’;</a:t>
             </a:r>
             <a:endParaRPr lang="it-IT" sz="5000" dirty="0">
               <a:latin typeface="Monaco"/>
@@ -49560,6 +50178,55 @@
               <a:t>Associativi: gli indici sono rappresentati da stringhe</a:t>
             </a:r>
             <a:endParaRPr lang="it-IT" sz="5000" dirty="0">
+              <a:solidFill>
+                <a:schemeClr val="tx1"/>
+              </a:solidFill>
+              <a:latin typeface="Myriad Pro It"/>
+            </a:endParaRPr>
+          </a:p>
+        </p:txBody>
+      </p:sp>
+      <p:sp>
+        <p:nvSpPr>
+          <p:cNvPr id="11" name="Rettangolo 10"/>
+          <p:cNvSpPr/>
+          <p:nvPr/>
+        </p:nvSpPr>
+        <p:spPr>
+          <a:xfrm>
+            <a:off x="359818" y="12763450"/>
+            <a:ext cx="17641960" cy="553998"/>
+          </a:xfrm>
+          <a:prstGeom prst="rect">
+            <a:avLst/>
+          </a:prstGeom>
+        </p:spPr>
+        <p:txBody>
+          <a:bodyPr wrap="square">
+            <a:spAutoFit/>
+          </a:bodyPr>
+          <a:lstStyle/>
+          <a:p>
+            <a:pPr algn="l"/>
+            <a:r>
+              <a:rPr lang="it-IT" sz="3000" i="1" dirty="0" smtClean="0">
+                <a:solidFill>
+                  <a:schemeClr val="tx1"/>
+                </a:solidFill>
+                <a:latin typeface="Myriad Pro It"/>
+              </a:rPr>
+              <a:t>Esempi: </a:t>
+            </a:r>
+            <a:r>
+              <a:rPr lang="it-IT" sz="3000" i="1" dirty="0" err="1" smtClean="0">
+                <a:solidFill>
+                  <a:schemeClr val="tx1"/>
+                </a:solidFill>
+                <a:latin typeface="Myriad Pro It"/>
+              </a:rPr>
+              <a:t>variabili.php</a:t>
+            </a:r>
+            <a:endParaRPr lang="it-IT" sz="3000" i="1" dirty="0">
               <a:solidFill>
                 <a:schemeClr val="tx1"/>
               </a:solidFill>
